--- a/ОС лабораторная работа№1.pptx
+++ b/ОС лабораторная работа№1.pptx
@@ -2,16 +2,26 @@
 <file path=ppt/presentation.xml><?xml version="1.0" encoding="utf-8"?>
 <p:presentation xmlns:a="http://schemas.openxmlformats.org/drawingml/2006/main" xmlns:r="http://schemas.openxmlformats.org/officeDocument/2006/relationships" xmlns:p="http://schemas.openxmlformats.org/presentationml/2006/main" saveSubsetFonts="1">
   <p:sldMasterIdLst>
-    <p:sldMasterId id="2147483648" r:id="rId1"/>
+    <p:sldMasterId id="2147483698" r:id="rId1"/>
   </p:sldMasterIdLst>
   <p:sldIdLst>
     <p:sldId id="256" r:id="rId2"/>
+    <p:sldId id="257" r:id="rId3"/>
+    <p:sldId id="261" r:id="rId4"/>
+    <p:sldId id="258" r:id="rId5"/>
+    <p:sldId id="259" r:id="rId6"/>
+    <p:sldId id="262" r:id="rId7"/>
+    <p:sldId id="263" r:id="rId8"/>
+    <p:sldId id="264" r:id="rId9"/>
+    <p:sldId id="265" r:id="rId10"/>
+    <p:sldId id="260" r:id="rId11"/>
+    <p:sldId id="266" r:id="rId12"/>
   </p:sldIdLst>
   <p:sldSz cx="12192000" cy="6858000"/>
   <p:notesSz cx="6858000" cy="9144000"/>
   <p:defaultTextStyle>
     <a:defPPr>
-      <a:defRPr lang="ru-RU"/>
+      <a:defRPr lang="ru-UA"/>
     </a:defPPr>
     <a:lvl1pPr marL="0" algn="l" defTabSz="914400" rtl="0" eaLnBrk="1" latinLnBrk="0" hangingPunct="1">
       <a:defRPr sz="1800" kern="1200">
@@ -104,6 +114,11 @@
       </a:defRPr>
     </a:lvl9pPr>
   </p:defaultTextStyle>
+  <p:extLst>
+    <p:ext uri="{EFAFB233-063F-42B5-8137-9DF3F51BA10A}">
+      <p15:sldGuideLst xmlns:p15="http://schemas.microsoft.com/office/powerpoint/2012/main"/>
+    </p:ext>
+  </p:extLst>
 </p:presentation>
 </file>
 
@@ -126,7 +141,13 @@
       </p:grpSpPr>
       <p:sp>
         <p:nvSpPr>
-          <p:cNvPr id="2" name="Заголовок 1"/>
+          <p:cNvPr id="2" name="Заголовок 1">
+            <a:extLst>
+              <a:ext uri="{FF2B5EF4-FFF2-40B4-BE49-F238E27FC236}">
+                <a16:creationId xmlns:a16="http://schemas.microsoft.com/office/drawing/2014/main" id="{B41213A3-4D6A-4826-A2FB-3333C751CACA}"/>
+              </a:ext>
+            </a:extLst>
+          </p:cNvPr>
           <p:cNvSpPr>
             <a:spLocks noGrp="1"/>
           </p:cNvSpPr>
@@ -149,16 +170,22 @@
           </a:lstStyle>
           <a:p>
             <a:r>
-              <a:rPr lang="ru-RU" smtClean="0"/>
+              <a:rPr lang="ru-RU"/>
               <a:t>Образец заголовка</a:t>
             </a:r>
-            <a:endParaRPr lang="ru-RU"/>
-          </a:p>
-        </p:txBody>
-      </p:sp>
-      <p:sp>
-        <p:nvSpPr>
-          <p:cNvPr id="3" name="Подзаголовок 2"/>
+            <a:endParaRPr lang="ru-UA"/>
+          </a:p>
+        </p:txBody>
+      </p:sp>
+      <p:sp>
+        <p:nvSpPr>
+          <p:cNvPr id="3" name="Подзаголовок 2">
+            <a:extLst>
+              <a:ext uri="{FF2B5EF4-FFF2-40B4-BE49-F238E27FC236}">
+                <a16:creationId xmlns:a16="http://schemas.microsoft.com/office/drawing/2014/main" id="{D47A3045-6DB1-4C69-B0F4-E365580A5A40}"/>
+              </a:ext>
+            </a:extLst>
+          </p:cNvPr>
           <p:cNvSpPr>
             <a:spLocks noGrp="1"/>
           </p:cNvSpPr>
@@ -214,16 +241,22 @@
           </a:lstStyle>
           <a:p>
             <a:r>
-              <a:rPr lang="ru-RU" smtClean="0"/>
+              <a:rPr lang="ru-RU"/>
               <a:t>Образец подзаголовка</a:t>
             </a:r>
-            <a:endParaRPr lang="ru-RU"/>
-          </a:p>
-        </p:txBody>
-      </p:sp>
-      <p:sp>
-        <p:nvSpPr>
-          <p:cNvPr id="4" name="Дата 3"/>
+            <a:endParaRPr lang="ru-UA"/>
+          </a:p>
+        </p:txBody>
+      </p:sp>
+      <p:sp>
+        <p:nvSpPr>
+          <p:cNvPr id="4" name="Дата 3">
+            <a:extLst>
+              <a:ext uri="{FF2B5EF4-FFF2-40B4-BE49-F238E27FC236}">
+                <a16:creationId xmlns:a16="http://schemas.microsoft.com/office/drawing/2014/main" id="{EC05358E-C3B7-4220-9144-443A64D79654}"/>
+              </a:ext>
+            </a:extLst>
+          </p:cNvPr>
           <p:cNvSpPr>
             <a:spLocks noGrp="1"/>
           </p:cNvSpPr>
@@ -236,7 +269,7 @@
           <a:bodyPr/>
           <a:lstStyle/>
           <a:p>
-            <a:fld id="{D62FD567-7F1A-401C-9125-B980ED9FEBBD}" type="datetimeFigureOut">
+            <a:fld id="{00C59712-ACD0-40E5-87C2-47EE9FB85628}" type="datetimeFigureOut">
               <a:rPr lang="ru-RU" smtClean="0"/>
               <a:t>02.03.2021</a:t>
             </a:fld>
@@ -246,7 +279,13 @@
       </p:sp>
       <p:sp>
         <p:nvSpPr>
-          <p:cNvPr id="5" name="Нижний колонтитул 4"/>
+          <p:cNvPr id="5" name="Нижний колонтитул 4">
+            <a:extLst>
+              <a:ext uri="{FF2B5EF4-FFF2-40B4-BE49-F238E27FC236}">
+                <a16:creationId xmlns:a16="http://schemas.microsoft.com/office/drawing/2014/main" id="{453B2B9E-8EB9-4C38-98F8-2DA968847B09}"/>
+              </a:ext>
+            </a:extLst>
+          </p:cNvPr>
           <p:cNvSpPr>
             <a:spLocks noGrp="1"/>
           </p:cNvSpPr>
@@ -265,7 +304,13 @@
       </p:sp>
       <p:sp>
         <p:nvSpPr>
-          <p:cNvPr id="6" name="Номер слайда 5"/>
+          <p:cNvPr id="6" name="Номер слайда 5">
+            <a:extLst>
+              <a:ext uri="{FF2B5EF4-FFF2-40B4-BE49-F238E27FC236}">
+                <a16:creationId xmlns:a16="http://schemas.microsoft.com/office/drawing/2014/main" id="{2E482797-49EC-4C23-95B6-2DD5B8CDCF59}"/>
+              </a:ext>
+            </a:extLst>
+          </p:cNvPr>
           <p:cNvSpPr>
             <a:spLocks noGrp="1"/>
           </p:cNvSpPr>
@@ -278,7 +323,7 @@
           <a:bodyPr/>
           <a:lstStyle/>
           <a:p>
-            <a:fld id="{F8214BF2-94C6-4EA6-B1F6-3C21A0565B15}" type="slidenum">
+            <a:fld id="{A67650F7-0E72-4095-9820-0D114D4A06FC}" type="slidenum">
               <a:rPr lang="ru-RU" smtClean="0"/>
               <a:t>‹#›</a:t>
             </a:fld>
@@ -289,7 +334,7 @@
     </p:spTree>
     <p:extLst>
       <p:ext uri="{BB962C8B-B14F-4D97-AF65-F5344CB8AC3E}">
-        <p14:creationId xmlns:p14="http://schemas.microsoft.com/office/powerpoint/2010/main" val="1310942964"/>
+        <p14:creationId xmlns:p14="http://schemas.microsoft.com/office/powerpoint/2010/main" val="617660191"/>
       </p:ext>
     </p:extLst>
   </p:cSld>
@@ -318,7 +363,13 @@
       </p:grpSpPr>
       <p:sp>
         <p:nvSpPr>
-          <p:cNvPr id="2" name="Заголовок 1"/>
+          <p:cNvPr id="2" name="Заголовок 1">
+            <a:extLst>
+              <a:ext uri="{FF2B5EF4-FFF2-40B4-BE49-F238E27FC236}">
+                <a16:creationId xmlns:a16="http://schemas.microsoft.com/office/drawing/2014/main" id="{BAD63B50-33CF-440E-8A43-1D278104D60C}"/>
+              </a:ext>
+            </a:extLst>
+          </p:cNvPr>
           <p:cNvSpPr>
             <a:spLocks noGrp="1"/>
           </p:cNvSpPr>
@@ -332,16 +383,22 @@
           <a:lstStyle/>
           <a:p>
             <a:r>
-              <a:rPr lang="ru-RU" smtClean="0"/>
+              <a:rPr lang="ru-RU"/>
               <a:t>Образец заголовка</a:t>
             </a:r>
-            <a:endParaRPr lang="ru-RU"/>
-          </a:p>
-        </p:txBody>
-      </p:sp>
-      <p:sp>
-        <p:nvSpPr>
-          <p:cNvPr id="3" name="Вертикальный текст 2"/>
+            <a:endParaRPr lang="ru-UA"/>
+          </a:p>
+        </p:txBody>
+      </p:sp>
+      <p:sp>
+        <p:nvSpPr>
+          <p:cNvPr id="3" name="Вертикальный текст 2">
+            <a:extLst>
+              <a:ext uri="{FF2B5EF4-FFF2-40B4-BE49-F238E27FC236}">
+                <a16:creationId xmlns:a16="http://schemas.microsoft.com/office/drawing/2014/main" id="{7FE9B4D7-5DE1-4E83-B2AA-47BC0FFA9F99}"/>
+              </a:ext>
+            </a:extLst>
+          </p:cNvPr>
           <p:cNvSpPr>
             <a:spLocks noGrp="1"/>
           </p:cNvSpPr>
@@ -356,44 +413,50 @@
           <a:p>
             <a:pPr lvl="0"/>
             <a:r>
-              <a:rPr lang="ru-RU" smtClean="0"/>
+              <a:rPr lang="ru-RU"/>
               <a:t>Образец текста</a:t>
             </a:r>
           </a:p>
           <a:p>
             <a:pPr lvl="1"/>
             <a:r>
-              <a:rPr lang="ru-RU" smtClean="0"/>
+              <a:rPr lang="ru-RU"/>
               <a:t>Второй уровень</a:t>
             </a:r>
           </a:p>
           <a:p>
             <a:pPr lvl="2"/>
             <a:r>
-              <a:rPr lang="ru-RU" smtClean="0"/>
+              <a:rPr lang="ru-RU"/>
               <a:t>Третий уровень</a:t>
             </a:r>
           </a:p>
           <a:p>
             <a:pPr lvl="3"/>
             <a:r>
-              <a:rPr lang="ru-RU" smtClean="0"/>
+              <a:rPr lang="ru-RU"/>
               <a:t>Четвертый уровень</a:t>
             </a:r>
           </a:p>
           <a:p>
             <a:pPr lvl="4"/>
             <a:r>
-              <a:rPr lang="ru-RU" smtClean="0"/>
+              <a:rPr lang="ru-RU"/>
               <a:t>Пятый уровень</a:t>
             </a:r>
-            <a:endParaRPr lang="ru-RU"/>
-          </a:p>
-        </p:txBody>
-      </p:sp>
-      <p:sp>
-        <p:nvSpPr>
-          <p:cNvPr id="4" name="Дата 3"/>
+            <a:endParaRPr lang="ru-UA"/>
+          </a:p>
+        </p:txBody>
+      </p:sp>
+      <p:sp>
+        <p:nvSpPr>
+          <p:cNvPr id="4" name="Дата 3">
+            <a:extLst>
+              <a:ext uri="{FF2B5EF4-FFF2-40B4-BE49-F238E27FC236}">
+                <a16:creationId xmlns:a16="http://schemas.microsoft.com/office/drawing/2014/main" id="{4288BBE5-7339-422C-BCE8-6C2117DEA9AC}"/>
+              </a:ext>
+            </a:extLst>
+          </p:cNvPr>
           <p:cNvSpPr>
             <a:spLocks noGrp="1"/>
           </p:cNvSpPr>
@@ -406,7 +469,7 @@
           <a:bodyPr/>
           <a:lstStyle/>
           <a:p>
-            <a:fld id="{D62FD567-7F1A-401C-9125-B980ED9FEBBD}" type="datetimeFigureOut">
+            <a:fld id="{00C59712-ACD0-40E5-87C2-47EE9FB85628}" type="datetimeFigureOut">
               <a:rPr lang="ru-RU" smtClean="0"/>
               <a:t>02.03.2021</a:t>
             </a:fld>
@@ -416,7 +479,13 @@
       </p:sp>
       <p:sp>
         <p:nvSpPr>
-          <p:cNvPr id="5" name="Нижний колонтитул 4"/>
+          <p:cNvPr id="5" name="Нижний колонтитул 4">
+            <a:extLst>
+              <a:ext uri="{FF2B5EF4-FFF2-40B4-BE49-F238E27FC236}">
+                <a16:creationId xmlns:a16="http://schemas.microsoft.com/office/drawing/2014/main" id="{7278653A-E061-4CEC-9E56-5AE878BBB645}"/>
+              </a:ext>
+            </a:extLst>
+          </p:cNvPr>
           <p:cNvSpPr>
             <a:spLocks noGrp="1"/>
           </p:cNvSpPr>
@@ -435,7 +504,13 @@
       </p:sp>
       <p:sp>
         <p:nvSpPr>
-          <p:cNvPr id="6" name="Номер слайда 5"/>
+          <p:cNvPr id="6" name="Номер слайда 5">
+            <a:extLst>
+              <a:ext uri="{FF2B5EF4-FFF2-40B4-BE49-F238E27FC236}">
+                <a16:creationId xmlns:a16="http://schemas.microsoft.com/office/drawing/2014/main" id="{7D0F4B8A-08CE-4A69-8702-01016DD70905}"/>
+              </a:ext>
+            </a:extLst>
+          </p:cNvPr>
           <p:cNvSpPr>
             <a:spLocks noGrp="1"/>
           </p:cNvSpPr>
@@ -448,7 +523,7 @@
           <a:bodyPr/>
           <a:lstStyle/>
           <a:p>
-            <a:fld id="{F8214BF2-94C6-4EA6-B1F6-3C21A0565B15}" type="slidenum">
+            <a:fld id="{A67650F7-0E72-4095-9820-0D114D4A06FC}" type="slidenum">
               <a:rPr lang="ru-RU" smtClean="0"/>
               <a:t>‹#›</a:t>
             </a:fld>
@@ -459,7 +534,7 @@
     </p:spTree>
     <p:extLst>
       <p:ext uri="{BB962C8B-B14F-4D97-AF65-F5344CB8AC3E}">
-        <p14:creationId xmlns:p14="http://schemas.microsoft.com/office/powerpoint/2010/main" val="3501044119"/>
+        <p14:creationId xmlns:p14="http://schemas.microsoft.com/office/powerpoint/2010/main" val="2764024934"/>
       </p:ext>
     </p:extLst>
   </p:cSld>
@@ -488,7 +563,13 @@
       </p:grpSpPr>
       <p:sp>
         <p:nvSpPr>
-          <p:cNvPr id="2" name="Вертикальный заголовок 1"/>
+          <p:cNvPr id="2" name="Вертикальный заголовок 1">
+            <a:extLst>
+              <a:ext uri="{FF2B5EF4-FFF2-40B4-BE49-F238E27FC236}">
+                <a16:creationId xmlns:a16="http://schemas.microsoft.com/office/drawing/2014/main" id="{73FAFC26-BCE5-4CD2-B6FB-F7886F87A037}"/>
+              </a:ext>
+            </a:extLst>
+          </p:cNvPr>
           <p:cNvSpPr>
             <a:spLocks noGrp="1"/>
           </p:cNvSpPr>
@@ -507,16 +588,22 @@
           <a:lstStyle/>
           <a:p>
             <a:r>
-              <a:rPr lang="ru-RU" smtClean="0"/>
+              <a:rPr lang="ru-RU"/>
               <a:t>Образец заголовка</a:t>
             </a:r>
-            <a:endParaRPr lang="ru-RU"/>
-          </a:p>
-        </p:txBody>
-      </p:sp>
-      <p:sp>
-        <p:nvSpPr>
-          <p:cNvPr id="3" name="Вертикальный текст 2"/>
+            <a:endParaRPr lang="ru-UA"/>
+          </a:p>
+        </p:txBody>
+      </p:sp>
+      <p:sp>
+        <p:nvSpPr>
+          <p:cNvPr id="3" name="Вертикальный текст 2">
+            <a:extLst>
+              <a:ext uri="{FF2B5EF4-FFF2-40B4-BE49-F238E27FC236}">
+                <a16:creationId xmlns:a16="http://schemas.microsoft.com/office/drawing/2014/main" id="{EE42D9D0-175E-41B8-96E8-FA49B0E08A36}"/>
+              </a:ext>
+            </a:extLst>
+          </p:cNvPr>
           <p:cNvSpPr>
             <a:spLocks noGrp="1"/>
           </p:cNvSpPr>
@@ -536,44 +623,50 @@
           <a:p>
             <a:pPr lvl="0"/>
             <a:r>
-              <a:rPr lang="ru-RU" smtClean="0"/>
+              <a:rPr lang="ru-RU"/>
               <a:t>Образец текста</a:t>
             </a:r>
           </a:p>
           <a:p>
             <a:pPr lvl="1"/>
             <a:r>
-              <a:rPr lang="ru-RU" smtClean="0"/>
+              <a:rPr lang="ru-RU"/>
               <a:t>Второй уровень</a:t>
             </a:r>
           </a:p>
           <a:p>
             <a:pPr lvl="2"/>
             <a:r>
-              <a:rPr lang="ru-RU" smtClean="0"/>
+              <a:rPr lang="ru-RU"/>
               <a:t>Третий уровень</a:t>
             </a:r>
           </a:p>
           <a:p>
             <a:pPr lvl="3"/>
             <a:r>
-              <a:rPr lang="ru-RU" smtClean="0"/>
+              <a:rPr lang="ru-RU"/>
               <a:t>Четвертый уровень</a:t>
             </a:r>
           </a:p>
           <a:p>
             <a:pPr lvl="4"/>
             <a:r>
-              <a:rPr lang="ru-RU" smtClean="0"/>
+              <a:rPr lang="ru-RU"/>
               <a:t>Пятый уровень</a:t>
             </a:r>
-            <a:endParaRPr lang="ru-RU"/>
-          </a:p>
-        </p:txBody>
-      </p:sp>
-      <p:sp>
-        <p:nvSpPr>
-          <p:cNvPr id="4" name="Дата 3"/>
+            <a:endParaRPr lang="ru-UA"/>
+          </a:p>
+        </p:txBody>
+      </p:sp>
+      <p:sp>
+        <p:nvSpPr>
+          <p:cNvPr id="4" name="Дата 3">
+            <a:extLst>
+              <a:ext uri="{FF2B5EF4-FFF2-40B4-BE49-F238E27FC236}">
+                <a16:creationId xmlns:a16="http://schemas.microsoft.com/office/drawing/2014/main" id="{DFD8CE1F-0417-47FB-BAE5-24F6D1581E31}"/>
+              </a:ext>
+            </a:extLst>
+          </p:cNvPr>
           <p:cNvSpPr>
             <a:spLocks noGrp="1"/>
           </p:cNvSpPr>
@@ -586,7 +679,7 @@
           <a:bodyPr/>
           <a:lstStyle/>
           <a:p>
-            <a:fld id="{D62FD567-7F1A-401C-9125-B980ED9FEBBD}" type="datetimeFigureOut">
+            <a:fld id="{00C59712-ACD0-40E5-87C2-47EE9FB85628}" type="datetimeFigureOut">
               <a:rPr lang="ru-RU" smtClean="0"/>
               <a:t>02.03.2021</a:t>
             </a:fld>
@@ -596,7 +689,13 @@
       </p:sp>
       <p:sp>
         <p:nvSpPr>
-          <p:cNvPr id="5" name="Нижний колонтитул 4"/>
+          <p:cNvPr id="5" name="Нижний колонтитул 4">
+            <a:extLst>
+              <a:ext uri="{FF2B5EF4-FFF2-40B4-BE49-F238E27FC236}">
+                <a16:creationId xmlns:a16="http://schemas.microsoft.com/office/drawing/2014/main" id="{81FD8827-4365-4DC5-A60D-4DA4385C1467}"/>
+              </a:ext>
+            </a:extLst>
+          </p:cNvPr>
           <p:cNvSpPr>
             <a:spLocks noGrp="1"/>
           </p:cNvSpPr>
@@ -615,7 +714,13 @@
       </p:sp>
       <p:sp>
         <p:nvSpPr>
-          <p:cNvPr id="6" name="Номер слайда 5"/>
+          <p:cNvPr id="6" name="Номер слайда 5">
+            <a:extLst>
+              <a:ext uri="{FF2B5EF4-FFF2-40B4-BE49-F238E27FC236}">
+                <a16:creationId xmlns:a16="http://schemas.microsoft.com/office/drawing/2014/main" id="{A18FED9D-75AC-44BF-A177-B100D347BBF9}"/>
+              </a:ext>
+            </a:extLst>
+          </p:cNvPr>
           <p:cNvSpPr>
             <a:spLocks noGrp="1"/>
           </p:cNvSpPr>
@@ -628,7 +733,7 @@
           <a:bodyPr/>
           <a:lstStyle/>
           <a:p>
-            <a:fld id="{F8214BF2-94C6-4EA6-B1F6-3C21A0565B15}" type="slidenum">
+            <a:fld id="{A67650F7-0E72-4095-9820-0D114D4A06FC}" type="slidenum">
               <a:rPr lang="ru-RU" smtClean="0"/>
               <a:t>‹#›</a:t>
             </a:fld>
@@ -639,7 +744,7 @@
     </p:spTree>
     <p:extLst>
       <p:ext uri="{BB962C8B-B14F-4D97-AF65-F5344CB8AC3E}">
-        <p14:creationId xmlns:p14="http://schemas.microsoft.com/office/powerpoint/2010/main" val="448421182"/>
+        <p14:creationId xmlns:p14="http://schemas.microsoft.com/office/powerpoint/2010/main" val="2527148779"/>
       </p:ext>
     </p:extLst>
   </p:cSld>
@@ -668,7 +773,13 @@
       </p:grpSpPr>
       <p:sp>
         <p:nvSpPr>
-          <p:cNvPr id="2" name="Заголовок 1"/>
+          <p:cNvPr id="2" name="Заголовок 1">
+            <a:extLst>
+              <a:ext uri="{FF2B5EF4-FFF2-40B4-BE49-F238E27FC236}">
+                <a16:creationId xmlns:a16="http://schemas.microsoft.com/office/drawing/2014/main" id="{FFFE263A-5FEC-489B-94DD-5F39A2EF0AB9}"/>
+              </a:ext>
+            </a:extLst>
+          </p:cNvPr>
           <p:cNvSpPr>
             <a:spLocks noGrp="1"/>
           </p:cNvSpPr>
@@ -682,16 +793,22 @@
           <a:lstStyle/>
           <a:p>
             <a:r>
-              <a:rPr lang="ru-RU" smtClean="0"/>
+              <a:rPr lang="ru-RU"/>
               <a:t>Образец заголовка</a:t>
             </a:r>
-            <a:endParaRPr lang="ru-RU"/>
-          </a:p>
-        </p:txBody>
-      </p:sp>
-      <p:sp>
-        <p:nvSpPr>
-          <p:cNvPr id="3" name="Объект 2"/>
+            <a:endParaRPr lang="ru-UA"/>
+          </a:p>
+        </p:txBody>
+      </p:sp>
+      <p:sp>
+        <p:nvSpPr>
+          <p:cNvPr id="3" name="Объект 2">
+            <a:extLst>
+              <a:ext uri="{FF2B5EF4-FFF2-40B4-BE49-F238E27FC236}">
+                <a16:creationId xmlns:a16="http://schemas.microsoft.com/office/drawing/2014/main" id="{DEA1805D-63FA-4C04-A969-683A85AFB879}"/>
+              </a:ext>
+            </a:extLst>
+          </p:cNvPr>
           <p:cNvSpPr>
             <a:spLocks noGrp="1"/>
           </p:cNvSpPr>
@@ -706,44 +823,50 @@
           <a:p>
             <a:pPr lvl="0"/>
             <a:r>
-              <a:rPr lang="ru-RU" smtClean="0"/>
+              <a:rPr lang="ru-RU"/>
               <a:t>Образец текста</a:t>
             </a:r>
           </a:p>
           <a:p>
             <a:pPr lvl="1"/>
             <a:r>
-              <a:rPr lang="ru-RU" smtClean="0"/>
+              <a:rPr lang="ru-RU"/>
               <a:t>Второй уровень</a:t>
             </a:r>
           </a:p>
           <a:p>
             <a:pPr lvl="2"/>
             <a:r>
-              <a:rPr lang="ru-RU" smtClean="0"/>
+              <a:rPr lang="ru-RU"/>
               <a:t>Третий уровень</a:t>
             </a:r>
           </a:p>
           <a:p>
             <a:pPr lvl="3"/>
             <a:r>
-              <a:rPr lang="ru-RU" smtClean="0"/>
+              <a:rPr lang="ru-RU"/>
               <a:t>Четвертый уровень</a:t>
             </a:r>
           </a:p>
           <a:p>
             <a:pPr lvl="4"/>
             <a:r>
-              <a:rPr lang="ru-RU" smtClean="0"/>
+              <a:rPr lang="ru-RU"/>
               <a:t>Пятый уровень</a:t>
             </a:r>
-            <a:endParaRPr lang="ru-RU"/>
-          </a:p>
-        </p:txBody>
-      </p:sp>
-      <p:sp>
-        <p:nvSpPr>
-          <p:cNvPr id="4" name="Дата 3"/>
+            <a:endParaRPr lang="ru-UA"/>
+          </a:p>
+        </p:txBody>
+      </p:sp>
+      <p:sp>
+        <p:nvSpPr>
+          <p:cNvPr id="4" name="Дата 3">
+            <a:extLst>
+              <a:ext uri="{FF2B5EF4-FFF2-40B4-BE49-F238E27FC236}">
+                <a16:creationId xmlns:a16="http://schemas.microsoft.com/office/drawing/2014/main" id="{60044BA0-A54B-48E1-AC63-0FA782248CD3}"/>
+              </a:ext>
+            </a:extLst>
+          </p:cNvPr>
           <p:cNvSpPr>
             <a:spLocks noGrp="1"/>
           </p:cNvSpPr>
@@ -756,7 +879,7 @@
           <a:bodyPr/>
           <a:lstStyle/>
           <a:p>
-            <a:fld id="{D62FD567-7F1A-401C-9125-B980ED9FEBBD}" type="datetimeFigureOut">
+            <a:fld id="{00C59712-ACD0-40E5-87C2-47EE9FB85628}" type="datetimeFigureOut">
               <a:rPr lang="ru-RU" smtClean="0"/>
               <a:t>02.03.2021</a:t>
             </a:fld>
@@ -766,7 +889,13 @@
       </p:sp>
       <p:sp>
         <p:nvSpPr>
-          <p:cNvPr id="5" name="Нижний колонтитул 4"/>
+          <p:cNvPr id="5" name="Нижний колонтитул 4">
+            <a:extLst>
+              <a:ext uri="{FF2B5EF4-FFF2-40B4-BE49-F238E27FC236}">
+                <a16:creationId xmlns:a16="http://schemas.microsoft.com/office/drawing/2014/main" id="{F408E98A-80F8-4FB5-A713-40B83B961182}"/>
+              </a:ext>
+            </a:extLst>
+          </p:cNvPr>
           <p:cNvSpPr>
             <a:spLocks noGrp="1"/>
           </p:cNvSpPr>
@@ -785,7 +914,13 @@
       </p:sp>
       <p:sp>
         <p:nvSpPr>
-          <p:cNvPr id="6" name="Номер слайда 5"/>
+          <p:cNvPr id="6" name="Номер слайда 5">
+            <a:extLst>
+              <a:ext uri="{FF2B5EF4-FFF2-40B4-BE49-F238E27FC236}">
+                <a16:creationId xmlns:a16="http://schemas.microsoft.com/office/drawing/2014/main" id="{82F1AD9C-7BFB-42FE-9D73-ED33783F2924}"/>
+              </a:ext>
+            </a:extLst>
+          </p:cNvPr>
           <p:cNvSpPr>
             <a:spLocks noGrp="1"/>
           </p:cNvSpPr>
@@ -798,7 +933,7 @@
           <a:bodyPr/>
           <a:lstStyle/>
           <a:p>
-            <a:fld id="{F8214BF2-94C6-4EA6-B1F6-3C21A0565B15}" type="slidenum">
+            <a:fld id="{A67650F7-0E72-4095-9820-0D114D4A06FC}" type="slidenum">
               <a:rPr lang="ru-RU" smtClean="0"/>
               <a:t>‹#›</a:t>
             </a:fld>
@@ -809,7 +944,7 @@
     </p:spTree>
     <p:extLst>
       <p:ext uri="{BB962C8B-B14F-4D97-AF65-F5344CB8AC3E}">
-        <p14:creationId xmlns:p14="http://schemas.microsoft.com/office/powerpoint/2010/main" val="1217621666"/>
+        <p14:creationId xmlns:p14="http://schemas.microsoft.com/office/powerpoint/2010/main" val="191632044"/>
       </p:ext>
     </p:extLst>
   </p:cSld>
@@ -838,7 +973,13 @@
       </p:grpSpPr>
       <p:sp>
         <p:nvSpPr>
-          <p:cNvPr id="2" name="Заголовок 1"/>
+          <p:cNvPr id="2" name="Заголовок 1">
+            <a:extLst>
+              <a:ext uri="{FF2B5EF4-FFF2-40B4-BE49-F238E27FC236}">
+                <a16:creationId xmlns:a16="http://schemas.microsoft.com/office/drawing/2014/main" id="{9D39C7A9-9C63-455C-B05A-C002ED558B72}"/>
+              </a:ext>
+            </a:extLst>
+          </p:cNvPr>
           <p:cNvSpPr>
             <a:spLocks noGrp="1"/>
           </p:cNvSpPr>
@@ -861,16 +1002,22 @@
           </a:lstStyle>
           <a:p>
             <a:r>
-              <a:rPr lang="ru-RU" smtClean="0"/>
+              <a:rPr lang="ru-RU"/>
               <a:t>Образец заголовка</a:t>
             </a:r>
-            <a:endParaRPr lang="ru-RU"/>
-          </a:p>
-        </p:txBody>
-      </p:sp>
-      <p:sp>
-        <p:nvSpPr>
-          <p:cNvPr id="3" name="Текст 2"/>
+            <a:endParaRPr lang="ru-UA"/>
+          </a:p>
+        </p:txBody>
+      </p:sp>
+      <p:sp>
+        <p:nvSpPr>
+          <p:cNvPr id="3" name="Текст 2">
+            <a:extLst>
+              <a:ext uri="{FF2B5EF4-FFF2-40B4-BE49-F238E27FC236}">
+                <a16:creationId xmlns:a16="http://schemas.microsoft.com/office/drawing/2014/main" id="{113BE581-1BC6-4D75-B9E7-FCA103C3DAAC}"/>
+              </a:ext>
+            </a:extLst>
+          </p:cNvPr>
           <p:cNvSpPr>
             <a:spLocks noGrp="1"/>
           </p:cNvSpPr>
@@ -981,7 +1128,7 @@
           <a:p>
             <a:pPr lvl="0"/>
             <a:r>
-              <a:rPr lang="ru-RU" smtClean="0"/>
+              <a:rPr lang="ru-RU"/>
               <a:t>Образец текста</a:t>
             </a:r>
           </a:p>
@@ -989,7 +1136,13 @@
       </p:sp>
       <p:sp>
         <p:nvSpPr>
-          <p:cNvPr id="4" name="Дата 3"/>
+          <p:cNvPr id="4" name="Дата 3">
+            <a:extLst>
+              <a:ext uri="{FF2B5EF4-FFF2-40B4-BE49-F238E27FC236}">
+                <a16:creationId xmlns:a16="http://schemas.microsoft.com/office/drawing/2014/main" id="{8F77058A-8193-4BFE-AF87-8C85778E95D6}"/>
+              </a:ext>
+            </a:extLst>
+          </p:cNvPr>
           <p:cNvSpPr>
             <a:spLocks noGrp="1"/>
           </p:cNvSpPr>
@@ -1002,7 +1155,7 @@
           <a:bodyPr/>
           <a:lstStyle/>
           <a:p>
-            <a:fld id="{D62FD567-7F1A-401C-9125-B980ED9FEBBD}" type="datetimeFigureOut">
+            <a:fld id="{00C59712-ACD0-40E5-87C2-47EE9FB85628}" type="datetimeFigureOut">
               <a:rPr lang="ru-RU" smtClean="0"/>
               <a:t>02.03.2021</a:t>
             </a:fld>
@@ -1012,7 +1165,13 @@
       </p:sp>
       <p:sp>
         <p:nvSpPr>
-          <p:cNvPr id="5" name="Нижний колонтитул 4"/>
+          <p:cNvPr id="5" name="Нижний колонтитул 4">
+            <a:extLst>
+              <a:ext uri="{FF2B5EF4-FFF2-40B4-BE49-F238E27FC236}">
+                <a16:creationId xmlns:a16="http://schemas.microsoft.com/office/drawing/2014/main" id="{E1394170-1292-4EA5-8BDE-3D9D8310DDCD}"/>
+              </a:ext>
+            </a:extLst>
+          </p:cNvPr>
           <p:cNvSpPr>
             <a:spLocks noGrp="1"/>
           </p:cNvSpPr>
@@ -1031,7 +1190,13 @@
       </p:sp>
       <p:sp>
         <p:nvSpPr>
-          <p:cNvPr id="6" name="Номер слайда 5"/>
+          <p:cNvPr id="6" name="Номер слайда 5">
+            <a:extLst>
+              <a:ext uri="{FF2B5EF4-FFF2-40B4-BE49-F238E27FC236}">
+                <a16:creationId xmlns:a16="http://schemas.microsoft.com/office/drawing/2014/main" id="{D10295CE-BC06-4DC1-945F-A22EB55CDFD7}"/>
+              </a:ext>
+            </a:extLst>
+          </p:cNvPr>
           <p:cNvSpPr>
             <a:spLocks noGrp="1"/>
           </p:cNvSpPr>
@@ -1044,7 +1209,7 @@
           <a:bodyPr/>
           <a:lstStyle/>
           <a:p>
-            <a:fld id="{F8214BF2-94C6-4EA6-B1F6-3C21A0565B15}" type="slidenum">
+            <a:fld id="{A67650F7-0E72-4095-9820-0D114D4A06FC}" type="slidenum">
               <a:rPr lang="ru-RU" smtClean="0"/>
               <a:t>‹#›</a:t>
             </a:fld>
@@ -1055,7 +1220,7 @@
     </p:spTree>
     <p:extLst>
       <p:ext uri="{BB962C8B-B14F-4D97-AF65-F5344CB8AC3E}">
-        <p14:creationId xmlns:p14="http://schemas.microsoft.com/office/powerpoint/2010/main" val="2117348330"/>
+        <p14:creationId xmlns:p14="http://schemas.microsoft.com/office/powerpoint/2010/main" val="1651891751"/>
       </p:ext>
     </p:extLst>
   </p:cSld>
@@ -1084,7 +1249,13 @@
       </p:grpSpPr>
       <p:sp>
         <p:nvSpPr>
-          <p:cNvPr id="2" name="Заголовок 1"/>
+          <p:cNvPr id="2" name="Заголовок 1">
+            <a:extLst>
+              <a:ext uri="{FF2B5EF4-FFF2-40B4-BE49-F238E27FC236}">
+                <a16:creationId xmlns:a16="http://schemas.microsoft.com/office/drawing/2014/main" id="{6DB40E1F-59DB-4AE4-9887-92DBB47455F6}"/>
+              </a:ext>
+            </a:extLst>
+          </p:cNvPr>
           <p:cNvSpPr>
             <a:spLocks noGrp="1"/>
           </p:cNvSpPr>
@@ -1098,16 +1269,22 @@
           <a:lstStyle/>
           <a:p>
             <a:r>
-              <a:rPr lang="ru-RU" smtClean="0"/>
+              <a:rPr lang="ru-RU"/>
               <a:t>Образец заголовка</a:t>
             </a:r>
-            <a:endParaRPr lang="ru-RU"/>
-          </a:p>
-        </p:txBody>
-      </p:sp>
-      <p:sp>
-        <p:nvSpPr>
-          <p:cNvPr id="3" name="Объект 2"/>
+            <a:endParaRPr lang="ru-UA"/>
+          </a:p>
+        </p:txBody>
+      </p:sp>
+      <p:sp>
+        <p:nvSpPr>
+          <p:cNvPr id="3" name="Объект 2">
+            <a:extLst>
+              <a:ext uri="{FF2B5EF4-FFF2-40B4-BE49-F238E27FC236}">
+                <a16:creationId xmlns:a16="http://schemas.microsoft.com/office/drawing/2014/main" id="{DCDB04D0-FF8F-40C4-AD7A-20256A0E5F69}"/>
+              </a:ext>
+            </a:extLst>
+          </p:cNvPr>
           <p:cNvSpPr>
             <a:spLocks noGrp="1"/>
           </p:cNvSpPr>
@@ -1127,44 +1304,50 @@
           <a:p>
             <a:pPr lvl="0"/>
             <a:r>
-              <a:rPr lang="ru-RU" smtClean="0"/>
+              <a:rPr lang="ru-RU"/>
               <a:t>Образец текста</a:t>
             </a:r>
           </a:p>
           <a:p>
             <a:pPr lvl="1"/>
             <a:r>
-              <a:rPr lang="ru-RU" smtClean="0"/>
+              <a:rPr lang="ru-RU"/>
               <a:t>Второй уровень</a:t>
             </a:r>
           </a:p>
           <a:p>
             <a:pPr lvl="2"/>
             <a:r>
-              <a:rPr lang="ru-RU" smtClean="0"/>
+              <a:rPr lang="ru-RU"/>
               <a:t>Третий уровень</a:t>
             </a:r>
           </a:p>
           <a:p>
             <a:pPr lvl="3"/>
             <a:r>
-              <a:rPr lang="ru-RU" smtClean="0"/>
+              <a:rPr lang="ru-RU"/>
               <a:t>Четвертый уровень</a:t>
             </a:r>
           </a:p>
           <a:p>
             <a:pPr lvl="4"/>
             <a:r>
-              <a:rPr lang="ru-RU" smtClean="0"/>
+              <a:rPr lang="ru-RU"/>
               <a:t>Пятый уровень</a:t>
             </a:r>
-            <a:endParaRPr lang="ru-RU"/>
-          </a:p>
-        </p:txBody>
-      </p:sp>
-      <p:sp>
-        <p:nvSpPr>
-          <p:cNvPr id="4" name="Объект 3"/>
+            <a:endParaRPr lang="ru-UA"/>
+          </a:p>
+        </p:txBody>
+      </p:sp>
+      <p:sp>
+        <p:nvSpPr>
+          <p:cNvPr id="4" name="Объект 3">
+            <a:extLst>
+              <a:ext uri="{FF2B5EF4-FFF2-40B4-BE49-F238E27FC236}">
+                <a16:creationId xmlns:a16="http://schemas.microsoft.com/office/drawing/2014/main" id="{00813998-C3D4-4927-BE67-0DAD30A7CC88}"/>
+              </a:ext>
+            </a:extLst>
+          </p:cNvPr>
           <p:cNvSpPr>
             <a:spLocks noGrp="1"/>
           </p:cNvSpPr>
@@ -1184,44 +1367,50 @@
           <a:p>
             <a:pPr lvl="0"/>
             <a:r>
-              <a:rPr lang="ru-RU" smtClean="0"/>
+              <a:rPr lang="ru-RU"/>
               <a:t>Образец текста</a:t>
             </a:r>
           </a:p>
           <a:p>
             <a:pPr lvl="1"/>
             <a:r>
-              <a:rPr lang="ru-RU" smtClean="0"/>
+              <a:rPr lang="ru-RU"/>
               <a:t>Второй уровень</a:t>
             </a:r>
           </a:p>
           <a:p>
             <a:pPr lvl="2"/>
             <a:r>
-              <a:rPr lang="ru-RU" smtClean="0"/>
+              <a:rPr lang="ru-RU"/>
               <a:t>Третий уровень</a:t>
             </a:r>
           </a:p>
           <a:p>
             <a:pPr lvl="3"/>
             <a:r>
-              <a:rPr lang="ru-RU" smtClean="0"/>
+              <a:rPr lang="ru-RU"/>
               <a:t>Четвертый уровень</a:t>
             </a:r>
           </a:p>
           <a:p>
             <a:pPr lvl="4"/>
             <a:r>
-              <a:rPr lang="ru-RU" smtClean="0"/>
+              <a:rPr lang="ru-RU"/>
               <a:t>Пятый уровень</a:t>
             </a:r>
-            <a:endParaRPr lang="ru-RU"/>
-          </a:p>
-        </p:txBody>
-      </p:sp>
-      <p:sp>
-        <p:nvSpPr>
-          <p:cNvPr id="5" name="Дата 4"/>
+            <a:endParaRPr lang="ru-UA"/>
+          </a:p>
+        </p:txBody>
+      </p:sp>
+      <p:sp>
+        <p:nvSpPr>
+          <p:cNvPr id="5" name="Дата 4">
+            <a:extLst>
+              <a:ext uri="{FF2B5EF4-FFF2-40B4-BE49-F238E27FC236}">
+                <a16:creationId xmlns:a16="http://schemas.microsoft.com/office/drawing/2014/main" id="{0CC3E922-3246-4052-9438-95883246F8FA}"/>
+              </a:ext>
+            </a:extLst>
+          </p:cNvPr>
           <p:cNvSpPr>
             <a:spLocks noGrp="1"/>
           </p:cNvSpPr>
@@ -1234,7 +1423,7 @@
           <a:bodyPr/>
           <a:lstStyle/>
           <a:p>
-            <a:fld id="{D62FD567-7F1A-401C-9125-B980ED9FEBBD}" type="datetimeFigureOut">
+            <a:fld id="{00C59712-ACD0-40E5-87C2-47EE9FB85628}" type="datetimeFigureOut">
               <a:rPr lang="ru-RU" smtClean="0"/>
               <a:t>02.03.2021</a:t>
             </a:fld>
@@ -1244,7 +1433,13 @@
       </p:sp>
       <p:sp>
         <p:nvSpPr>
-          <p:cNvPr id="6" name="Нижний колонтитул 5"/>
+          <p:cNvPr id="6" name="Нижний колонтитул 5">
+            <a:extLst>
+              <a:ext uri="{FF2B5EF4-FFF2-40B4-BE49-F238E27FC236}">
+                <a16:creationId xmlns:a16="http://schemas.microsoft.com/office/drawing/2014/main" id="{25B24FE5-4C58-47C1-A35F-879BC122DC69}"/>
+              </a:ext>
+            </a:extLst>
+          </p:cNvPr>
           <p:cNvSpPr>
             <a:spLocks noGrp="1"/>
           </p:cNvSpPr>
@@ -1263,7 +1458,13 @@
       </p:sp>
       <p:sp>
         <p:nvSpPr>
-          <p:cNvPr id="7" name="Номер слайда 6"/>
+          <p:cNvPr id="7" name="Номер слайда 6">
+            <a:extLst>
+              <a:ext uri="{FF2B5EF4-FFF2-40B4-BE49-F238E27FC236}">
+                <a16:creationId xmlns:a16="http://schemas.microsoft.com/office/drawing/2014/main" id="{0D116F5A-6648-4A92-9F9B-93B301787708}"/>
+              </a:ext>
+            </a:extLst>
+          </p:cNvPr>
           <p:cNvSpPr>
             <a:spLocks noGrp="1"/>
           </p:cNvSpPr>
@@ -1276,7 +1477,7 @@
           <a:bodyPr/>
           <a:lstStyle/>
           <a:p>
-            <a:fld id="{F8214BF2-94C6-4EA6-B1F6-3C21A0565B15}" type="slidenum">
+            <a:fld id="{A67650F7-0E72-4095-9820-0D114D4A06FC}" type="slidenum">
               <a:rPr lang="ru-RU" smtClean="0"/>
               <a:t>‹#›</a:t>
             </a:fld>
@@ -1287,7 +1488,7 @@
     </p:spTree>
     <p:extLst>
       <p:ext uri="{BB962C8B-B14F-4D97-AF65-F5344CB8AC3E}">
-        <p14:creationId xmlns:p14="http://schemas.microsoft.com/office/powerpoint/2010/main" val="1651955612"/>
+        <p14:creationId xmlns:p14="http://schemas.microsoft.com/office/powerpoint/2010/main" val="455228552"/>
       </p:ext>
     </p:extLst>
   </p:cSld>
@@ -1316,7 +1517,13 @@
       </p:grpSpPr>
       <p:sp>
         <p:nvSpPr>
-          <p:cNvPr id="2" name="Заголовок 1"/>
+          <p:cNvPr id="2" name="Заголовок 1">
+            <a:extLst>
+              <a:ext uri="{FF2B5EF4-FFF2-40B4-BE49-F238E27FC236}">
+                <a16:creationId xmlns:a16="http://schemas.microsoft.com/office/drawing/2014/main" id="{4395543F-2688-4F97-A02F-C9518397E376}"/>
+              </a:ext>
+            </a:extLst>
+          </p:cNvPr>
           <p:cNvSpPr>
             <a:spLocks noGrp="1"/>
           </p:cNvSpPr>
@@ -1335,16 +1542,22 @@
           <a:lstStyle/>
           <a:p>
             <a:r>
-              <a:rPr lang="ru-RU" smtClean="0"/>
+              <a:rPr lang="ru-RU"/>
               <a:t>Образец заголовка</a:t>
             </a:r>
-            <a:endParaRPr lang="ru-RU"/>
-          </a:p>
-        </p:txBody>
-      </p:sp>
-      <p:sp>
-        <p:nvSpPr>
-          <p:cNvPr id="3" name="Текст 2"/>
+            <a:endParaRPr lang="ru-UA"/>
+          </a:p>
+        </p:txBody>
+      </p:sp>
+      <p:sp>
+        <p:nvSpPr>
+          <p:cNvPr id="3" name="Текст 2">
+            <a:extLst>
+              <a:ext uri="{FF2B5EF4-FFF2-40B4-BE49-F238E27FC236}">
+                <a16:creationId xmlns:a16="http://schemas.microsoft.com/office/drawing/2014/main" id="{563D6ACC-2ECD-40C3-920B-32A867D0C01E}"/>
+              </a:ext>
+            </a:extLst>
+          </p:cNvPr>
           <p:cNvSpPr>
             <a:spLocks noGrp="1"/>
           </p:cNvSpPr>
@@ -1401,7 +1614,7 @@
           <a:p>
             <a:pPr lvl="0"/>
             <a:r>
-              <a:rPr lang="ru-RU" smtClean="0"/>
+              <a:rPr lang="ru-RU"/>
               <a:t>Образец текста</a:t>
             </a:r>
           </a:p>
@@ -1409,7 +1622,13 @@
       </p:sp>
       <p:sp>
         <p:nvSpPr>
-          <p:cNvPr id="4" name="Объект 3"/>
+          <p:cNvPr id="4" name="Объект 3">
+            <a:extLst>
+              <a:ext uri="{FF2B5EF4-FFF2-40B4-BE49-F238E27FC236}">
+                <a16:creationId xmlns:a16="http://schemas.microsoft.com/office/drawing/2014/main" id="{8330FE1D-3F0D-45CC-9581-E105BD680E81}"/>
+              </a:ext>
+            </a:extLst>
+          </p:cNvPr>
           <p:cNvSpPr>
             <a:spLocks noGrp="1"/>
           </p:cNvSpPr>
@@ -1429,44 +1648,50 @@
           <a:p>
             <a:pPr lvl="0"/>
             <a:r>
-              <a:rPr lang="ru-RU" smtClean="0"/>
+              <a:rPr lang="ru-RU"/>
               <a:t>Образец текста</a:t>
             </a:r>
           </a:p>
           <a:p>
             <a:pPr lvl="1"/>
             <a:r>
-              <a:rPr lang="ru-RU" smtClean="0"/>
+              <a:rPr lang="ru-RU"/>
               <a:t>Второй уровень</a:t>
             </a:r>
           </a:p>
           <a:p>
             <a:pPr lvl="2"/>
             <a:r>
-              <a:rPr lang="ru-RU" smtClean="0"/>
+              <a:rPr lang="ru-RU"/>
               <a:t>Третий уровень</a:t>
             </a:r>
           </a:p>
           <a:p>
             <a:pPr lvl="3"/>
             <a:r>
-              <a:rPr lang="ru-RU" smtClean="0"/>
+              <a:rPr lang="ru-RU"/>
               <a:t>Четвертый уровень</a:t>
             </a:r>
           </a:p>
           <a:p>
             <a:pPr lvl="4"/>
             <a:r>
-              <a:rPr lang="ru-RU" smtClean="0"/>
+              <a:rPr lang="ru-RU"/>
               <a:t>Пятый уровень</a:t>
             </a:r>
-            <a:endParaRPr lang="ru-RU"/>
-          </a:p>
-        </p:txBody>
-      </p:sp>
-      <p:sp>
-        <p:nvSpPr>
-          <p:cNvPr id="5" name="Текст 4"/>
+            <a:endParaRPr lang="ru-UA"/>
+          </a:p>
+        </p:txBody>
+      </p:sp>
+      <p:sp>
+        <p:nvSpPr>
+          <p:cNvPr id="5" name="Текст 4">
+            <a:extLst>
+              <a:ext uri="{FF2B5EF4-FFF2-40B4-BE49-F238E27FC236}">
+                <a16:creationId xmlns:a16="http://schemas.microsoft.com/office/drawing/2014/main" id="{D51B4AB1-84E1-49F6-8519-2FFF0EB8A2B7}"/>
+              </a:ext>
+            </a:extLst>
+          </p:cNvPr>
           <p:cNvSpPr>
             <a:spLocks noGrp="1"/>
           </p:cNvSpPr>
@@ -1523,7 +1748,7 @@
           <a:p>
             <a:pPr lvl="0"/>
             <a:r>
-              <a:rPr lang="ru-RU" smtClean="0"/>
+              <a:rPr lang="ru-RU"/>
               <a:t>Образец текста</a:t>
             </a:r>
           </a:p>
@@ -1531,7 +1756,13 @@
       </p:sp>
       <p:sp>
         <p:nvSpPr>
-          <p:cNvPr id="6" name="Объект 5"/>
+          <p:cNvPr id="6" name="Объект 5">
+            <a:extLst>
+              <a:ext uri="{FF2B5EF4-FFF2-40B4-BE49-F238E27FC236}">
+                <a16:creationId xmlns:a16="http://schemas.microsoft.com/office/drawing/2014/main" id="{1CDC1810-A5A5-4F34-BD29-C9D8CD5E7D0B}"/>
+              </a:ext>
+            </a:extLst>
+          </p:cNvPr>
           <p:cNvSpPr>
             <a:spLocks noGrp="1"/>
           </p:cNvSpPr>
@@ -1551,44 +1782,50 @@
           <a:p>
             <a:pPr lvl="0"/>
             <a:r>
-              <a:rPr lang="ru-RU" smtClean="0"/>
+              <a:rPr lang="ru-RU"/>
               <a:t>Образец текста</a:t>
             </a:r>
           </a:p>
           <a:p>
             <a:pPr lvl="1"/>
             <a:r>
-              <a:rPr lang="ru-RU" smtClean="0"/>
+              <a:rPr lang="ru-RU"/>
               <a:t>Второй уровень</a:t>
             </a:r>
           </a:p>
           <a:p>
             <a:pPr lvl="2"/>
             <a:r>
-              <a:rPr lang="ru-RU" smtClean="0"/>
+              <a:rPr lang="ru-RU"/>
               <a:t>Третий уровень</a:t>
             </a:r>
           </a:p>
           <a:p>
             <a:pPr lvl="3"/>
             <a:r>
-              <a:rPr lang="ru-RU" smtClean="0"/>
+              <a:rPr lang="ru-RU"/>
               <a:t>Четвертый уровень</a:t>
             </a:r>
           </a:p>
           <a:p>
             <a:pPr lvl="4"/>
             <a:r>
-              <a:rPr lang="ru-RU" smtClean="0"/>
+              <a:rPr lang="ru-RU"/>
               <a:t>Пятый уровень</a:t>
             </a:r>
-            <a:endParaRPr lang="ru-RU"/>
-          </a:p>
-        </p:txBody>
-      </p:sp>
-      <p:sp>
-        <p:nvSpPr>
-          <p:cNvPr id="7" name="Дата 6"/>
+            <a:endParaRPr lang="ru-UA"/>
+          </a:p>
+        </p:txBody>
+      </p:sp>
+      <p:sp>
+        <p:nvSpPr>
+          <p:cNvPr id="7" name="Дата 6">
+            <a:extLst>
+              <a:ext uri="{FF2B5EF4-FFF2-40B4-BE49-F238E27FC236}">
+                <a16:creationId xmlns:a16="http://schemas.microsoft.com/office/drawing/2014/main" id="{FBB6C6F2-6B32-4486-94F0-DC47A72C409B}"/>
+              </a:ext>
+            </a:extLst>
+          </p:cNvPr>
           <p:cNvSpPr>
             <a:spLocks noGrp="1"/>
           </p:cNvSpPr>
@@ -1601,7 +1838,7 @@
           <a:bodyPr/>
           <a:lstStyle/>
           <a:p>
-            <a:fld id="{D62FD567-7F1A-401C-9125-B980ED9FEBBD}" type="datetimeFigureOut">
+            <a:fld id="{00C59712-ACD0-40E5-87C2-47EE9FB85628}" type="datetimeFigureOut">
               <a:rPr lang="ru-RU" smtClean="0"/>
               <a:t>02.03.2021</a:t>
             </a:fld>
@@ -1611,7 +1848,13 @@
       </p:sp>
       <p:sp>
         <p:nvSpPr>
-          <p:cNvPr id="8" name="Нижний колонтитул 7"/>
+          <p:cNvPr id="8" name="Нижний колонтитул 7">
+            <a:extLst>
+              <a:ext uri="{FF2B5EF4-FFF2-40B4-BE49-F238E27FC236}">
+                <a16:creationId xmlns:a16="http://schemas.microsoft.com/office/drawing/2014/main" id="{C692C835-9FAA-4F0B-AF3D-787BF94600E9}"/>
+              </a:ext>
+            </a:extLst>
+          </p:cNvPr>
           <p:cNvSpPr>
             <a:spLocks noGrp="1"/>
           </p:cNvSpPr>
@@ -1630,7 +1873,13 @@
       </p:sp>
       <p:sp>
         <p:nvSpPr>
-          <p:cNvPr id="9" name="Номер слайда 8"/>
+          <p:cNvPr id="9" name="Номер слайда 8">
+            <a:extLst>
+              <a:ext uri="{FF2B5EF4-FFF2-40B4-BE49-F238E27FC236}">
+                <a16:creationId xmlns:a16="http://schemas.microsoft.com/office/drawing/2014/main" id="{D33019B6-2F33-49A1-A8CA-76A7A863A43E}"/>
+              </a:ext>
+            </a:extLst>
+          </p:cNvPr>
           <p:cNvSpPr>
             <a:spLocks noGrp="1"/>
           </p:cNvSpPr>
@@ -1643,7 +1892,7 @@
           <a:bodyPr/>
           <a:lstStyle/>
           <a:p>
-            <a:fld id="{F8214BF2-94C6-4EA6-B1F6-3C21A0565B15}" type="slidenum">
+            <a:fld id="{A67650F7-0E72-4095-9820-0D114D4A06FC}" type="slidenum">
               <a:rPr lang="ru-RU" smtClean="0"/>
               <a:t>‹#›</a:t>
             </a:fld>
@@ -1654,7 +1903,7 @@
     </p:spTree>
     <p:extLst>
       <p:ext uri="{BB962C8B-B14F-4D97-AF65-F5344CB8AC3E}">
-        <p14:creationId xmlns:p14="http://schemas.microsoft.com/office/powerpoint/2010/main" val="3703545616"/>
+        <p14:creationId xmlns:p14="http://schemas.microsoft.com/office/powerpoint/2010/main" val="2467592128"/>
       </p:ext>
     </p:extLst>
   </p:cSld>
@@ -1683,7 +1932,13 @@
       </p:grpSpPr>
       <p:sp>
         <p:nvSpPr>
-          <p:cNvPr id="2" name="Заголовок 1"/>
+          <p:cNvPr id="2" name="Заголовок 1">
+            <a:extLst>
+              <a:ext uri="{FF2B5EF4-FFF2-40B4-BE49-F238E27FC236}">
+                <a16:creationId xmlns:a16="http://schemas.microsoft.com/office/drawing/2014/main" id="{0BC27A40-9FC3-4695-9811-DFC097ABD671}"/>
+              </a:ext>
+            </a:extLst>
+          </p:cNvPr>
           <p:cNvSpPr>
             <a:spLocks noGrp="1"/>
           </p:cNvSpPr>
@@ -1697,16 +1952,22 @@
           <a:lstStyle/>
           <a:p>
             <a:r>
-              <a:rPr lang="ru-RU" smtClean="0"/>
+              <a:rPr lang="ru-RU"/>
               <a:t>Образец заголовка</a:t>
             </a:r>
-            <a:endParaRPr lang="ru-RU"/>
-          </a:p>
-        </p:txBody>
-      </p:sp>
-      <p:sp>
-        <p:nvSpPr>
-          <p:cNvPr id="3" name="Дата 2"/>
+            <a:endParaRPr lang="ru-UA"/>
+          </a:p>
+        </p:txBody>
+      </p:sp>
+      <p:sp>
+        <p:nvSpPr>
+          <p:cNvPr id="3" name="Дата 2">
+            <a:extLst>
+              <a:ext uri="{FF2B5EF4-FFF2-40B4-BE49-F238E27FC236}">
+                <a16:creationId xmlns:a16="http://schemas.microsoft.com/office/drawing/2014/main" id="{8449D97A-4B40-4E50-AFD1-E3D0724ECA4F}"/>
+              </a:ext>
+            </a:extLst>
+          </p:cNvPr>
           <p:cNvSpPr>
             <a:spLocks noGrp="1"/>
           </p:cNvSpPr>
@@ -1719,7 +1980,7 @@
           <a:bodyPr/>
           <a:lstStyle/>
           <a:p>
-            <a:fld id="{D62FD567-7F1A-401C-9125-B980ED9FEBBD}" type="datetimeFigureOut">
+            <a:fld id="{00C59712-ACD0-40E5-87C2-47EE9FB85628}" type="datetimeFigureOut">
               <a:rPr lang="ru-RU" smtClean="0"/>
               <a:t>02.03.2021</a:t>
             </a:fld>
@@ -1729,7 +1990,13 @@
       </p:sp>
       <p:sp>
         <p:nvSpPr>
-          <p:cNvPr id="4" name="Нижний колонтитул 3"/>
+          <p:cNvPr id="4" name="Нижний колонтитул 3">
+            <a:extLst>
+              <a:ext uri="{FF2B5EF4-FFF2-40B4-BE49-F238E27FC236}">
+                <a16:creationId xmlns:a16="http://schemas.microsoft.com/office/drawing/2014/main" id="{74E141FE-0836-45A8-AF4C-15A62396F433}"/>
+              </a:ext>
+            </a:extLst>
+          </p:cNvPr>
           <p:cNvSpPr>
             <a:spLocks noGrp="1"/>
           </p:cNvSpPr>
@@ -1748,7 +2015,13 @@
       </p:sp>
       <p:sp>
         <p:nvSpPr>
-          <p:cNvPr id="5" name="Номер слайда 4"/>
+          <p:cNvPr id="5" name="Номер слайда 4">
+            <a:extLst>
+              <a:ext uri="{FF2B5EF4-FFF2-40B4-BE49-F238E27FC236}">
+                <a16:creationId xmlns:a16="http://schemas.microsoft.com/office/drawing/2014/main" id="{F45A41DA-EC95-4462-A5D6-E78564A7D31A}"/>
+              </a:ext>
+            </a:extLst>
+          </p:cNvPr>
           <p:cNvSpPr>
             <a:spLocks noGrp="1"/>
           </p:cNvSpPr>
@@ -1761,7 +2034,7 @@
           <a:bodyPr/>
           <a:lstStyle/>
           <a:p>
-            <a:fld id="{F8214BF2-94C6-4EA6-B1F6-3C21A0565B15}" type="slidenum">
+            <a:fld id="{A67650F7-0E72-4095-9820-0D114D4A06FC}" type="slidenum">
               <a:rPr lang="ru-RU" smtClean="0"/>
               <a:t>‹#›</a:t>
             </a:fld>
@@ -1772,7 +2045,7 @@
     </p:spTree>
     <p:extLst>
       <p:ext uri="{BB962C8B-B14F-4D97-AF65-F5344CB8AC3E}">
-        <p14:creationId xmlns:p14="http://schemas.microsoft.com/office/powerpoint/2010/main" val="3341240128"/>
+        <p14:creationId xmlns:p14="http://schemas.microsoft.com/office/powerpoint/2010/main" val="2889171973"/>
       </p:ext>
     </p:extLst>
   </p:cSld>
@@ -1801,7 +2074,13 @@
       </p:grpSpPr>
       <p:sp>
         <p:nvSpPr>
-          <p:cNvPr id="2" name="Дата 1"/>
+          <p:cNvPr id="2" name="Дата 1">
+            <a:extLst>
+              <a:ext uri="{FF2B5EF4-FFF2-40B4-BE49-F238E27FC236}">
+                <a16:creationId xmlns:a16="http://schemas.microsoft.com/office/drawing/2014/main" id="{104BB73C-5026-483C-9522-5147F91C1366}"/>
+              </a:ext>
+            </a:extLst>
+          </p:cNvPr>
           <p:cNvSpPr>
             <a:spLocks noGrp="1"/>
           </p:cNvSpPr>
@@ -1814,7 +2093,7 @@
           <a:bodyPr/>
           <a:lstStyle/>
           <a:p>
-            <a:fld id="{D62FD567-7F1A-401C-9125-B980ED9FEBBD}" type="datetimeFigureOut">
+            <a:fld id="{00C59712-ACD0-40E5-87C2-47EE9FB85628}" type="datetimeFigureOut">
               <a:rPr lang="ru-RU" smtClean="0"/>
               <a:t>02.03.2021</a:t>
             </a:fld>
@@ -1824,7 +2103,13 @@
       </p:sp>
       <p:sp>
         <p:nvSpPr>
-          <p:cNvPr id="3" name="Нижний колонтитул 2"/>
+          <p:cNvPr id="3" name="Нижний колонтитул 2">
+            <a:extLst>
+              <a:ext uri="{FF2B5EF4-FFF2-40B4-BE49-F238E27FC236}">
+                <a16:creationId xmlns:a16="http://schemas.microsoft.com/office/drawing/2014/main" id="{9005C80A-74AB-4EC0-822E-8DE81B69DDE9}"/>
+              </a:ext>
+            </a:extLst>
+          </p:cNvPr>
           <p:cNvSpPr>
             <a:spLocks noGrp="1"/>
           </p:cNvSpPr>
@@ -1843,7 +2128,13 @@
       </p:sp>
       <p:sp>
         <p:nvSpPr>
-          <p:cNvPr id="4" name="Номер слайда 3"/>
+          <p:cNvPr id="4" name="Номер слайда 3">
+            <a:extLst>
+              <a:ext uri="{FF2B5EF4-FFF2-40B4-BE49-F238E27FC236}">
+                <a16:creationId xmlns:a16="http://schemas.microsoft.com/office/drawing/2014/main" id="{971FC67B-5A9C-4CC8-952A-CE90C17A0884}"/>
+              </a:ext>
+            </a:extLst>
+          </p:cNvPr>
           <p:cNvSpPr>
             <a:spLocks noGrp="1"/>
           </p:cNvSpPr>
@@ -1856,7 +2147,7 @@
           <a:bodyPr/>
           <a:lstStyle/>
           <a:p>
-            <a:fld id="{F8214BF2-94C6-4EA6-B1F6-3C21A0565B15}" type="slidenum">
+            <a:fld id="{A67650F7-0E72-4095-9820-0D114D4A06FC}" type="slidenum">
               <a:rPr lang="ru-RU" smtClean="0"/>
               <a:t>‹#›</a:t>
             </a:fld>
@@ -1867,7 +2158,7 @@
     </p:spTree>
     <p:extLst>
       <p:ext uri="{BB962C8B-B14F-4D97-AF65-F5344CB8AC3E}">
-        <p14:creationId xmlns:p14="http://schemas.microsoft.com/office/powerpoint/2010/main" val="4218752792"/>
+        <p14:creationId xmlns:p14="http://schemas.microsoft.com/office/powerpoint/2010/main" val="2082780681"/>
       </p:ext>
     </p:extLst>
   </p:cSld>
@@ -1896,7 +2187,13 @@
       </p:grpSpPr>
       <p:sp>
         <p:nvSpPr>
-          <p:cNvPr id="2" name="Заголовок 1"/>
+          <p:cNvPr id="2" name="Заголовок 1">
+            <a:extLst>
+              <a:ext uri="{FF2B5EF4-FFF2-40B4-BE49-F238E27FC236}">
+                <a16:creationId xmlns:a16="http://schemas.microsoft.com/office/drawing/2014/main" id="{4D645EC4-76D6-4352-B74D-87500CB945B1}"/>
+              </a:ext>
+            </a:extLst>
+          </p:cNvPr>
           <p:cNvSpPr>
             <a:spLocks noGrp="1"/>
           </p:cNvSpPr>
@@ -1919,16 +2216,22 @@
           </a:lstStyle>
           <a:p>
             <a:r>
-              <a:rPr lang="ru-RU" smtClean="0"/>
+              <a:rPr lang="ru-RU"/>
               <a:t>Образец заголовка</a:t>
             </a:r>
-            <a:endParaRPr lang="ru-RU"/>
-          </a:p>
-        </p:txBody>
-      </p:sp>
-      <p:sp>
-        <p:nvSpPr>
-          <p:cNvPr id="3" name="Объект 2"/>
+            <a:endParaRPr lang="ru-UA"/>
+          </a:p>
+        </p:txBody>
+      </p:sp>
+      <p:sp>
+        <p:nvSpPr>
+          <p:cNvPr id="3" name="Объект 2">
+            <a:extLst>
+              <a:ext uri="{FF2B5EF4-FFF2-40B4-BE49-F238E27FC236}">
+                <a16:creationId xmlns:a16="http://schemas.microsoft.com/office/drawing/2014/main" id="{1C86C95A-AE9D-4ED1-A5CF-6CC0AFF7E3D0}"/>
+              </a:ext>
+            </a:extLst>
+          </p:cNvPr>
           <p:cNvSpPr>
             <a:spLocks noGrp="1"/>
           </p:cNvSpPr>
@@ -1976,44 +2279,50 @@
           <a:p>
             <a:pPr lvl="0"/>
             <a:r>
-              <a:rPr lang="ru-RU" smtClean="0"/>
+              <a:rPr lang="ru-RU"/>
               <a:t>Образец текста</a:t>
             </a:r>
           </a:p>
           <a:p>
             <a:pPr lvl="1"/>
             <a:r>
-              <a:rPr lang="ru-RU" smtClean="0"/>
+              <a:rPr lang="ru-RU"/>
               <a:t>Второй уровень</a:t>
             </a:r>
           </a:p>
           <a:p>
             <a:pPr lvl="2"/>
             <a:r>
-              <a:rPr lang="ru-RU" smtClean="0"/>
+              <a:rPr lang="ru-RU"/>
               <a:t>Третий уровень</a:t>
             </a:r>
           </a:p>
           <a:p>
             <a:pPr lvl="3"/>
             <a:r>
-              <a:rPr lang="ru-RU" smtClean="0"/>
+              <a:rPr lang="ru-RU"/>
               <a:t>Четвертый уровень</a:t>
             </a:r>
           </a:p>
           <a:p>
             <a:pPr lvl="4"/>
             <a:r>
-              <a:rPr lang="ru-RU" smtClean="0"/>
+              <a:rPr lang="ru-RU"/>
               <a:t>Пятый уровень</a:t>
             </a:r>
-            <a:endParaRPr lang="ru-RU"/>
-          </a:p>
-        </p:txBody>
-      </p:sp>
-      <p:sp>
-        <p:nvSpPr>
-          <p:cNvPr id="4" name="Текст 3"/>
+            <a:endParaRPr lang="ru-UA"/>
+          </a:p>
+        </p:txBody>
+      </p:sp>
+      <p:sp>
+        <p:nvSpPr>
+          <p:cNvPr id="4" name="Текст 3">
+            <a:extLst>
+              <a:ext uri="{FF2B5EF4-FFF2-40B4-BE49-F238E27FC236}">
+                <a16:creationId xmlns:a16="http://schemas.microsoft.com/office/drawing/2014/main" id="{C7F9FB93-CA5C-4721-BB22-E3DF5F065093}"/>
+              </a:ext>
+            </a:extLst>
+          </p:cNvPr>
           <p:cNvSpPr>
             <a:spLocks noGrp="1"/>
           </p:cNvSpPr>
@@ -2070,7 +2379,7 @@
           <a:p>
             <a:pPr lvl="0"/>
             <a:r>
-              <a:rPr lang="ru-RU" smtClean="0"/>
+              <a:rPr lang="ru-RU"/>
               <a:t>Образец текста</a:t>
             </a:r>
           </a:p>
@@ -2078,7 +2387,13 @@
       </p:sp>
       <p:sp>
         <p:nvSpPr>
-          <p:cNvPr id="5" name="Дата 4"/>
+          <p:cNvPr id="5" name="Дата 4">
+            <a:extLst>
+              <a:ext uri="{FF2B5EF4-FFF2-40B4-BE49-F238E27FC236}">
+                <a16:creationId xmlns:a16="http://schemas.microsoft.com/office/drawing/2014/main" id="{2431716C-E75B-4E35-A8EC-F979EBDFD68A}"/>
+              </a:ext>
+            </a:extLst>
+          </p:cNvPr>
           <p:cNvSpPr>
             <a:spLocks noGrp="1"/>
           </p:cNvSpPr>
@@ -2091,7 +2406,7 @@
           <a:bodyPr/>
           <a:lstStyle/>
           <a:p>
-            <a:fld id="{D62FD567-7F1A-401C-9125-B980ED9FEBBD}" type="datetimeFigureOut">
+            <a:fld id="{00C59712-ACD0-40E5-87C2-47EE9FB85628}" type="datetimeFigureOut">
               <a:rPr lang="ru-RU" smtClean="0"/>
               <a:t>02.03.2021</a:t>
             </a:fld>
@@ -2101,7 +2416,13 @@
       </p:sp>
       <p:sp>
         <p:nvSpPr>
-          <p:cNvPr id="6" name="Нижний колонтитул 5"/>
+          <p:cNvPr id="6" name="Нижний колонтитул 5">
+            <a:extLst>
+              <a:ext uri="{FF2B5EF4-FFF2-40B4-BE49-F238E27FC236}">
+                <a16:creationId xmlns:a16="http://schemas.microsoft.com/office/drawing/2014/main" id="{A748FA2C-B0A2-4932-A44E-39D8C2DF6E07}"/>
+              </a:ext>
+            </a:extLst>
+          </p:cNvPr>
           <p:cNvSpPr>
             <a:spLocks noGrp="1"/>
           </p:cNvSpPr>
@@ -2120,7 +2441,13 @@
       </p:sp>
       <p:sp>
         <p:nvSpPr>
-          <p:cNvPr id="7" name="Номер слайда 6"/>
+          <p:cNvPr id="7" name="Номер слайда 6">
+            <a:extLst>
+              <a:ext uri="{FF2B5EF4-FFF2-40B4-BE49-F238E27FC236}">
+                <a16:creationId xmlns:a16="http://schemas.microsoft.com/office/drawing/2014/main" id="{F2B99D66-5E28-42DC-AC5A-DA7B9E0A49C5}"/>
+              </a:ext>
+            </a:extLst>
+          </p:cNvPr>
           <p:cNvSpPr>
             <a:spLocks noGrp="1"/>
           </p:cNvSpPr>
@@ -2133,7 +2460,7 @@
           <a:bodyPr/>
           <a:lstStyle/>
           <a:p>
-            <a:fld id="{F8214BF2-94C6-4EA6-B1F6-3C21A0565B15}" type="slidenum">
+            <a:fld id="{A67650F7-0E72-4095-9820-0D114D4A06FC}" type="slidenum">
               <a:rPr lang="ru-RU" smtClean="0"/>
               <a:t>‹#›</a:t>
             </a:fld>
@@ -2144,7 +2471,7 @@
     </p:spTree>
     <p:extLst>
       <p:ext uri="{BB962C8B-B14F-4D97-AF65-F5344CB8AC3E}">
-        <p14:creationId xmlns:p14="http://schemas.microsoft.com/office/powerpoint/2010/main" val="3441375879"/>
+        <p14:creationId xmlns:p14="http://schemas.microsoft.com/office/powerpoint/2010/main" val="1272272400"/>
       </p:ext>
     </p:extLst>
   </p:cSld>
@@ -2173,7 +2500,13 @@
       </p:grpSpPr>
       <p:sp>
         <p:nvSpPr>
-          <p:cNvPr id="2" name="Заголовок 1"/>
+          <p:cNvPr id="2" name="Заголовок 1">
+            <a:extLst>
+              <a:ext uri="{FF2B5EF4-FFF2-40B4-BE49-F238E27FC236}">
+                <a16:creationId xmlns:a16="http://schemas.microsoft.com/office/drawing/2014/main" id="{3E0EC8DC-D0F6-40FB-83F8-8DF44B3FFD10}"/>
+              </a:ext>
+            </a:extLst>
+          </p:cNvPr>
           <p:cNvSpPr>
             <a:spLocks noGrp="1"/>
           </p:cNvSpPr>
@@ -2196,16 +2529,22 @@
           </a:lstStyle>
           <a:p>
             <a:r>
-              <a:rPr lang="ru-RU" smtClean="0"/>
+              <a:rPr lang="ru-RU"/>
               <a:t>Образец заголовка</a:t>
             </a:r>
-            <a:endParaRPr lang="ru-RU"/>
-          </a:p>
-        </p:txBody>
-      </p:sp>
-      <p:sp>
-        <p:nvSpPr>
-          <p:cNvPr id="3" name="Рисунок 2"/>
+            <a:endParaRPr lang="ru-UA"/>
+          </a:p>
+        </p:txBody>
+      </p:sp>
+      <p:sp>
+        <p:nvSpPr>
+          <p:cNvPr id="3" name="Рисунок 2">
+            <a:extLst>
+              <a:ext uri="{FF2B5EF4-FFF2-40B4-BE49-F238E27FC236}">
+                <a16:creationId xmlns:a16="http://schemas.microsoft.com/office/drawing/2014/main" id="{BBCE4537-BB5F-47B2-A374-331E8E1DD69E}"/>
+              </a:ext>
+            </a:extLst>
+          </p:cNvPr>
           <p:cNvSpPr>
             <a:spLocks noGrp="1"/>
           </p:cNvSpPr>
@@ -2260,13 +2599,19 @@
             </a:lvl9pPr>
           </a:lstStyle>
           <a:p>
-            <a:endParaRPr lang="ru-RU"/>
-          </a:p>
-        </p:txBody>
-      </p:sp>
-      <p:sp>
-        <p:nvSpPr>
-          <p:cNvPr id="4" name="Текст 3"/>
+            <a:endParaRPr lang="ru-UA"/>
+          </a:p>
+        </p:txBody>
+      </p:sp>
+      <p:sp>
+        <p:nvSpPr>
+          <p:cNvPr id="4" name="Текст 3">
+            <a:extLst>
+              <a:ext uri="{FF2B5EF4-FFF2-40B4-BE49-F238E27FC236}">
+                <a16:creationId xmlns:a16="http://schemas.microsoft.com/office/drawing/2014/main" id="{51E25702-B94D-4028-A273-94F250F8A457}"/>
+              </a:ext>
+            </a:extLst>
+          </p:cNvPr>
           <p:cNvSpPr>
             <a:spLocks noGrp="1"/>
           </p:cNvSpPr>
@@ -2323,7 +2668,7 @@
           <a:p>
             <a:pPr lvl="0"/>
             <a:r>
-              <a:rPr lang="ru-RU" smtClean="0"/>
+              <a:rPr lang="ru-RU"/>
               <a:t>Образец текста</a:t>
             </a:r>
           </a:p>
@@ -2331,7 +2676,13 @@
       </p:sp>
       <p:sp>
         <p:nvSpPr>
-          <p:cNvPr id="5" name="Дата 4"/>
+          <p:cNvPr id="5" name="Дата 4">
+            <a:extLst>
+              <a:ext uri="{FF2B5EF4-FFF2-40B4-BE49-F238E27FC236}">
+                <a16:creationId xmlns:a16="http://schemas.microsoft.com/office/drawing/2014/main" id="{F0C00893-FDB0-437E-BEEB-435ED6E64077}"/>
+              </a:ext>
+            </a:extLst>
+          </p:cNvPr>
           <p:cNvSpPr>
             <a:spLocks noGrp="1"/>
           </p:cNvSpPr>
@@ -2344,7 +2695,7 @@
           <a:bodyPr/>
           <a:lstStyle/>
           <a:p>
-            <a:fld id="{D62FD567-7F1A-401C-9125-B980ED9FEBBD}" type="datetimeFigureOut">
+            <a:fld id="{00C59712-ACD0-40E5-87C2-47EE9FB85628}" type="datetimeFigureOut">
               <a:rPr lang="ru-RU" smtClean="0"/>
               <a:t>02.03.2021</a:t>
             </a:fld>
@@ -2354,7 +2705,13 @@
       </p:sp>
       <p:sp>
         <p:nvSpPr>
-          <p:cNvPr id="6" name="Нижний колонтитул 5"/>
+          <p:cNvPr id="6" name="Нижний колонтитул 5">
+            <a:extLst>
+              <a:ext uri="{FF2B5EF4-FFF2-40B4-BE49-F238E27FC236}">
+                <a16:creationId xmlns:a16="http://schemas.microsoft.com/office/drawing/2014/main" id="{1941F671-D5EA-4CD5-9807-661EB464215A}"/>
+              </a:ext>
+            </a:extLst>
+          </p:cNvPr>
           <p:cNvSpPr>
             <a:spLocks noGrp="1"/>
           </p:cNvSpPr>
@@ -2373,7 +2730,13 @@
       </p:sp>
       <p:sp>
         <p:nvSpPr>
-          <p:cNvPr id="7" name="Номер слайда 6"/>
+          <p:cNvPr id="7" name="Номер слайда 6">
+            <a:extLst>
+              <a:ext uri="{FF2B5EF4-FFF2-40B4-BE49-F238E27FC236}">
+                <a16:creationId xmlns:a16="http://schemas.microsoft.com/office/drawing/2014/main" id="{D00CDC45-B85E-4DC7-8010-6F2DB9DC4F00}"/>
+              </a:ext>
+            </a:extLst>
+          </p:cNvPr>
           <p:cNvSpPr>
             <a:spLocks noGrp="1"/>
           </p:cNvSpPr>
@@ -2386,7 +2749,7 @@
           <a:bodyPr/>
           <a:lstStyle/>
           <a:p>
-            <a:fld id="{F8214BF2-94C6-4EA6-B1F6-3C21A0565B15}" type="slidenum">
+            <a:fld id="{A67650F7-0E72-4095-9820-0D114D4A06FC}" type="slidenum">
               <a:rPr lang="ru-RU" smtClean="0"/>
               <a:t>‹#›</a:t>
             </a:fld>
@@ -2397,7 +2760,7 @@
     </p:spTree>
     <p:extLst>
       <p:ext uri="{BB962C8B-B14F-4D97-AF65-F5344CB8AC3E}">
-        <p14:creationId xmlns:p14="http://schemas.microsoft.com/office/powerpoint/2010/main" val="2783012470"/>
+        <p14:creationId xmlns:p14="http://schemas.microsoft.com/office/powerpoint/2010/main" val="1752046756"/>
       </p:ext>
     </p:extLst>
   </p:cSld>
@@ -2431,7 +2794,13 @@
       </p:grpSpPr>
       <p:sp>
         <p:nvSpPr>
-          <p:cNvPr id="2" name="Заголовок 1"/>
+          <p:cNvPr id="2" name="Заголовок 1">
+            <a:extLst>
+              <a:ext uri="{FF2B5EF4-FFF2-40B4-BE49-F238E27FC236}">
+                <a16:creationId xmlns:a16="http://schemas.microsoft.com/office/drawing/2014/main" id="{8C957FA2-8E6F-4ED9-AE16-907C0E08BF22}"/>
+              </a:ext>
+            </a:extLst>
+          </p:cNvPr>
           <p:cNvSpPr>
             <a:spLocks noGrp="1"/>
           </p:cNvSpPr>
@@ -2455,16 +2824,22 @@
           <a:lstStyle/>
           <a:p>
             <a:r>
-              <a:rPr lang="ru-RU" smtClean="0"/>
+              <a:rPr lang="ru-RU"/>
               <a:t>Образец заголовка</a:t>
             </a:r>
-            <a:endParaRPr lang="ru-RU"/>
-          </a:p>
-        </p:txBody>
-      </p:sp>
-      <p:sp>
-        <p:nvSpPr>
-          <p:cNvPr id="3" name="Текст 2"/>
+            <a:endParaRPr lang="ru-UA"/>
+          </a:p>
+        </p:txBody>
+      </p:sp>
+      <p:sp>
+        <p:nvSpPr>
+          <p:cNvPr id="3" name="Текст 2">
+            <a:extLst>
+              <a:ext uri="{FF2B5EF4-FFF2-40B4-BE49-F238E27FC236}">
+                <a16:creationId xmlns:a16="http://schemas.microsoft.com/office/drawing/2014/main" id="{68F0488B-ACF2-441D-943E-45A7C276E452}"/>
+              </a:ext>
+            </a:extLst>
+          </p:cNvPr>
           <p:cNvSpPr>
             <a:spLocks noGrp="1"/>
           </p:cNvSpPr>
@@ -2489,44 +2864,50 @@
           <a:p>
             <a:pPr lvl="0"/>
             <a:r>
-              <a:rPr lang="ru-RU" smtClean="0"/>
+              <a:rPr lang="ru-RU"/>
               <a:t>Образец текста</a:t>
             </a:r>
           </a:p>
           <a:p>
             <a:pPr lvl="1"/>
             <a:r>
-              <a:rPr lang="ru-RU" smtClean="0"/>
+              <a:rPr lang="ru-RU"/>
               <a:t>Второй уровень</a:t>
             </a:r>
           </a:p>
           <a:p>
             <a:pPr lvl="2"/>
             <a:r>
-              <a:rPr lang="ru-RU" smtClean="0"/>
+              <a:rPr lang="ru-RU"/>
               <a:t>Третий уровень</a:t>
             </a:r>
           </a:p>
           <a:p>
             <a:pPr lvl="3"/>
             <a:r>
-              <a:rPr lang="ru-RU" smtClean="0"/>
+              <a:rPr lang="ru-RU"/>
               <a:t>Четвертый уровень</a:t>
             </a:r>
           </a:p>
           <a:p>
             <a:pPr lvl="4"/>
             <a:r>
-              <a:rPr lang="ru-RU" smtClean="0"/>
+              <a:rPr lang="ru-RU"/>
               <a:t>Пятый уровень</a:t>
             </a:r>
-            <a:endParaRPr lang="ru-RU"/>
-          </a:p>
-        </p:txBody>
-      </p:sp>
-      <p:sp>
-        <p:nvSpPr>
-          <p:cNvPr id="4" name="Дата 3"/>
+            <a:endParaRPr lang="ru-UA"/>
+          </a:p>
+        </p:txBody>
+      </p:sp>
+      <p:sp>
+        <p:nvSpPr>
+          <p:cNvPr id="4" name="Дата 3">
+            <a:extLst>
+              <a:ext uri="{FF2B5EF4-FFF2-40B4-BE49-F238E27FC236}">
+                <a16:creationId xmlns:a16="http://schemas.microsoft.com/office/drawing/2014/main" id="{78243070-903C-4F79-8E24-DE8B4DC191D7}"/>
+              </a:ext>
+            </a:extLst>
+          </p:cNvPr>
           <p:cNvSpPr>
             <a:spLocks noGrp="1"/>
           </p:cNvSpPr>
@@ -2557,7 +2938,7 @@
             </a:lvl1pPr>
           </a:lstStyle>
           <a:p>
-            <a:fld id="{D62FD567-7F1A-401C-9125-B980ED9FEBBD}" type="datetimeFigureOut">
+            <a:fld id="{00C59712-ACD0-40E5-87C2-47EE9FB85628}" type="datetimeFigureOut">
               <a:rPr lang="ru-RU" smtClean="0"/>
               <a:t>02.03.2021</a:t>
             </a:fld>
@@ -2567,7 +2948,13 @@
       </p:sp>
       <p:sp>
         <p:nvSpPr>
-          <p:cNvPr id="5" name="Нижний колонтитул 4"/>
+          <p:cNvPr id="5" name="Нижний колонтитул 4">
+            <a:extLst>
+              <a:ext uri="{FF2B5EF4-FFF2-40B4-BE49-F238E27FC236}">
+                <a16:creationId xmlns:a16="http://schemas.microsoft.com/office/drawing/2014/main" id="{ECE58D35-53FC-48DD-8FE6-48ED58CB242E}"/>
+              </a:ext>
+            </a:extLst>
+          </p:cNvPr>
           <p:cNvSpPr>
             <a:spLocks noGrp="1"/>
           </p:cNvSpPr>
@@ -2604,7 +2991,13 @@
       </p:sp>
       <p:sp>
         <p:nvSpPr>
-          <p:cNvPr id="6" name="Номер слайда 5"/>
+          <p:cNvPr id="6" name="Номер слайда 5">
+            <a:extLst>
+              <a:ext uri="{FF2B5EF4-FFF2-40B4-BE49-F238E27FC236}">
+                <a16:creationId xmlns:a16="http://schemas.microsoft.com/office/drawing/2014/main" id="{2DA74DD2-C984-42FD-AEDB-DC47C87B0338}"/>
+              </a:ext>
+            </a:extLst>
+          </p:cNvPr>
           <p:cNvSpPr>
             <a:spLocks noGrp="1"/>
           </p:cNvSpPr>
@@ -2635,7 +3028,7 @@
             </a:lvl1pPr>
           </a:lstStyle>
           <a:p>
-            <a:fld id="{F8214BF2-94C6-4EA6-B1F6-3C21A0565B15}" type="slidenum">
+            <a:fld id="{A67650F7-0E72-4095-9820-0D114D4A06FC}" type="slidenum">
               <a:rPr lang="ru-RU" smtClean="0"/>
               <a:t>‹#›</a:t>
             </a:fld>
@@ -2646,23 +3039,23 @@
     </p:spTree>
     <p:extLst>
       <p:ext uri="{BB962C8B-B14F-4D97-AF65-F5344CB8AC3E}">
-        <p14:creationId xmlns:p14="http://schemas.microsoft.com/office/powerpoint/2010/main" val="2674828984"/>
+        <p14:creationId xmlns:p14="http://schemas.microsoft.com/office/powerpoint/2010/main" val="2761261496"/>
       </p:ext>
     </p:extLst>
   </p:cSld>
   <p:clrMap bg1="lt1" tx1="dk1" bg2="lt2" tx2="dk2" accent1="accent1" accent2="accent2" accent3="accent3" accent4="accent4" accent5="accent5" accent6="accent6" hlink="hlink" folHlink="folHlink"/>
   <p:sldLayoutIdLst>
-    <p:sldLayoutId id="2147483649" r:id="rId1"/>
-    <p:sldLayoutId id="2147483650" r:id="rId2"/>
-    <p:sldLayoutId id="2147483651" r:id="rId3"/>
-    <p:sldLayoutId id="2147483652" r:id="rId4"/>
-    <p:sldLayoutId id="2147483653" r:id="rId5"/>
-    <p:sldLayoutId id="2147483654" r:id="rId6"/>
-    <p:sldLayoutId id="2147483655" r:id="rId7"/>
-    <p:sldLayoutId id="2147483656" r:id="rId8"/>
-    <p:sldLayoutId id="2147483657" r:id="rId9"/>
-    <p:sldLayoutId id="2147483658" r:id="rId10"/>
-    <p:sldLayoutId id="2147483659" r:id="rId11"/>
+    <p:sldLayoutId id="2147483699" r:id="rId1"/>
+    <p:sldLayoutId id="2147483700" r:id="rId2"/>
+    <p:sldLayoutId id="2147483701" r:id="rId3"/>
+    <p:sldLayoutId id="2147483702" r:id="rId4"/>
+    <p:sldLayoutId id="2147483703" r:id="rId5"/>
+    <p:sldLayoutId id="2147483704" r:id="rId6"/>
+    <p:sldLayoutId id="2147483705" r:id="rId7"/>
+    <p:sldLayoutId id="2147483706" r:id="rId8"/>
+    <p:sldLayoutId id="2147483707" r:id="rId9"/>
+    <p:sldLayoutId id="2147483708" r:id="rId10"/>
+    <p:sldLayoutId id="2147483709" r:id="rId11"/>
   </p:sldLayoutIdLst>
   <p:txStyles>
     <p:titleStyle>
@@ -2850,7 +3243,7 @@
     </p:bodyStyle>
     <p:otherStyle>
       <a:defPPr>
-        <a:defRPr lang="ru-RU"/>
+        <a:defRPr lang="ru-UA"/>
       </a:defPPr>
       <a:lvl1pPr marL="0" algn="l" defTabSz="914400" rtl="0" eaLnBrk="1" latinLnBrk="0" hangingPunct="1">
         <a:defRPr sz="1800" kern="1200">
@@ -2971,41 +3364,1773 @@
             <a:spLocks noGrp="1"/>
           </p:cNvSpPr>
           <p:nvPr>
-            <p:ph type="ctrTitle"/>
-          </p:nvPr>
-        </p:nvSpPr>
-        <p:spPr/>
-        <p:txBody>
-          <a:bodyPr/>
-          <a:lstStyle/>
-          <a:p>
-            <a:endParaRPr lang="ru-RU"/>
-          </a:p>
-        </p:txBody>
-      </p:sp>
-      <p:sp>
-        <p:nvSpPr>
-          <p:cNvPr id="3" name="Подзаголовок 2"/>
-          <p:cNvSpPr>
-            <a:spLocks noGrp="1"/>
-          </p:cNvSpPr>
-          <p:nvPr>
-            <p:ph type="subTitle" idx="1"/>
-          </p:nvPr>
-        </p:nvSpPr>
-        <p:spPr/>
-        <p:txBody>
-          <a:bodyPr/>
-          <a:lstStyle/>
-          <a:p>
-            <a:endParaRPr lang="ru-RU"/>
-          </a:p>
-        </p:txBody>
-      </p:sp>
+            <p:ph type="title"/>
+          </p:nvPr>
+        </p:nvSpPr>
+        <p:spPr>
+          <a:xfrm>
+            <a:off x="525622" y="1231641"/>
+            <a:ext cx="5495728" cy="2197359"/>
+          </a:xfrm>
+          <a:noFill/>
+          <a:ln>
+            <a:noFill/>
+          </a:ln>
+        </p:spPr>
+        <p:style>
+          <a:lnRef idx="0">
+            <a:scrgbClr r="0" g="0" b="0"/>
+          </a:lnRef>
+          <a:fillRef idx="0">
+            <a:scrgbClr r="0" g="0" b="0"/>
+          </a:fillRef>
+          <a:effectRef idx="0">
+            <a:scrgbClr r="0" g="0" b="0"/>
+          </a:effectRef>
+          <a:fontRef idx="minor">
+            <a:schemeClr val="dk1"/>
+          </a:fontRef>
+        </p:style>
+        <p:txBody>
+          <a:bodyPr>
+            <a:noAutofit/>
+          </a:bodyPr>
+          <a:lstStyle/>
+          <a:p>
+            <a:pPr algn="ctr"/>
+            <a:r>
+              <a:rPr lang="ru-RU" sz="5400" dirty="0">
+                <a:solidFill>
+                  <a:srgbClr val="000000"/>
+                </a:solidFill>
+                <a:latin typeface="Verdana"/>
+              </a:rPr>
+              <a:t>Бруски</a:t>
+            </a:r>
+            <a:br>
+              <a:rPr lang="ru-RU" sz="5400" dirty="0">
+                <a:solidFill>
+                  <a:srgbClr val="000000"/>
+                </a:solidFill>
+                <a:latin typeface="Verdana"/>
+              </a:rPr>
+            </a:br>
+            <a:r>
+              <a:rPr lang="ru-RU" sz="5400" dirty="0" err="1">
+                <a:solidFill>
+                  <a:srgbClr val="000000"/>
+                </a:solidFill>
+                <a:latin typeface="Verdana"/>
+              </a:rPr>
+              <a:t>Женая</a:t>
+            </a:r>
+            <a:r>
+              <a:rPr lang="ru-RU" sz="5400" dirty="0">
+                <a:solidFill>
+                  <a:srgbClr val="000000"/>
+                </a:solidFill>
+                <a:latin typeface="Verdana"/>
+              </a:rPr>
+              <a:t>-Люка</a:t>
+            </a:r>
+            <a:endParaRPr lang="ru-RU" sz="5400" dirty="0"/>
+          </a:p>
+        </p:txBody>
+      </p:sp>
+      <p:pic>
+        <p:nvPicPr>
+          <p:cNvPr id="1036" name="Picture 12" descr="https://i.etsystatic.com/6191225/r/il/d0c25c/814310212/il_794xN.814310212_2jc0.jpg">
+            <a:extLst>
+              <a:ext uri="{FF2B5EF4-FFF2-40B4-BE49-F238E27FC236}">
+                <a16:creationId xmlns:a16="http://schemas.microsoft.com/office/drawing/2014/main" id="{A3BBF455-F9F7-4754-A285-1B6FF1DE278B}"/>
+              </a:ext>
+            </a:extLst>
+          </p:cNvPr>
+          <p:cNvPicPr>
+            <a:picLocks noGrp="1" noChangeAspect="1" noChangeArrowheads="1"/>
+          </p:cNvPicPr>
+          <p:nvPr>
+            <p:ph idx="1"/>
+          </p:nvPr>
+        </p:nvPicPr>
+        <p:blipFill>
+          <a:blip r:embed="rId2">
+            <a:extLst>
+              <a:ext uri="{28A0092B-C50C-407E-A947-70E740481C1C}">
+                <a14:useLocalDpi xmlns:a14="http://schemas.microsoft.com/office/drawing/2010/main" val="0"/>
+              </a:ext>
+            </a:extLst>
+          </a:blip>
+          <a:srcRect/>
+          <a:stretch>
+            <a:fillRect/>
+          </a:stretch>
+        </p:blipFill>
+        <p:spPr bwMode="auto">
+          <a:xfrm>
+            <a:off x="6854892" y="205183"/>
+            <a:ext cx="4811486" cy="6447634"/>
+          </a:xfrm>
+          <a:prstGeom prst="rect">
+            <a:avLst/>
+          </a:prstGeom>
+          <a:noFill/>
+          <a:extLst>
+            <a:ext uri="{909E8E84-426E-40DD-AFC4-6F175D3DCCD1}">
+              <a14:hiddenFill xmlns:a14="http://schemas.microsoft.com/office/drawing/2010/main">
+                <a:solidFill>
+                  <a:srgbClr val="FFFFFF"/>
+                </a:solidFill>
+              </a14:hiddenFill>
+            </a:ext>
+          </a:extLst>
+        </p:spPr>
+      </p:pic>
     </p:spTree>
     <p:extLst>
       <p:ext uri="{BB962C8B-B14F-4D97-AF65-F5344CB8AC3E}">
-        <p14:creationId xmlns:p14="http://schemas.microsoft.com/office/powerpoint/2010/main" val="1839722756"/>
+        <p14:creationId xmlns:p14="http://schemas.microsoft.com/office/powerpoint/2010/main" val="143809466"/>
+      </p:ext>
+    </p:extLst>
+  </p:cSld>
+  <p:clrMapOvr>
+    <a:masterClrMapping/>
+  </p:clrMapOvr>
+</p:sld>
+</file>
+
+<file path=ppt/slides/slide10.xml><?xml version="1.0" encoding="utf-8"?>
+<p:sld xmlns:a="http://schemas.openxmlformats.org/drawingml/2006/main" xmlns:r="http://schemas.openxmlformats.org/officeDocument/2006/relationships" xmlns:p="http://schemas.openxmlformats.org/presentationml/2006/main">
+  <p:cSld>
+    <p:spTree>
+      <p:nvGrpSpPr>
+        <p:cNvPr id="1" name=""/>
+        <p:cNvGrpSpPr/>
+        <p:nvPr/>
+      </p:nvGrpSpPr>
+      <p:grpSpPr>
+        <a:xfrm>
+          <a:off x="0" y="0"/>
+          <a:ext cx="0" cy="0"/>
+          <a:chOff x="0" y="0"/>
+          <a:chExt cx="0" cy="0"/>
+        </a:xfrm>
+      </p:grpSpPr>
+      <p:pic>
+        <p:nvPicPr>
+          <p:cNvPr id="5" name="Объект 4"/>
+          <p:cNvPicPr>
+            <a:picLocks noGrp="1"/>
+          </p:cNvPicPr>
+          <p:nvPr>
+            <p:ph sz="half" idx="1"/>
+          </p:nvPr>
+        </p:nvPicPr>
+        <p:blipFill>
+          <a:blip r:embed="rId2">
+            <a:extLst>
+              <a:ext uri="{28A0092B-C50C-407E-A947-70E740481C1C}">
+                <a14:useLocalDpi xmlns:a14="http://schemas.microsoft.com/office/drawing/2010/main" val="0"/>
+              </a:ext>
+            </a:extLst>
+          </a:blip>
+          <a:srcRect/>
+          <a:stretch>
+            <a:fillRect/>
+          </a:stretch>
+        </p:blipFill>
+        <p:spPr bwMode="auto">
+          <a:xfrm>
+            <a:off x="713014" y="588534"/>
+            <a:ext cx="4060371" cy="5041705"/>
+          </a:xfrm>
+          <a:prstGeom prst="rect">
+            <a:avLst/>
+          </a:prstGeom>
+          <a:noFill/>
+        </p:spPr>
+      </p:pic>
+      <p:sp>
+        <p:nvSpPr>
+          <p:cNvPr id="4" name="Объект 3"/>
+          <p:cNvSpPr>
+            <a:spLocks noGrp="1"/>
+          </p:cNvSpPr>
+          <p:nvPr>
+            <p:ph sz="half" idx="2"/>
+          </p:nvPr>
+        </p:nvSpPr>
+        <p:spPr/>
+        <p:txBody>
+          <a:bodyPr/>
+          <a:lstStyle/>
+          <a:p>
+            <a:pPr marL="0" indent="0">
+              <a:buNone/>
+            </a:pPr>
+            <a:r>
+              <a:rPr lang="ru-RU" dirty="0"/>
+              <a:t>Чтобы умножить многозначное число на многозначное число, вычислите частичные произведения и сложите. </a:t>
+            </a:r>
+          </a:p>
+          <a:p>
+            <a:pPr marL="0" indent="0">
+              <a:buNone/>
+            </a:pPr>
+            <a:r>
+              <a:rPr lang="ru-RU" dirty="0"/>
+              <a:t>40 </a:t>
+            </a:r>
+            <a:r>
+              <a:rPr lang="en-US" dirty="0">
+                <a:sym typeface="Symbol" panose="05050102010706020507" pitchFamily="18" charset="2"/>
+              </a:rPr>
+              <a:t></a:t>
+            </a:r>
+            <a:r>
+              <a:rPr lang="ru-RU" dirty="0"/>
+              <a:t> 2207 = 88280</a:t>
+            </a:r>
+          </a:p>
+          <a:p>
+            <a:pPr marL="0" indent="0">
+              <a:buNone/>
+            </a:pPr>
+            <a:r>
+              <a:rPr lang="ru-RU" dirty="0"/>
+              <a:t>7 </a:t>
+            </a:r>
+            <a:r>
+              <a:rPr lang="en-US" dirty="0">
+                <a:sym typeface="Symbol" panose="05050102010706020507" pitchFamily="18" charset="2"/>
+              </a:rPr>
+              <a:t></a:t>
+            </a:r>
+            <a:r>
+              <a:rPr lang="ru-RU" dirty="0"/>
+              <a:t> 2207 = 15449</a:t>
+            </a:r>
+          </a:p>
+          <a:p>
+            <a:pPr marL="0" indent="0">
+              <a:buNone/>
+            </a:pPr>
+            <a:r>
+              <a:rPr lang="ru-RU" dirty="0"/>
+              <a:t>88280 + 15449 = 103729</a:t>
+            </a:r>
+          </a:p>
+          <a:p>
+            <a:endParaRPr lang="ru-RU" dirty="0"/>
+          </a:p>
+        </p:txBody>
+      </p:sp>
+      <p:sp>
+        <p:nvSpPr>
+          <p:cNvPr id="3" name="TextBox 2">
+            <a:extLst>
+              <a:ext uri="{FF2B5EF4-FFF2-40B4-BE49-F238E27FC236}">
+                <a16:creationId xmlns:a16="http://schemas.microsoft.com/office/drawing/2014/main" id="{9B9FADD1-DA15-4C9D-8F71-EBE8487FC32F}"/>
+              </a:ext>
+            </a:extLst>
+          </p:cNvPr>
+          <p:cNvSpPr txBox="1"/>
+          <p:nvPr/>
+        </p:nvSpPr>
+        <p:spPr>
+          <a:xfrm>
+            <a:off x="2029798" y="5630239"/>
+            <a:ext cx="2295330" cy="369332"/>
+          </a:xfrm>
+          <a:prstGeom prst="rect">
+            <a:avLst/>
+          </a:prstGeom>
+          <a:noFill/>
+        </p:spPr>
+        <p:txBody>
+          <a:bodyPr wrap="square" rtlCol="0">
+            <a:spAutoFit/>
+          </a:bodyPr>
+          <a:lstStyle/>
+          <a:p>
+            <a:r>
+              <a:rPr lang="ru-RU" dirty="0"/>
+              <a:t>2207 </a:t>
+            </a:r>
+            <a:r>
+              <a:rPr lang="en-US" dirty="0">
+                <a:sym typeface="Symbol" panose="05050102010706020507" pitchFamily="18" charset="2"/>
+              </a:rPr>
+              <a:t></a:t>
+            </a:r>
+            <a:r>
+              <a:rPr lang="ru-RU" dirty="0">
+                <a:sym typeface="Symbol" panose="05050102010706020507" pitchFamily="18" charset="2"/>
+              </a:rPr>
+              <a:t> 47 = 103729</a:t>
+            </a:r>
+          </a:p>
+        </p:txBody>
+      </p:sp>
+      <p:sp>
+        <p:nvSpPr>
+          <p:cNvPr id="6" name="TextBox 5">
+            <a:extLst>
+              <a:ext uri="{FF2B5EF4-FFF2-40B4-BE49-F238E27FC236}">
+                <a16:creationId xmlns:a16="http://schemas.microsoft.com/office/drawing/2014/main" id="{1DF0929E-E778-4083-A5C7-EB2A2BCA8500}"/>
+              </a:ext>
+            </a:extLst>
+          </p:cNvPr>
+          <p:cNvSpPr txBox="1"/>
+          <p:nvPr/>
+        </p:nvSpPr>
+        <p:spPr>
+          <a:xfrm>
+            <a:off x="998376" y="65314"/>
+            <a:ext cx="1744824" cy="523220"/>
+          </a:xfrm>
+          <a:prstGeom prst="rect">
+            <a:avLst/>
+          </a:prstGeom>
+          <a:noFill/>
+        </p:spPr>
+        <p:txBody>
+          <a:bodyPr wrap="square" rtlCol="0">
+            <a:spAutoFit/>
+          </a:bodyPr>
+          <a:lstStyle/>
+          <a:p>
+            <a:r>
+              <a:rPr lang="ru-RU" sz="2800" dirty="0"/>
+              <a:t>Пример 3.</a:t>
+            </a:r>
+            <a:endParaRPr lang="ru-UA" sz="2800" dirty="0"/>
+          </a:p>
+        </p:txBody>
+      </p:sp>
+    </p:spTree>
+    <p:extLst>
+      <p:ext uri="{BB962C8B-B14F-4D97-AF65-F5344CB8AC3E}">
+        <p14:creationId xmlns:p14="http://schemas.microsoft.com/office/powerpoint/2010/main" val="1602134575"/>
+      </p:ext>
+    </p:extLst>
+  </p:cSld>
+  <p:clrMapOvr>
+    <a:masterClrMapping/>
+  </p:clrMapOvr>
+</p:sld>
+</file>
+
+<file path=ppt/slides/slide11.xml><?xml version="1.0" encoding="utf-8"?>
+<p:sld xmlns:a="http://schemas.openxmlformats.org/drawingml/2006/main" xmlns:r="http://schemas.openxmlformats.org/officeDocument/2006/relationships" xmlns:p="http://schemas.openxmlformats.org/presentationml/2006/main">
+  <p:cSld>
+    <p:spTree>
+      <p:nvGrpSpPr>
+        <p:cNvPr id="1" name=""/>
+        <p:cNvGrpSpPr/>
+        <p:nvPr/>
+      </p:nvGrpSpPr>
+      <p:grpSpPr>
+        <a:xfrm>
+          <a:off x="0" y="0"/>
+          <a:ext cx="0" cy="0"/>
+          <a:chOff x="0" y="0"/>
+          <a:chExt cx="0" cy="0"/>
+        </a:xfrm>
+      </p:grpSpPr>
+      <p:sp>
+        <p:nvSpPr>
+          <p:cNvPr id="3" name="Объект 2">
+            <a:extLst>
+              <a:ext uri="{FF2B5EF4-FFF2-40B4-BE49-F238E27FC236}">
+                <a16:creationId xmlns:a16="http://schemas.microsoft.com/office/drawing/2014/main" id="{B76859FC-BDCB-452D-AA6B-A573249F4035}"/>
+              </a:ext>
+            </a:extLst>
+          </p:cNvPr>
+          <p:cNvSpPr>
+            <a:spLocks noGrp="1"/>
+          </p:cNvSpPr>
+          <p:nvPr>
+            <p:ph sz="half" idx="1"/>
+          </p:nvPr>
+        </p:nvSpPr>
+        <p:spPr>
+          <a:xfrm>
+            <a:off x="912845" y="1869201"/>
+            <a:ext cx="4079033" cy="3119598"/>
+          </a:xfrm>
+        </p:spPr>
+        <p:txBody>
+          <a:bodyPr>
+            <a:noAutofit/>
+          </a:bodyPr>
+          <a:lstStyle/>
+          <a:p>
+            <a:pPr marL="0" indent="0">
+              <a:buNone/>
+            </a:pPr>
+            <a:r>
+              <a:rPr lang="ru-RU" dirty="0"/>
+              <a:t>Бруски </a:t>
+            </a:r>
+            <a:r>
+              <a:rPr lang="ru-RU" dirty="0" err="1"/>
+              <a:t>Женая</a:t>
+            </a:r>
+            <a:r>
+              <a:rPr lang="ru-RU" dirty="0"/>
+              <a:t> были широко распространены, но их популярность была недолговечна, так как вычислительная машина вскоре начала вытеснять ручные арифметические методы.</a:t>
+            </a:r>
+            <a:endParaRPr lang="ru-UA" dirty="0"/>
+          </a:p>
+        </p:txBody>
+      </p:sp>
+      <p:pic>
+        <p:nvPicPr>
+          <p:cNvPr id="7170" name="Picture 2" descr="Изображение">
+            <a:extLst>
+              <a:ext uri="{FF2B5EF4-FFF2-40B4-BE49-F238E27FC236}">
+                <a16:creationId xmlns:a16="http://schemas.microsoft.com/office/drawing/2014/main" id="{D4255470-11C2-4995-A11E-C64A340F27C1}"/>
+              </a:ext>
+            </a:extLst>
+          </p:cNvPr>
+          <p:cNvPicPr>
+            <a:picLocks noGrp="1" noChangeAspect="1" noChangeArrowheads="1"/>
+          </p:cNvPicPr>
+          <p:nvPr>
+            <p:ph sz="half" idx="2"/>
+          </p:nvPr>
+        </p:nvPicPr>
+        <p:blipFill>
+          <a:blip r:embed="rId2">
+            <a:extLst>
+              <a:ext uri="{28A0092B-C50C-407E-A947-70E740481C1C}">
+                <a14:useLocalDpi xmlns:a14="http://schemas.microsoft.com/office/drawing/2010/main" val="0"/>
+              </a:ext>
+            </a:extLst>
+          </a:blip>
+          <a:srcRect/>
+          <a:stretch>
+            <a:fillRect/>
+          </a:stretch>
+        </p:blipFill>
+        <p:spPr bwMode="auto">
+          <a:xfrm>
+            <a:off x="5785911" y="1374269"/>
+            <a:ext cx="6166602" cy="4109462"/>
+          </a:xfrm>
+          <a:prstGeom prst="rect">
+            <a:avLst/>
+          </a:prstGeom>
+          <a:noFill/>
+          <a:extLst>
+            <a:ext uri="{909E8E84-426E-40DD-AFC4-6F175D3DCCD1}">
+              <a14:hiddenFill xmlns:a14="http://schemas.microsoft.com/office/drawing/2010/main">
+                <a:solidFill>
+                  <a:srgbClr val="FFFFFF"/>
+                </a:solidFill>
+              </a14:hiddenFill>
+            </a:ext>
+          </a:extLst>
+        </p:spPr>
+      </p:pic>
+    </p:spTree>
+    <p:extLst>
+      <p:ext uri="{BB962C8B-B14F-4D97-AF65-F5344CB8AC3E}">
+        <p14:creationId xmlns:p14="http://schemas.microsoft.com/office/powerpoint/2010/main" val="409963457"/>
+      </p:ext>
+    </p:extLst>
+  </p:cSld>
+  <p:clrMapOvr>
+    <a:masterClrMapping/>
+  </p:clrMapOvr>
+</p:sld>
+</file>
+
+<file path=ppt/slides/slide2.xml><?xml version="1.0" encoding="utf-8"?>
+<p:sld xmlns:a="http://schemas.openxmlformats.org/drawingml/2006/main" xmlns:r="http://schemas.openxmlformats.org/officeDocument/2006/relationships" xmlns:p="http://schemas.openxmlformats.org/presentationml/2006/main">
+  <p:cSld>
+    <p:spTree>
+      <p:nvGrpSpPr>
+        <p:cNvPr id="1" name=""/>
+        <p:cNvGrpSpPr/>
+        <p:nvPr/>
+      </p:nvGrpSpPr>
+      <p:grpSpPr>
+        <a:xfrm>
+          <a:off x="0" y="0"/>
+          <a:ext cx="0" cy="0"/>
+          <a:chOff x="0" y="0"/>
+          <a:chExt cx="0" cy="0"/>
+        </a:xfrm>
+      </p:grpSpPr>
+      <p:sp>
+        <p:nvSpPr>
+          <p:cNvPr id="2" name="Заголовок 1"/>
+          <p:cNvSpPr>
+            <a:spLocks noGrp="1"/>
+          </p:cNvSpPr>
+          <p:nvPr>
+            <p:ph type="title"/>
+          </p:nvPr>
+        </p:nvSpPr>
+        <p:spPr>
+          <a:xfrm>
+            <a:off x="633704" y="299811"/>
+            <a:ext cx="5590592" cy="1325563"/>
+          </a:xfrm>
+        </p:spPr>
+        <p:txBody>
+          <a:bodyPr/>
+          <a:lstStyle/>
+          <a:p>
+            <a:r>
+              <a:rPr lang="ru-RU" sz="4000" dirty="0">
+                <a:solidFill>
+                  <a:srgbClr val="000000"/>
+                </a:solidFill>
+                <a:latin typeface="Verdana"/>
+              </a:rPr>
+              <a:t>Бруски </a:t>
+            </a:r>
+            <a:r>
+              <a:rPr lang="ru-RU" sz="4000" dirty="0" err="1">
+                <a:solidFill>
+                  <a:srgbClr val="000000"/>
+                </a:solidFill>
+                <a:latin typeface="Verdana"/>
+              </a:rPr>
+              <a:t>Женая</a:t>
+            </a:r>
+            <a:r>
+              <a:rPr lang="ru-RU" sz="4000" dirty="0">
+                <a:solidFill>
+                  <a:srgbClr val="000000"/>
+                </a:solidFill>
+                <a:latin typeface="Verdana"/>
+              </a:rPr>
+              <a:t>-Люка</a:t>
+            </a:r>
+            <a:endParaRPr lang="ru-RU" dirty="0"/>
+          </a:p>
+        </p:txBody>
+      </p:sp>
+      <p:pic>
+        <p:nvPicPr>
+          <p:cNvPr id="15" name="Picture 6" descr="https://i.pinimg.com/originals/66/4c/93/664c93d4da11d6eb29c737137d903404.jpg">
+            <a:extLst>
+              <a:ext uri="{FF2B5EF4-FFF2-40B4-BE49-F238E27FC236}">
+                <a16:creationId xmlns:a16="http://schemas.microsoft.com/office/drawing/2014/main" id="{81E82492-89C6-4168-85D5-B4C35F443944}"/>
+              </a:ext>
+            </a:extLst>
+          </p:cNvPr>
+          <p:cNvPicPr>
+            <a:picLocks noGrp="1" noChangeAspect="1" noChangeArrowheads="1"/>
+          </p:cNvPicPr>
+          <p:nvPr>
+            <p:ph sz="half" idx="1"/>
+          </p:nvPr>
+        </p:nvPicPr>
+        <p:blipFill>
+          <a:blip r:embed="rId2">
+            <a:extLst>
+              <a:ext uri="{28A0092B-C50C-407E-A947-70E740481C1C}">
+                <a14:useLocalDpi xmlns:a14="http://schemas.microsoft.com/office/drawing/2010/main" val="0"/>
+              </a:ext>
+            </a:extLst>
+          </a:blip>
+          <a:srcRect/>
+          <a:stretch>
+            <a:fillRect/>
+          </a:stretch>
+        </p:blipFill>
+        <p:spPr bwMode="auto">
+          <a:xfrm>
+            <a:off x="838200" y="1625374"/>
+            <a:ext cx="5181600" cy="3890090"/>
+          </a:xfrm>
+          <a:prstGeom prst="rect">
+            <a:avLst/>
+          </a:prstGeom>
+          <a:noFill/>
+          <a:extLst>
+            <a:ext uri="{909E8E84-426E-40DD-AFC4-6F175D3DCCD1}">
+              <a14:hiddenFill xmlns:a14="http://schemas.microsoft.com/office/drawing/2010/main">
+                <a:solidFill>
+                  <a:srgbClr val="FFFFFF"/>
+                </a:solidFill>
+              </a14:hiddenFill>
+            </a:ext>
+          </a:extLst>
+        </p:spPr>
+      </p:pic>
+      <p:sp>
+        <p:nvSpPr>
+          <p:cNvPr id="4" name="Объект 3"/>
+          <p:cNvSpPr>
+            <a:spLocks noGrp="1"/>
+          </p:cNvSpPr>
+          <p:nvPr>
+            <p:ph sz="half" idx="2"/>
+          </p:nvPr>
+        </p:nvSpPr>
+        <p:spPr>
+          <a:xfrm>
+            <a:off x="6096000" y="1976502"/>
+            <a:ext cx="4803710" cy="2904995"/>
+          </a:xfrm>
+        </p:spPr>
+        <p:txBody>
+          <a:bodyPr>
+            <a:normAutofit lnSpcReduction="10000"/>
+          </a:bodyPr>
+          <a:lstStyle/>
+          <a:p>
+            <a:pPr>
+              <a:lnSpc>
+                <a:spcPct val="107000"/>
+              </a:lnSpc>
+              <a:spcAft>
+                <a:spcPts val="800"/>
+              </a:spcAft>
+            </a:pPr>
+            <a:r>
+              <a:rPr lang="ru-RU" dirty="0">
+                <a:latin typeface="Times New Roman" panose="02020603050405020304" pitchFamily="18" charset="0"/>
+                <a:ea typeface="Calibri" panose="020F0502020204030204" pitchFamily="34" charset="0"/>
+                <a:cs typeface="Times New Roman" panose="02020603050405020304" pitchFamily="18" charset="0"/>
+              </a:rPr>
+              <a:t>Бруски </a:t>
+            </a:r>
+            <a:r>
+              <a:rPr lang="ru-RU" dirty="0" err="1">
+                <a:latin typeface="Times New Roman" panose="02020603050405020304" pitchFamily="18" charset="0"/>
+                <a:ea typeface="Calibri" panose="020F0502020204030204" pitchFamily="34" charset="0"/>
+                <a:cs typeface="Times New Roman" panose="02020603050405020304" pitchFamily="18" charset="0"/>
+              </a:rPr>
+              <a:t>Женая</a:t>
+            </a:r>
+            <a:r>
+              <a:rPr lang="ru-RU" dirty="0">
+                <a:latin typeface="Times New Roman" panose="02020603050405020304" pitchFamily="18" charset="0"/>
+                <a:ea typeface="Calibri" panose="020F0502020204030204" pitchFamily="34" charset="0"/>
+                <a:cs typeface="Times New Roman" panose="02020603050405020304" pitchFamily="18" charset="0"/>
+              </a:rPr>
+              <a:t> - Люка - это счётный прибор, изобретенный французским инженером Анри </a:t>
+            </a:r>
+            <a:r>
+              <a:rPr lang="ru-RU" dirty="0" err="1">
+                <a:latin typeface="Times New Roman" panose="02020603050405020304" pitchFamily="18" charset="0"/>
+                <a:ea typeface="Calibri" panose="020F0502020204030204" pitchFamily="34" charset="0"/>
+                <a:cs typeface="Times New Roman" panose="02020603050405020304" pitchFamily="18" charset="0"/>
+              </a:rPr>
+              <a:t>Женаем</a:t>
+            </a:r>
+            <a:r>
+              <a:rPr lang="ru-RU" dirty="0">
+                <a:latin typeface="Times New Roman" panose="02020603050405020304" pitchFamily="18" charset="0"/>
+                <a:ea typeface="Calibri" panose="020F0502020204030204" pitchFamily="34" charset="0"/>
+                <a:cs typeface="Times New Roman" panose="02020603050405020304" pitchFamily="18" charset="0"/>
+              </a:rPr>
+              <a:t> и математиком Эдуардом Люка в 1891 году.</a:t>
+            </a:r>
+            <a:endParaRPr lang="ru-RU" sz="2000" dirty="0">
+              <a:effectLst/>
+              <a:latin typeface="Calibri" panose="020F0502020204030204" pitchFamily="34" charset="0"/>
+              <a:ea typeface="Calibri" panose="020F0502020204030204" pitchFamily="34" charset="0"/>
+              <a:cs typeface="Times New Roman" panose="02020603050405020304" pitchFamily="18" charset="0"/>
+            </a:endParaRPr>
+          </a:p>
+          <a:p>
+            <a:endParaRPr lang="ru-RU" dirty="0"/>
+          </a:p>
+        </p:txBody>
+      </p:sp>
+    </p:spTree>
+    <p:extLst>
+      <p:ext uri="{BB962C8B-B14F-4D97-AF65-F5344CB8AC3E}">
+        <p14:creationId xmlns:p14="http://schemas.microsoft.com/office/powerpoint/2010/main" val="2430157931"/>
+      </p:ext>
+    </p:extLst>
+  </p:cSld>
+  <p:clrMapOvr>
+    <a:masterClrMapping/>
+  </p:clrMapOvr>
+</p:sld>
+</file>
+
+<file path=ppt/slides/slide3.xml><?xml version="1.0" encoding="utf-8"?>
+<p:sld xmlns:a="http://schemas.openxmlformats.org/drawingml/2006/main" xmlns:r="http://schemas.openxmlformats.org/officeDocument/2006/relationships" xmlns:p="http://schemas.openxmlformats.org/presentationml/2006/main">
+  <p:cSld>
+    <p:spTree>
+      <p:nvGrpSpPr>
+        <p:cNvPr id="1" name=""/>
+        <p:cNvGrpSpPr/>
+        <p:nvPr/>
+      </p:nvGrpSpPr>
+      <p:grpSpPr>
+        <a:xfrm>
+          <a:off x="0" y="0"/>
+          <a:ext cx="0" cy="0"/>
+          <a:chOff x="0" y="0"/>
+          <a:chExt cx="0" cy="0"/>
+        </a:xfrm>
+      </p:grpSpPr>
+      <p:pic>
+        <p:nvPicPr>
+          <p:cNvPr id="8" name="Объект 7">
+            <a:extLst>
+              <a:ext uri="{FF2B5EF4-FFF2-40B4-BE49-F238E27FC236}">
+                <a16:creationId xmlns:a16="http://schemas.microsoft.com/office/drawing/2014/main" id="{B961652E-4092-4421-9FEC-D0B0CEB2450C}"/>
+              </a:ext>
+            </a:extLst>
+          </p:cNvPr>
+          <p:cNvPicPr>
+            <a:picLocks noGrp="1" noChangeAspect="1"/>
+          </p:cNvPicPr>
+          <p:nvPr>
+            <p:ph sz="half" idx="1"/>
+          </p:nvPr>
+        </p:nvPicPr>
+        <p:blipFill>
+          <a:blip r:embed="rId2">
+            <a:extLst>
+              <a:ext uri="{28A0092B-C50C-407E-A947-70E740481C1C}">
+                <a14:useLocalDpi xmlns:a14="http://schemas.microsoft.com/office/drawing/2010/main" val="0"/>
+              </a:ext>
+            </a:extLst>
+          </a:blip>
+          <a:stretch>
+            <a:fillRect/>
+          </a:stretch>
+        </p:blipFill>
+        <p:spPr>
+          <a:xfrm>
+            <a:off x="0" y="0"/>
+            <a:ext cx="12708441" cy="6858000"/>
+          </a:xfrm>
+        </p:spPr>
+      </p:pic>
+    </p:spTree>
+    <p:extLst>
+      <p:ext uri="{BB962C8B-B14F-4D97-AF65-F5344CB8AC3E}">
+        <p14:creationId xmlns:p14="http://schemas.microsoft.com/office/powerpoint/2010/main" val="4265504643"/>
+      </p:ext>
+    </p:extLst>
+  </p:cSld>
+  <p:clrMapOvr>
+    <a:masterClrMapping/>
+  </p:clrMapOvr>
+</p:sld>
+</file>
+
+<file path=ppt/slides/slide4.xml><?xml version="1.0" encoding="utf-8"?>
+<p:sld xmlns:a="http://schemas.openxmlformats.org/drawingml/2006/main" xmlns:r="http://schemas.openxmlformats.org/officeDocument/2006/relationships" xmlns:p="http://schemas.openxmlformats.org/presentationml/2006/main">
+  <p:cSld>
+    <p:spTree>
+      <p:nvGrpSpPr>
+        <p:cNvPr id="1" name=""/>
+        <p:cNvGrpSpPr/>
+        <p:nvPr/>
+      </p:nvGrpSpPr>
+      <p:grpSpPr>
+        <a:xfrm>
+          <a:off x="0" y="0"/>
+          <a:ext cx="0" cy="0"/>
+          <a:chOff x="0" y="0"/>
+          <a:chExt cx="0" cy="0"/>
+        </a:xfrm>
+      </p:grpSpPr>
+      <p:pic>
+        <p:nvPicPr>
+          <p:cNvPr id="5" name="Объект 4"/>
+          <p:cNvPicPr>
+            <a:picLocks noGrp="1" noChangeAspect="1"/>
+          </p:cNvPicPr>
+          <p:nvPr>
+            <p:ph sz="half" idx="1"/>
+          </p:nvPr>
+        </p:nvPicPr>
+        <p:blipFill>
+          <a:blip r:embed="rId2"/>
+          <a:stretch>
+            <a:fillRect/>
+          </a:stretch>
+        </p:blipFill>
+        <p:spPr>
+          <a:xfrm>
+            <a:off x="1356475" y="205922"/>
+            <a:ext cx="4167248" cy="5484288"/>
+          </a:xfrm>
+          <a:prstGeom prst="rect">
+            <a:avLst/>
+          </a:prstGeom>
+        </p:spPr>
+      </p:pic>
+      <p:sp>
+        <p:nvSpPr>
+          <p:cNvPr id="4" name="Объект 3"/>
+          <p:cNvSpPr>
+            <a:spLocks noGrp="1"/>
+          </p:cNvSpPr>
+          <p:nvPr>
+            <p:ph sz="half" idx="2"/>
+          </p:nvPr>
+        </p:nvSpPr>
+        <p:spPr>
+          <a:xfrm>
+            <a:off x="5653925" y="1338872"/>
+            <a:ext cx="5181600" cy="4351338"/>
+          </a:xfrm>
+        </p:spPr>
+        <p:txBody>
+          <a:bodyPr>
+            <a:normAutofit fontScale="92500" lnSpcReduction="10000"/>
+          </a:bodyPr>
+          <a:lstStyle/>
+          <a:p>
+            <a:r>
+              <a:rPr lang="ru-RU" dirty="0">
+                <a:latin typeface="Times New Roman" panose="02020603050405020304" pitchFamily="18" charset="0"/>
+                <a:ea typeface="Calibri" panose="020F0502020204030204" pitchFamily="34" charset="0"/>
+              </a:rPr>
+              <a:t>Бруски </a:t>
+            </a:r>
+            <a:r>
+              <a:rPr lang="ru-RU" dirty="0" err="1">
+                <a:latin typeface="Times New Roman" panose="02020603050405020304" pitchFamily="18" charset="0"/>
+                <a:ea typeface="Calibri" panose="020F0502020204030204" pitchFamily="34" charset="0"/>
+              </a:rPr>
+              <a:t>Женая</a:t>
+            </a:r>
+            <a:r>
+              <a:rPr lang="ru-RU" dirty="0">
+                <a:latin typeface="Times New Roman" panose="02020603050405020304" pitchFamily="18" charset="0"/>
+                <a:ea typeface="Calibri" panose="020F0502020204030204" pitchFamily="34" charset="0"/>
+              </a:rPr>
+              <a:t> — Люка позволяют выполнять умножение любого натурального числа на любое натуральное число. Устройство представляет собой вариант палочек Непера. Состоит из 11 полос: одна из них имеет надпись «</a:t>
+            </a:r>
+            <a:r>
+              <a:rPr lang="ru-RU" dirty="0" err="1">
+                <a:latin typeface="Times New Roman" panose="02020603050405020304" pitchFamily="18" charset="0"/>
+                <a:ea typeface="Calibri" panose="020F0502020204030204" pitchFamily="34" charset="0"/>
+              </a:rPr>
+              <a:t>Index</a:t>
+            </a:r>
+            <a:r>
+              <a:rPr lang="ru-RU" dirty="0">
+                <a:latin typeface="Times New Roman" panose="02020603050405020304" pitchFamily="18" charset="0"/>
+                <a:ea typeface="Calibri" panose="020F0502020204030204" pitchFamily="34" charset="0"/>
+              </a:rPr>
+              <a:t>», а остальные девять имеют надписи от «0» до «9». На каждой полосе напечатан столбец треугольников и столбец чисел.</a:t>
+            </a:r>
+            <a:endParaRPr lang="ru-RU" dirty="0"/>
+          </a:p>
+        </p:txBody>
+      </p:sp>
+    </p:spTree>
+    <p:extLst>
+      <p:ext uri="{BB962C8B-B14F-4D97-AF65-F5344CB8AC3E}">
+        <p14:creationId xmlns:p14="http://schemas.microsoft.com/office/powerpoint/2010/main" val="2933560810"/>
+      </p:ext>
+    </p:extLst>
+  </p:cSld>
+  <p:clrMapOvr>
+    <a:masterClrMapping/>
+  </p:clrMapOvr>
+</p:sld>
+</file>
+
+<file path=ppt/slides/slide5.xml><?xml version="1.0" encoding="utf-8"?>
+<p:sld xmlns:a="http://schemas.openxmlformats.org/drawingml/2006/main" xmlns:r="http://schemas.openxmlformats.org/officeDocument/2006/relationships" xmlns:p="http://schemas.openxmlformats.org/presentationml/2006/main">
+  <p:cSld>
+    <p:spTree>
+      <p:nvGrpSpPr>
+        <p:cNvPr id="1" name=""/>
+        <p:cNvGrpSpPr/>
+        <p:nvPr/>
+      </p:nvGrpSpPr>
+      <p:grpSpPr>
+        <a:xfrm>
+          <a:off x="0" y="0"/>
+          <a:ext cx="0" cy="0"/>
+          <a:chOff x="0" y="0"/>
+          <a:chExt cx="0" cy="0"/>
+        </a:xfrm>
+      </p:grpSpPr>
+      <p:pic>
+        <p:nvPicPr>
+          <p:cNvPr id="5" name="Объект 4"/>
+          <p:cNvPicPr>
+            <a:picLocks noGrp="1" noChangeAspect="1"/>
+          </p:cNvPicPr>
+          <p:nvPr>
+            <p:ph sz="half" idx="1"/>
+          </p:nvPr>
+        </p:nvPicPr>
+        <p:blipFill>
+          <a:blip r:embed="rId2"/>
+          <a:stretch>
+            <a:fillRect/>
+          </a:stretch>
+        </p:blipFill>
+        <p:spPr>
+          <a:xfrm>
+            <a:off x="615717" y="1489723"/>
+            <a:ext cx="4644757" cy="2628963"/>
+          </a:xfrm>
+          <a:prstGeom prst="rect">
+            <a:avLst/>
+          </a:prstGeom>
+        </p:spPr>
+      </p:pic>
+      <p:sp>
+        <p:nvSpPr>
+          <p:cNvPr id="4" name="Объект 3"/>
+          <p:cNvSpPr>
+            <a:spLocks noGrp="1"/>
+          </p:cNvSpPr>
+          <p:nvPr>
+            <p:ph sz="half" idx="2"/>
+          </p:nvPr>
+        </p:nvSpPr>
+        <p:spPr>
+          <a:xfrm>
+            <a:off x="5482957" y="1825625"/>
+            <a:ext cx="5870843" cy="4351338"/>
+          </a:xfrm>
+        </p:spPr>
+        <p:txBody>
+          <a:bodyPr/>
+          <a:lstStyle/>
+          <a:p>
+            <a:r>
+              <a:rPr lang="ru-RU" dirty="0">
+                <a:latin typeface="Times New Roman" panose="02020603050405020304" pitchFamily="18" charset="0"/>
+                <a:ea typeface="Calibri" panose="020F0502020204030204" pitchFamily="34" charset="0"/>
+              </a:rPr>
+              <a:t>Располагая эти бруски в правильном порядке можем быстро найти произведение чисел. Начнем с верхнего числа в последнем столбце выбранной строки. Мы следуем за вершинами треугольника справа налево, пока не дойдем до первого столбца и </a:t>
+            </a:r>
+            <a:r>
+              <a:rPr lang="ru-RU" dirty="0" err="1">
+                <a:latin typeface="Times New Roman" panose="02020603050405020304" pitchFamily="18" charset="0"/>
+                <a:ea typeface="Calibri" panose="020F0502020204030204" pitchFamily="34" charset="0"/>
+              </a:rPr>
+              <a:t>получем</a:t>
+            </a:r>
+            <a:r>
+              <a:rPr lang="ru-RU" dirty="0">
+                <a:latin typeface="Times New Roman" panose="02020603050405020304" pitchFamily="18" charset="0"/>
+                <a:ea typeface="Calibri" panose="020F0502020204030204" pitchFamily="34" charset="0"/>
+              </a:rPr>
+              <a:t> ответ в обратном порядке.</a:t>
+            </a:r>
+            <a:endParaRPr lang="ru-RU" dirty="0"/>
+          </a:p>
+        </p:txBody>
+      </p:sp>
+      <p:sp>
+        <p:nvSpPr>
+          <p:cNvPr id="7" name="TextBox 6"/>
+          <p:cNvSpPr txBox="1"/>
+          <p:nvPr/>
+        </p:nvSpPr>
+        <p:spPr>
+          <a:xfrm>
+            <a:off x="1814145" y="4244293"/>
+            <a:ext cx="2123373" cy="369332"/>
+          </a:xfrm>
+          <a:prstGeom prst="rect">
+            <a:avLst/>
+          </a:prstGeom>
+          <a:noFill/>
+        </p:spPr>
+        <p:txBody>
+          <a:bodyPr wrap="square" rtlCol="0">
+            <a:spAutoFit/>
+          </a:bodyPr>
+          <a:lstStyle/>
+          <a:p>
+            <a:r>
+              <a:rPr lang="ru-RU" dirty="0">
+                <a:latin typeface="Times New Roman" panose="02020603050405020304" pitchFamily="18" charset="0"/>
+                <a:ea typeface="Calibri" panose="020F0502020204030204" pitchFamily="34" charset="0"/>
+              </a:rPr>
+              <a:t>47526 </a:t>
+            </a:r>
+            <a:r>
+              <a:rPr lang="en-US" dirty="0">
+                <a:sym typeface="Symbol" panose="05050102010706020507" pitchFamily="18" charset="2"/>
+              </a:rPr>
+              <a:t></a:t>
+            </a:r>
+            <a:r>
+              <a:rPr lang="ru-RU" dirty="0">
+                <a:sym typeface="Symbol" panose="05050102010706020507" pitchFamily="18" charset="2"/>
+              </a:rPr>
+              <a:t> 7</a:t>
+            </a:r>
+            <a:r>
+              <a:rPr lang="ru-RU" dirty="0">
+                <a:latin typeface="Times New Roman" panose="02020603050405020304" pitchFamily="18" charset="0"/>
+                <a:ea typeface="Calibri" panose="020F0502020204030204" pitchFamily="34" charset="0"/>
+              </a:rPr>
+              <a:t> = 332682</a:t>
+            </a:r>
+            <a:endParaRPr lang="ru-RU" dirty="0"/>
+          </a:p>
+        </p:txBody>
+      </p:sp>
+      <p:sp>
+        <p:nvSpPr>
+          <p:cNvPr id="6" name="TextBox 5">
+            <a:extLst>
+              <a:ext uri="{FF2B5EF4-FFF2-40B4-BE49-F238E27FC236}">
+                <a16:creationId xmlns:a16="http://schemas.microsoft.com/office/drawing/2014/main" id="{A05B574A-F6F2-4FAB-BBF5-F170C39648EA}"/>
+              </a:ext>
+            </a:extLst>
+          </p:cNvPr>
+          <p:cNvSpPr txBox="1"/>
+          <p:nvPr/>
+        </p:nvSpPr>
+        <p:spPr>
+          <a:xfrm>
+            <a:off x="998376" y="65314"/>
+            <a:ext cx="1744824" cy="523220"/>
+          </a:xfrm>
+          <a:prstGeom prst="rect">
+            <a:avLst/>
+          </a:prstGeom>
+          <a:noFill/>
+        </p:spPr>
+        <p:txBody>
+          <a:bodyPr wrap="square" rtlCol="0">
+            <a:spAutoFit/>
+          </a:bodyPr>
+          <a:lstStyle/>
+          <a:p>
+            <a:r>
+              <a:rPr lang="ru-RU" sz="2800" dirty="0"/>
+              <a:t>Пример 1.</a:t>
+            </a:r>
+            <a:endParaRPr lang="ru-UA" sz="2800" dirty="0"/>
+          </a:p>
+        </p:txBody>
+      </p:sp>
+    </p:spTree>
+    <p:extLst>
+      <p:ext uri="{BB962C8B-B14F-4D97-AF65-F5344CB8AC3E}">
+        <p14:creationId xmlns:p14="http://schemas.microsoft.com/office/powerpoint/2010/main" val="2169020392"/>
+      </p:ext>
+    </p:extLst>
+  </p:cSld>
+  <p:clrMapOvr>
+    <a:masterClrMapping/>
+  </p:clrMapOvr>
+</p:sld>
+</file>
+
+<file path=ppt/slides/slide6.xml><?xml version="1.0" encoding="utf-8"?>
+<p:sld xmlns:a="http://schemas.openxmlformats.org/drawingml/2006/main" xmlns:r="http://schemas.openxmlformats.org/officeDocument/2006/relationships" xmlns:p="http://schemas.openxmlformats.org/presentationml/2006/main">
+  <p:cSld>
+    <p:spTree>
+      <p:nvGrpSpPr>
+        <p:cNvPr id="1" name=""/>
+        <p:cNvGrpSpPr/>
+        <p:nvPr/>
+      </p:nvGrpSpPr>
+      <p:grpSpPr>
+        <a:xfrm>
+          <a:off x="0" y="0"/>
+          <a:ext cx="0" cy="0"/>
+          <a:chOff x="0" y="0"/>
+          <a:chExt cx="0" cy="0"/>
+        </a:xfrm>
+      </p:grpSpPr>
+      <p:sp>
+        <p:nvSpPr>
+          <p:cNvPr id="4" name="Объект 3">
+            <a:extLst>
+              <a:ext uri="{FF2B5EF4-FFF2-40B4-BE49-F238E27FC236}">
+                <a16:creationId xmlns:a16="http://schemas.microsoft.com/office/drawing/2014/main" id="{E78F606E-5FBD-46BE-B5D8-C387AC5BCD50}"/>
+              </a:ext>
+            </a:extLst>
+          </p:cNvPr>
+          <p:cNvSpPr>
+            <a:spLocks noGrp="1"/>
+          </p:cNvSpPr>
+          <p:nvPr>
+            <p:ph sz="half" idx="2"/>
+          </p:nvPr>
+        </p:nvSpPr>
+        <p:spPr>
+          <a:xfrm>
+            <a:off x="6096000" y="1284450"/>
+            <a:ext cx="4400939" cy="908244"/>
+          </a:xfrm>
+        </p:spPr>
+        <p:txBody>
+          <a:bodyPr>
+            <a:noAutofit/>
+          </a:bodyPr>
+          <a:lstStyle/>
+          <a:p>
+            <a:r>
+              <a:rPr lang="ru-RU" sz="3200" dirty="0"/>
+              <a:t>Рассмотрим умножение </a:t>
+            </a:r>
+            <a:r>
+              <a:rPr lang="ru-RU" sz="3200" b="1" dirty="0"/>
+              <a:t>52749</a:t>
+            </a:r>
+            <a:r>
+              <a:rPr lang="ru-RU" sz="3200" dirty="0"/>
+              <a:t> на </a:t>
+            </a:r>
+            <a:r>
+              <a:rPr lang="ru-RU" sz="3200" b="1" dirty="0"/>
+              <a:t>4</a:t>
+            </a:r>
+            <a:endParaRPr lang="ru-UA" sz="3200" dirty="0"/>
+          </a:p>
+        </p:txBody>
+      </p:sp>
+      <p:pic>
+        <p:nvPicPr>
+          <p:cNvPr id="3076" name="Picture 4" descr="Genaille-Lucas rulers example 1.png">
+            <a:extLst>
+              <a:ext uri="{FF2B5EF4-FFF2-40B4-BE49-F238E27FC236}">
+                <a16:creationId xmlns:a16="http://schemas.microsoft.com/office/drawing/2014/main" id="{1C190C64-D2C2-4BFE-8E3B-2FF68EA40618}"/>
+              </a:ext>
+            </a:extLst>
+          </p:cNvPr>
+          <p:cNvPicPr>
+            <a:picLocks noGrp="1" noChangeAspect="1" noChangeArrowheads="1"/>
+          </p:cNvPicPr>
+          <p:nvPr>
+            <p:ph sz="half" idx="1"/>
+          </p:nvPr>
+        </p:nvPicPr>
+        <p:blipFill>
+          <a:blip r:embed="rId2">
+            <a:extLst>
+              <a:ext uri="{28A0092B-C50C-407E-A947-70E740481C1C}">
+                <a14:useLocalDpi xmlns:a14="http://schemas.microsoft.com/office/drawing/2010/main" val="0"/>
+              </a:ext>
+            </a:extLst>
+          </a:blip>
+          <a:srcRect/>
+          <a:stretch>
+            <a:fillRect/>
+          </a:stretch>
+        </p:blipFill>
+        <p:spPr bwMode="auto">
+          <a:xfrm>
+            <a:off x="998376" y="1081021"/>
+            <a:ext cx="5097626" cy="4885227"/>
+          </a:xfrm>
+          <a:prstGeom prst="rect">
+            <a:avLst/>
+          </a:prstGeom>
+          <a:noFill/>
+          <a:extLst>
+            <a:ext uri="{909E8E84-426E-40DD-AFC4-6F175D3DCCD1}">
+              <a14:hiddenFill xmlns:a14="http://schemas.microsoft.com/office/drawing/2010/main">
+                <a:solidFill>
+                  <a:srgbClr val="FFFFFF"/>
+                </a:solidFill>
+              </a14:hiddenFill>
+            </a:ext>
+          </a:extLst>
+        </p:spPr>
+      </p:pic>
+      <p:sp>
+        <p:nvSpPr>
+          <p:cNvPr id="8" name="TextBox 7">
+            <a:extLst>
+              <a:ext uri="{FF2B5EF4-FFF2-40B4-BE49-F238E27FC236}">
+                <a16:creationId xmlns:a16="http://schemas.microsoft.com/office/drawing/2014/main" id="{4F087BA0-1867-405B-ACE2-53B7E9DD5379}"/>
+              </a:ext>
+            </a:extLst>
+          </p:cNvPr>
+          <p:cNvSpPr txBox="1"/>
+          <p:nvPr/>
+        </p:nvSpPr>
+        <p:spPr>
+          <a:xfrm>
+            <a:off x="998376" y="65314"/>
+            <a:ext cx="1744824" cy="523220"/>
+          </a:xfrm>
+          <a:prstGeom prst="rect">
+            <a:avLst/>
+          </a:prstGeom>
+          <a:noFill/>
+        </p:spPr>
+        <p:txBody>
+          <a:bodyPr wrap="square" rtlCol="0">
+            <a:spAutoFit/>
+          </a:bodyPr>
+          <a:lstStyle/>
+          <a:p>
+            <a:r>
+              <a:rPr lang="ru-RU" sz="2800" dirty="0"/>
+              <a:t>Пример 2.</a:t>
+            </a:r>
+            <a:endParaRPr lang="ru-UA" sz="2800" dirty="0"/>
+          </a:p>
+        </p:txBody>
+      </p:sp>
+    </p:spTree>
+    <p:extLst>
+      <p:ext uri="{BB962C8B-B14F-4D97-AF65-F5344CB8AC3E}">
+        <p14:creationId xmlns:p14="http://schemas.microsoft.com/office/powerpoint/2010/main" val="3494275835"/>
+      </p:ext>
+    </p:extLst>
+  </p:cSld>
+  <p:clrMapOvr>
+    <a:masterClrMapping/>
+  </p:clrMapOvr>
+</p:sld>
+</file>
+
+<file path=ppt/slides/slide7.xml><?xml version="1.0" encoding="utf-8"?>
+<p:sld xmlns:a="http://schemas.openxmlformats.org/drawingml/2006/main" xmlns:r="http://schemas.openxmlformats.org/officeDocument/2006/relationships" xmlns:p="http://schemas.openxmlformats.org/presentationml/2006/main">
+  <p:cSld>
+    <p:spTree>
+      <p:nvGrpSpPr>
+        <p:cNvPr id="1" name=""/>
+        <p:cNvGrpSpPr/>
+        <p:nvPr/>
+      </p:nvGrpSpPr>
+      <p:grpSpPr>
+        <a:xfrm>
+          <a:off x="0" y="0"/>
+          <a:ext cx="0" cy="0"/>
+          <a:chOff x="0" y="0"/>
+          <a:chExt cx="0" cy="0"/>
+        </a:xfrm>
+      </p:grpSpPr>
+      <p:sp>
+        <p:nvSpPr>
+          <p:cNvPr id="4" name="Объект 3">
+            <a:extLst>
+              <a:ext uri="{FF2B5EF4-FFF2-40B4-BE49-F238E27FC236}">
+                <a16:creationId xmlns:a16="http://schemas.microsoft.com/office/drawing/2014/main" id="{68107A61-B5F0-46FE-AD6E-02A5CDCDA8B0}"/>
+              </a:ext>
+            </a:extLst>
+          </p:cNvPr>
+          <p:cNvSpPr>
+            <a:spLocks noGrp="1"/>
+          </p:cNvSpPr>
+          <p:nvPr>
+            <p:ph sz="half" idx="2"/>
+          </p:nvPr>
+        </p:nvSpPr>
+        <p:spPr>
+          <a:xfrm>
+            <a:off x="6096000" y="1732319"/>
+            <a:ext cx="5181600" cy="4351338"/>
+          </a:xfrm>
+        </p:spPr>
+        <p:txBody>
+          <a:bodyPr/>
+          <a:lstStyle/>
+          <a:p>
+            <a:r>
+              <a:rPr lang="ru-RU" dirty="0"/>
+              <a:t>Расположим пять линеек, по одной на каждую цифру числа 52749, рядом друг с другом и рядом с главной линейкой «</a:t>
+            </a:r>
+            <a:r>
+              <a:rPr lang="ru-RU" dirty="0" err="1"/>
+              <a:t>Index</a:t>
+            </a:r>
+            <a:r>
+              <a:rPr lang="ru-RU" dirty="0"/>
+              <a:t>»</a:t>
+            </a:r>
+            <a:r>
+              <a:rPr lang="en-US" dirty="0"/>
+              <a:t>.</a:t>
+            </a:r>
+          </a:p>
+          <a:p>
+            <a:r>
+              <a:rPr lang="ru-RU" dirty="0"/>
+              <a:t>Второй множитель равен </a:t>
+            </a:r>
+            <a:r>
+              <a:rPr lang="ru-RU" b="1" dirty="0"/>
+              <a:t>4</a:t>
+            </a:r>
+            <a:r>
+              <a:rPr lang="ru-RU" dirty="0"/>
+              <a:t>, поэтому мы смотрим на четвертую строку</a:t>
+            </a:r>
+          </a:p>
+        </p:txBody>
+      </p:sp>
+      <p:pic>
+        <p:nvPicPr>
+          <p:cNvPr id="4098" name="Picture 2" descr="Genaille-Lucas rulers example 2.png">
+            <a:extLst>
+              <a:ext uri="{FF2B5EF4-FFF2-40B4-BE49-F238E27FC236}">
+                <a16:creationId xmlns:a16="http://schemas.microsoft.com/office/drawing/2014/main" id="{8EB25EC6-7130-490F-B7D2-03988455F941}"/>
+              </a:ext>
+            </a:extLst>
+          </p:cNvPr>
+          <p:cNvPicPr>
+            <a:picLocks noGrp="1" noChangeAspect="1" noChangeArrowheads="1"/>
+          </p:cNvPicPr>
+          <p:nvPr>
+            <p:ph sz="half" idx="1"/>
+          </p:nvPr>
+        </p:nvPicPr>
+        <p:blipFill>
+          <a:blip r:embed="rId2">
+            <a:extLst>
+              <a:ext uri="{28A0092B-C50C-407E-A947-70E740481C1C}">
+                <a14:useLocalDpi xmlns:a14="http://schemas.microsoft.com/office/drawing/2010/main" val="0"/>
+              </a:ext>
+            </a:extLst>
+          </a:blip>
+          <a:srcRect/>
+          <a:stretch>
+            <a:fillRect/>
+          </a:stretch>
+        </p:blipFill>
+        <p:spPr bwMode="auto">
+          <a:xfrm>
+            <a:off x="1017037" y="1083865"/>
+            <a:ext cx="5078963" cy="4867340"/>
+          </a:xfrm>
+          <a:prstGeom prst="rect">
+            <a:avLst/>
+          </a:prstGeom>
+          <a:noFill/>
+          <a:extLst>
+            <a:ext uri="{909E8E84-426E-40DD-AFC4-6F175D3DCCD1}">
+              <a14:hiddenFill xmlns:a14="http://schemas.microsoft.com/office/drawing/2010/main">
+                <a:solidFill>
+                  <a:srgbClr val="FFFFFF"/>
+                </a:solidFill>
+              </a14:hiddenFill>
+            </a:ext>
+          </a:extLst>
+        </p:spPr>
+      </p:pic>
+      <p:sp>
+        <p:nvSpPr>
+          <p:cNvPr id="7" name="TextBox 6">
+            <a:extLst>
+              <a:ext uri="{FF2B5EF4-FFF2-40B4-BE49-F238E27FC236}">
+                <a16:creationId xmlns:a16="http://schemas.microsoft.com/office/drawing/2014/main" id="{E647A7C2-23D7-4D7D-ACC1-77BFFCB8E133}"/>
+              </a:ext>
+            </a:extLst>
+          </p:cNvPr>
+          <p:cNvSpPr txBox="1"/>
+          <p:nvPr/>
+        </p:nvSpPr>
+        <p:spPr>
+          <a:xfrm>
+            <a:off x="998376" y="65314"/>
+            <a:ext cx="1744824" cy="523220"/>
+          </a:xfrm>
+          <a:prstGeom prst="rect">
+            <a:avLst/>
+          </a:prstGeom>
+          <a:noFill/>
+        </p:spPr>
+        <p:txBody>
+          <a:bodyPr wrap="square" rtlCol="0">
+            <a:spAutoFit/>
+          </a:bodyPr>
+          <a:lstStyle/>
+          <a:p>
+            <a:r>
+              <a:rPr lang="ru-RU" sz="2800" dirty="0"/>
+              <a:t>Пример 2.</a:t>
+            </a:r>
+            <a:endParaRPr lang="ru-UA" sz="2800" dirty="0"/>
+          </a:p>
+        </p:txBody>
+      </p:sp>
+    </p:spTree>
+    <p:extLst>
+      <p:ext uri="{BB962C8B-B14F-4D97-AF65-F5344CB8AC3E}">
+        <p14:creationId xmlns:p14="http://schemas.microsoft.com/office/powerpoint/2010/main" val="3266447335"/>
+      </p:ext>
+    </p:extLst>
+  </p:cSld>
+  <p:clrMapOvr>
+    <a:masterClrMapping/>
+  </p:clrMapOvr>
+</p:sld>
+</file>
+
+<file path=ppt/slides/slide8.xml><?xml version="1.0" encoding="utf-8"?>
+<p:sld xmlns:a="http://schemas.openxmlformats.org/drawingml/2006/main" xmlns:r="http://schemas.openxmlformats.org/officeDocument/2006/relationships" xmlns:p="http://schemas.openxmlformats.org/presentationml/2006/main">
+  <p:cSld>
+    <p:spTree>
+      <p:nvGrpSpPr>
+        <p:cNvPr id="1" name=""/>
+        <p:cNvGrpSpPr/>
+        <p:nvPr/>
+      </p:nvGrpSpPr>
+      <p:grpSpPr>
+        <a:xfrm>
+          <a:off x="0" y="0"/>
+          <a:ext cx="0" cy="0"/>
+          <a:chOff x="0" y="0"/>
+          <a:chExt cx="0" cy="0"/>
+        </a:xfrm>
+      </p:grpSpPr>
+      <p:sp>
+        <p:nvSpPr>
+          <p:cNvPr id="4" name="Объект 3">
+            <a:extLst>
+              <a:ext uri="{FF2B5EF4-FFF2-40B4-BE49-F238E27FC236}">
+                <a16:creationId xmlns:a16="http://schemas.microsoft.com/office/drawing/2014/main" id="{127F2C87-8440-4BE9-843D-96327D75C0C1}"/>
+              </a:ext>
+            </a:extLst>
+          </p:cNvPr>
+          <p:cNvSpPr>
+            <a:spLocks noGrp="1"/>
+          </p:cNvSpPr>
+          <p:nvPr>
+            <p:ph sz="half" idx="2"/>
+          </p:nvPr>
+        </p:nvSpPr>
+        <p:spPr>
+          <a:xfrm>
+            <a:off x="6172202" y="1844286"/>
+            <a:ext cx="5181600" cy="4351338"/>
+          </a:xfrm>
+        </p:spPr>
+        <p:txBody>
+          <a:bodyPr/>
+          <a:lstStyle/>
+          <a:p>
+            <a:r>
+              <a:rPr lang="ru-RU" dirty="0"/>
+              <a:t>Мы начинаем с верхнего номера в последнем столбце выбранной строки</a:t>
+            </a:r>
+          </a:p>
+          <a:p>
+            <a:r>
+              <a:rPr lang="ru-RU" dirty="0"/>
+              <a:t>Серый треугольник указывает путь к следующему номеру:</a:t>
+            </a:r>
+          </a:p>
+          <a:p>
+            <a:pPr marL="0" indent="0">
+              <a:buNone/>
+            </a:pPr>
+            <a:br>
+              <a:rPr lang="ru-RU" dirty="0"/>
+            </a:br>
+            <a:endParaRPr lang="ru-UA" dirty="0"/>
+          </a:p>
+        </p:txBody>
+      </p:sp>
+      <p:pic>
+        <p:nvPicPr>
+          <p:cNvPr id="5122" name="Picture 2" descr="Genaille-Lucas rulers example 4.png">
+            <a:extLst>
+              <a:ext uri="{FF2B5EF4-FFF2-40B4-BE49-F238E27FC236}">
+                <a16:creationId xmlns:a16="http://schemas.microsoft.com/office/drawing/2014/main" id="{8486BD46-C136-41EF-B105-C95DB809FEAE}"/>
+              </a:ext>
+            </a:extLst>
+          </p:cNvPr>
+          <p:cNvPicPr>
+            <a:picLocks noGrp="1" noChangeAspect="1" noChangeArrowheads="1"/>
+          </p:cNvPicPr>
+          <p:nvPr>
+            <p:ph sz="half" idx="1"/>
+          </p:nvPr>
+        </p:nvPicPr>
+        <p:blipFill>
+          <a:blip r:embed="rId2">
+            <a:extLst>
+              <a:ext uri="{28A0092B-C50C-407E-A947-70E740481C1C}">
+                <a14:useLocalDpi xmlns:a14="http://schemas.microsoft.com/office/drawing/2010/main" val="0"/>
+              </a:ext>
+            </a:extLst>
+          </a:blip>
+          <a:srcRect/>
+          <a:stretch>
+            <a:fillRect/>
+          </a:stretch>
+        </p:blipFill>
+        <p:spPr bwMode="auto">
+          <a:xfrm>
+            <a:off x="910122" y="1095103"/>
+            <a:ext cx="5185878" cy="4148701"/>
+          </a:xfrm>
+          <a:prstGeom prst="rect">
+            <a:avLst/>
+          </a:prstGeom>
+          <a:noFill/>
+          <a:extLst>
+            <a:ext uri="{909E8E84-426E-40DD-AFC4-6F175D3DCCD1}">
+              <a14:hiddenFill xmlns:a14="http://schemas.microsoft.com/office/drawing/2010/main">
+                <a:solidFill>
+                  <a:srgbClr val="FFFFFF"/>
+                </a:solidFill>
+              </a14:hiddenFill>
+            </a:ext>
+          </a:extLst>
+        </p:spPr>
+      </p:pic>
+      <p:sp>
+        <p:nvSpPr>
+          <p:cNvPr id="7" name="TextBox 6">
+            <a:extLst>
+              <a:ext uri="{FF2B5EF4-FFF2-40B4-BE49-F238E27FC236}">
+                <a16:creationId xmlns:a16="http://schemas.microsoft.com/office/drawing/2014/main" id="{C519B38F-5713-4A79-BC43-6116759CFDE1}"/>
+              </a:ext>
+            </a:extLst>
+          </p:cNvPr>
+          <p:cNvSpPr txBox="1"/>
+          <p:nvPr/>
+        </p:nvSpPr>
+        <p:spPr>
+          <a:xfrm>
+            <a:off x="998376" y="65314"/>
+            <a:ext cx="1744824" cy="523220"/>
+          </a:xfrm>
+          <a:prstGeom prst="rect">
+            <a:avLst/>
+          </a:prstGeom>
+          <a:noFill/>
+        </p:spPr>
+        <p:txBody>
+          <a:bodyPr wrap="square" rtlCol="0">
+            <a:spAutoFit/>
+          </a:bodyPr>
+          <a:lstStyle/>
+          <a:p>
+            <a:r>
+              <a:rPr lang="ru-RU" sz="2800" dirty="0"/>
+              <a:t>Пример 2.</a:t>
+            </a:r>
+            <a:endParaRPr lang="ru-UA" sz="2800" dirty="0"/>
+          </a:p>
+        </p:txBody>
+      </p:sp>
+    </p:spTree>
+    <p:extLst>
+      <p:ext uri="{BB962C8B-B14F-4D97-AF65-F5344CB8AC3E}">
+        <p14:creationId xmlns:p14="http://schemas.microsoft.com/office/powerpoint/2010/main" val="108818126"/>
+      </p:ext>
+    </p:extLst>
+  </p:cSld>
+  <p:clrMapOvr>
+    <a:masterClrMapping/>
+  </p:clrMapOvr>
+</p:sld>
+</file>
+
+<file path=ppt/slides/slide9.xml><?xml version="1.0" encoding="utf-8"?>
+<p:sld xmlns:a="http://schemas.openxmlformats.org/drawingml/2006/main" xmlns:r="http://schemas.openxmlformats.org/officeDocument/2006/relationships" xmlns:p="http://schemas.openxmlformats.org/presentationml/2006/main">
+  <p:cSld>
+    <p:spTree>
+      <p:nvGrpSpPr>
+        <p:cNvPr id="1" name=""/>
+        <p:cNvGrpSpPr/>
+        <p:nvPr/>
+      </p:nvGrpSpPr>
+      <p:grpSpPr>
+        <a:xfrm>
+          <a:off x="0" y="0"/>
+          <a:ext cx="0" cy="0"/>
+          <a:chOff x="0" y="0"/>
+          <a:chExt cx="0" cy="0"/>
+        </a:xfrm>
+      </p:grpSpPr>
+      <p:sp>
+        <p:nvSpPr>
+          <p:cNvPr id="4" name="Объект 3">
+            <a:extLst>
+              <a:ext uri="{FF2B5EF4-FFF2-40B4-BE49-F238E27FC236}">
+                <a16:creationId xmlns:a16="http://schemas.microsoft.com/office/drawing/2014/main" id="{F2929C73-3D87-41D6-BE5A-B341AB37FBC8}"/>
+              </a:ext>
+            </a:extLst>
+          </p:cNvPr>
+          <p:cNvSpPr>
+            <a:spLocks noGrp="1"/>
+          </p:cNvSpPr>
+          <p:nvPr>
+            <p:ph sz="half" idx="2"/>
+          </p:nvPr>
+        </p:nvSpPr>
+        <p:spPr>
+          <a:xfrm>
+            <a:off x="6069564" y="1368425"/>
+            <a:ext cx="5181600" cy="4351338"/>
+          </a:xfrm>
+        </p:spPr>
+        <p:txBody>
+          <a:bodyPr/>
+          <a:lstStyle/>
+          <a:p>
+            <a:r>
+              <a:rPr lang="ru-RU" dirty="0"/>
+              <a:t>Мы следуем треугольникам справа налево, пока не дойдем до первого столбца.</a:t>
+            </a:r>
+            <a:endParaRPr lang="en-US" dirty="0"/>
+          </a:p>
+          <a:p>
+            <a:r>
+              <a:rPr lang="ru-RU" dirty="0"/>
+              <a:t>Затем мы просто читаем цифры, которые мы посетили. Произведение, показанное красным цветом, равно </a:t>
+            </a:r>
+            <a:r>
+              <a:rPr lang="ru-RU" b="1" dirty="0"/>
+              <a:t>210996</a:t>
+            </a:r>
+            <a:r>
+              <a:rPr lang="ru-RU" dirty="0"/>
+              <a:t>.</a:t>
+            </a:r>
+            <a:endParaRPr lang="ru-UA" dirty="0"/>
+          </a:p>
+        </p:txBody>
+      </p:sp>
+      <p:pic>
+        <p:nvPicPr>
+          <p:cNvPr id="6146" name="Picture 2" descr="Genaille-Lucas rulers example 5.png">
+            <a:extLst>
+              <a:ext uri="{FF2B5EF4-FFF2-40B4-BE49-F238E27FC236}">
+                <a16:creationId xmlns:a16="http://schemas.microsoft.com/office/drawing/2014/main" id="{E3D253FA-FF78-48F4-AB67-C843E3F29FCC}"/>
+              </a:ext>
+            </a:extLst>
+          </p:cNvPr>
+          <p:cNvPicPr>
+            <a:picLocks noGrp="1" noChangeAspect="1" noChangeArrowheads="1"/>
+          </p:cNvPicPr>
+          <p:nvPr>
+            <p:ph sz="half" idx="1"/>
+          </p:nvPr>
+        </p:nvPicPr>
+        <p:blipFill>
+          <a:blip r:embed="rId2">
+            <a:extLst>
+              <a:ext uri="{28A0092B-C50C-407E-A947-70E740481C1C}">
+                <a14:useLocalDpi xmlns:a14="http://schemas.microsoft.com/office/drawing/2010/main" val="0"/>
+              </a:ext>
+            </a:extLst>
+          </a:blip>
+          <a:srcRect/>
+          <a:stretch>
+            <a:fillRect/>
+          </a:stretch>
+        </p:blipFill>
+        <p:spPr bwMode="auto">
+          <a:xfrm>
+            <a:off x="883684" y="1123093"/>
+            <a:ext cx="5185880" cy="4148703"/>
+          </a:xfrm>
+          <a:prstGeom prst="rect">
+            <a:avLst/>
+          </a:prstGeom>
+          <a:noFill/>
+          <a:extLst>
+            <a:ext uri="{909E8E84-426E-40DD-AFC4-6F175D3DCCD1}">
+              <a14:hiddenFill xmlns:a14="http://schemas.microsoft.com/office/drawing/2010/main">
+                <a:solidFill>
+                  <a:srgbClr val="FFFFFF"/>
+                </a:solidFill>
+              </a14:hiddenFill>
+            </a:ext>
+          </a:extLst>
+        </p:spPr>
+      </p:pic>
+      <p:sp>
+        <p:nvSpPr>
+          <p:cNvPr id="5" name="TextBox 4">
+            <a:extLst>
+              <a:ext uri="{FF2B5EF4-FFF2-40B4-BE49-F238E27FC236}">
+                <a16:creationId xmlns:a16="http://schemas.microsoft.com/office/drawing/2014/main" id="{07D89570-544B-4AF0-80CB-C5D76BE63309}"/>
+              </a:ext>
+            </a:extLst>
+          </p:cNvPr>
+          <p:cNvSpPr txBox="1"/>
+          <p:nvPr/>
+        </p:nvSpPr>
+        <p:spPr>
+          <a:xfrm>
+            <a:off x="2472612" y="5365575"/>
+            <a:ext cx="2024743" cy="369332"/>
+          </a:xfrm>
+          <a:prstGeom prst="rect">
+            <a:avLst/>
+          </a:prstGeom>
+          <a:noFill/>
+        </p:spPr>
+        <p:txBody>
+          <a:bodyPr wrap="square" rtlCol="0">
+            <a:spAutoFit/>
+          </a:bodyPr>
+          <a:lstStyle/>
+          <a:p>
+            <a:r>
+              <a:rPr lang="en-US" dirty="0"/>
+              <a:t>52749 </a:t>
+            </a:r>
+            <a:r>
+              <a:rPr lang="en-US" dirty="0">
+                <a:sym typeface="Symbol" panose="05050102010706020507" pitchFamily="18" charset="2"/>
+              </a:rPr>
+              <a:t> 4 = 210996</a:t>
+            </a:r>
+            <a:r>
+              <a:rPr lang="en-US" dirty="0"/>
+              <a:t> </a:t>
+            </a:r>
+            <a:endParaRPr lang="ru-UA" dirty="0"/>
+          </a:p>
+        </p:txBody>
+      </p:sp>
+      <p:sp>
+        <p:nvSpPr>
+          <p:cNvPr id="8" name="TextBox 7">
+            <a:extLst>
+              <a:ext uri="{FF2B5EF4-FFF2-40B4-BE49-F238E27FC236}">
+                <a16:creationId xmlns:a16="http://schemas.microsoft.com/office/drawing/2014/main" id="{5ADF1094-2BCE-4E57-8E9C-0B6C7CCB472B}"/>
+              </a:ext>
+            </a:extLst>
+          </p:cNvPr>
+          <p:cNvSpPr txBox="1"/>
+          <p:nvPr/>
+        </p:nvSpPr>
+        <p:spPr>
+          <a:xfrm>
+            <a:off x="998376" y="65314"/>
+            <a:ext cx="1744824" cy="523220"/>
+          </a:xfrm>
+          <a:prstGeom prst="rect">
+            <a:avLst/>
+          </a:prstGeom>
+          <a:noFill/>
+        </p:spPr>
+        <p:txBody>
+          <a:bodyPr wrap="square" rtlCol="0">
+            <a:spAutoFit/>
+          </a:bodyPr>
+          <a:lstStyle/>
+          <a:p>
+            <a:r>
+              <a:rPr lang="ru-RU" sz="2800" dirty="0"/>
+              <a:t>Пример 2.</a:t>
+            </a:r>
+            <a:endParaRPr lang="ru-UA" sz="2800" dirty="0"/>
+          </a:p>
+        </p:txBody>
+      </p:sp>
+    </p:spTree>
+    <p:extLst>
+      <p:ext uri="{BB962C8B-B14F-4D97-AF65-F5344CB8AC3E}">
+        <p14:creationId xmlns:p14="http://schemas.microsoft.com/office/powerpoint/2010/main" val="2544857135"/>
       </p:ext>
     </p:extLst>
   </p:cSld>
@@ -3032,7 +5157,7 @@
         <a:srgbClr val="E7E6E6"/>
       </a:lt2>
       <a:accent1>
-        <a:srgbClr val="5B9BD5"/>
+        <a:srgbClr val="4472C4"/>
       </a:accent1>
       <a:accent2>
         <a:srgbClr val="ED7D31"/>
@@ -3044,7 +5169,7 @@
         <a:srgbClr val="FFC000"/>
       </a:accent4>
       <a:accent5>
-        <a:srgbClr val="4472C4"/>
+        <a:srgbClr val="5B9BD5"/>
       </a:accent5>
       <a:accent6>
         <a:srgbClr val="70AD47"/>
@@ -3091,6 +5216,23 @@
         <a:font script="Viet" typeface="Times New Roman"/>
         <a:font script="Uigh" typeface="Microsoft Uighur"/>
         <a:font script="Geor" typeface="Sylfaen"/>
+        <a:font script="Armn" typeface="Arial"/>
+        <a:font script="Bugi" typeface="Leelawadee UI"/>
+        <a:font script="Bopo" typeface="Microsoft JhengHei"/>
+        <a:font script="Java" typeface="Javanese Text"/>
+        <a:font script="Lisu" typeface="Segoe UI"/>
+        <a:font script="Mymr" typeface="Myanmar Text"/>
+        <a:font script="Nkoo" typeface="Ebrima"/>
+        <a:font script="Olck" typeface="Nirmala UI"/>
+        <a:font script="Osma" typeface="Ebrima"/>
+        <a:font script="Phag" typeface="Phagspa"/>
+        <a:font script="Syrn" typeface="Estrangelo Edessa"/>
+        <a:font script="Syrj" typeface="Estrangelo Edessa"/>
+        <a:font script="Syre" typeface="Estrangelo Edessa"/>
+        <a:font script="Sora" typeface="Nirmala UI"/>
+        <a:font script="Tale" typeface="Microsoft Tai Le"/>
+        <a:font script="Talu" typeface="Microsoft New Tai Lue"/>
+        <a:font script="Tfng" typeface="Ebrima"/>
       </a:majorFont>
       <a:minorFont>
         <a:latin typeface="Calibri" panose="020F0502020204030204"/>
@@ -3126,6 +5268,23 @@
         <a:font script="Viet" typeface="Arial"/>
         <a:font script="Uigh" typeface="Microsoft Uighur"/>
         <a:font script="Geor" typeface="Sylfaen"/>
+        <a:font script="Armn" typeface="Arial"/>
+        <a:font script="Bugi" typeface="Leelawadee UI"/>
+        <a:font script="Bopo" typeface="Microsoft JhengHei"/>
+        <a:font script="Java" typeface="Javanese Text"/>
+        <a:font script="Lisu" typeface="Segoe UI"/>
+        <a:font script="Mymr" typeface="Myanmar Text"/>
+        <a:font script="Nkoo" typeface="Ebrima"/>
+        <a:font script="Olck" typeface="Nirmala UI"/>
+        <a:font script="Osma" typeface="Ebrima"/>
+        <a:font script="Phag" typeface="Phagspa"/>
+        <a:font script="Syrn" typeface="Estrangelo Edessa"/>
+        <a:font script="Syrj" typeface="Estrangelo Edessa"/>
+        <a:font script="Syre" typeface="Estrangelo Edessa"/>
+        <a:font script="Sora" typeface="Nirmala UI"/>
+        <a:font script="Tale" typeface="Microsoft Tai Le"/>
+        <a:font script="Talu" typeface="Microsoft New Tai Lue"/>
+        <a:font script="Tfng" typeface="Ebrima"/>
       </a:minorFont>
     </a:fontScheme>
     <a:fmtScheme name="Стандартная">

--- a/ОС лабораторная работа№1.pptx
+++ b/ОС лабораторная работа№1.pptx
@@ -9,13 +9,12 @@
     <p:sldId id="257" r:id="rId3"/>
     <p:sldId id="261" r:id="rId4"/>
     <p:sldId id="258" r:id="rId5"/>
-    <p:sldId id="259" r:id="rId6"/>
-    <p:sldId id="262" r:id="rId7"/>
-    <p:sldId id="263" r:id="rId8"/>
-    <p:sldId id="264" r:id="rId9"/>
-    <p:sldId id="265" r:id="rId10"/>
-    <p:sldId id="260" r:id="rId11"/>
-    <p:sldId id="266" r:id="rId12"/>
+    <p:sldId id="262" r:id="rId6"/>
+    <p:sldId id="263" r:id="rId7"/>
+    <p:sldId id="264" r:id="rId8"/>
+    <p:sldId id="265" r:id="rId9"/>
+    <p:sldId id="260" r:id="rId10"/>
+    <p:sldId id="266" r:id="rId11"/>
   </p:sldIdLst>
   <p:sldSz cx="12192000" cy="6858000"/>
   <p:notesSz cx="6858000" cy="9144000"/>
@@ -3516,228 +3515,6 @@
           <a:chExt cx="0" cy="0"/>
         </a:xfrm>
       </p:grpSpPr>
-      <p:pic>
-        <p:nvPicPr>
-          <p:cNvPr id="5" name="Объект 4"/>
-          <p:cNvPicPr>
-            <a:picLocks noGrp="1"/>
-          </p:cNvPicPr>
-          <p:nvPr>
-            <p:ph sz="half" idx="1"/>
-          </p:nvPr>
-        </p:nvPicPr>
-        <p:blipFill>
-          <a:blip r:embed="rId2">
-            <a:extLst>
-              <a:ext uri="{28A0092B-C50C-407E-A947-70E740481C1C}">
-                <a14:useLocalDpi xmlns:a14="http://schemas.microsoft.com/office/drawing/2010/main" val="0"/>
-              </a:ext>
-            </a:extLst>
-          </a:blip>
-          <a:srcRect/>
-          <a:stretch>
-            <a:fillRect/>
-          </a:stretch>
-        </p:blipFill>
-        <p:spPr bwMode="auto">
-          <a:xfrm>
-            <a:off x="713014" y="588534"/>
-            <a:ext cx="4060371" cy="5041705"/>
-          </a:xfrm>
-          <a:prstGeom prst="rect">
-            <a:avLst/>
-          </a:prstGeom>
-          <a:noFill/>
-        </p:spPr>
-      </p:pic>
-      <p:sp>
-        <p:nvSpPr>
-          <p:cNvPr id="4" name="Объект 3"/>
-          <p:cNvSpPr>
-            <a:spLocks noGrp="1"/>
-          </p:cNvSpPr>
-          <p:nvPr>
-            <p:ph sz="half" idx="2"/>
-          </p:nvPr>
-        </p:nvSpPr>
-        <p:spPr/>
-        <p:txBody>
-          <a:bodyPr/>
-          <a:lstStyle/>
-          <a:p>
-            <a:pPr marL="0" indent="0">
-              <a:buNone/>
-            </a:pPr>
-            <a:r>
-              <a:rPr lang="ru-RU" dirty="0"/>
-              <a:t>Чтобы умножить многозначное число на многозначное число, вычислите частичные произведения и сложите. </a:t>
-            </a:r>
-          </a:p>
-          <a:p>
-            <a:pPr marL="0" indent="0">
-              <a:buNone/>
-            </a:pPr>
-            <a:r>
-              <a:rPr lang="ru-RU" dirty="0"/>
-              <a:t>40 </a:t>
-            </a:r>
-            <a:r>
-              <a:rPr lang="en-US" dirty="0">
-                <a:sym typeface="Symbol" panose="05050102010706020507" pitchFamily="18" charset="2"/>
-              </a:rPr>
-              <a:t></a:t>
-            </a:r>
-            <a:r>
-              <a:rPr lang="ru-RU" dirty="0"/>
-              <a:t> 2207 = 88280</a:t>
-            </a:r>
-          </a:p>
-          <a:p>
-            <a:pPr marL="0" indent="0">
-              <a:buNone/>
-            </a:pPr>
-            <a:r>
-              <a:rPr lang="ru-RU" dirty="0"/>
-              <a:t>7 </a:t>
-            </a:r>
-            <a:r>
-              <a:rPr lang="en-US" dirty="0">
-                <a:sym typeface="Symbol" panose="05050102010706020507" pitchFamily="18" charset="2"/>
-              </a:rPr>
-              <a:t></a:t>
-            </a:r>
-            <a:r>
-              <a:rPr lang="ru-RU" dirty="0"/>
-              <a:t> 2207 = 15449</a:t>
-            </a:r>
-          </a:p>
-          <a:p>
-            <a:pPr marL="0" indent="0">
-              <a:buNone/>
-            </a:pPr>
-            <a:r>
-              <a:rPr lang="ru-RU" dirty="0"/>
-              <a:t>88280 + 15449 = 103729</a:t>
-            </a:r>
-          </a:p>
-          <a:p>
-            <a:endParaRPr lang="ru-RU" dirty="0"/>
-          </a:p>
-        </p:txBody>
-      </p:sp>
-      <p:sp>
-        <p:nvSpPr>
-          <p:cNvPr id="3" name="TextBox 2">
-            <a:extLst>
-              <a:ext uri="{FF2B5EF4-FFF2-40B4-BE49-F238E27FC236}">
-                <a16:creationId xmlns:a16="http://schemas.microsoft.com/office/drawing/2014/main" id="{9B9FADD1-DA15-4C9D-8F71-EBE8487FC32F}"/>
-              </a:ext>
-            </a:extLst>
-          </p:cNvPr>
-          <p:cNvSpPr txBox="1"/>
-          <p:nvPr/>
-        </p:nvSpPr>
-        <p:spPr>
-          <a:xfrm>
-            <a:off x="2029798" y="5630239"/>
-            <a:ext cx="2295330" cy="369332"/>
-          </a:xfrm>
-          <a:prstGeom prst="rect">
-            <a:avLst/>
-          </a:prstGeom>
-          <a:noFill/>
-        </p:spPr>
-        <p:txBody>
-          <a:bodyPr wrap="square" rtlCol="0">
-            <a:spAutoFit/>
-          </a:bodyPr>
-          <a:lstStyle/>
-          <a:p>
-            <a:r>
-              <a:rPr lang="ru-RU" dirty="0"/>
-              <a:t>2207 </a:t>
-            </a:r>
-            <a:r>
-              <a:rPr lang="en-US" dirty="0">
-                <a:sym typeface="Symbol" panose="05050102010706020507" pitchFamily="18" charset="2"/>
-              </a:rPr>
-              <a:t></a:t>
-            </a:r>
-            <a:r>
-              <a:rPr lang="ru-RU" dirty="0">
-                <a:sym typeface="Symbol" panose="05050102010706020507" pitchFamily="18" charset="2"/>
-              </a:rPr>
-              <a:t> 47 = 103729</a:t>
-            </a:r>
-          </a:p>
-        </p:txBody>
-      </p:sp>
-      <p:sp>
-        <p:nvSpPr>
-          <p:cNvPr id="6" name="TextBox 5">
-            <a:extLst>
-              <a:ext uri="{FF2B5EF4-FFF2-40B4-BE49-F238E27FC236}">
-                <a16:creationId xmlns:a16="http://schemas.microsoft.com/office/drawing/2014/main" id="{1DF0929E-E778-4083-A5C7-EB2A2BCA8500}"/>
-              </a:ext>
-            </a:extLst>
-          </p:cNvPr>
-          <p:cNvSpPr txBox="1"/>
-          <p:nvPr/>
-        </p:nvSpPr>
-        <p:spPr>
-          <a:xfrm>
-            <a:off x="998376" y="65314"/>
-            <a:ext cx="1744824" cy="523220"/>
-          </a:xfrm>
-          <a:prstGeom prst="rect">
-            <a:avLst/>
-          </a:prstGeom>
-          <a:noFill/>
-        </p:spPr>
-        <p:txBody>
-          <a:bodyPr wrap="square" rtlCol="0">
-            <a:spAutoFit/>
-          </a:bodyPr>
-          <a:lstStyle/>
-          <a:p>
-            <a:r>
-              <a:rPr lang="ru-RU" sz="2800" dirty="0"/>
-              <a:t>Пример 3.</a:t>
-            </a:r>
-            <a:endParaRPr lang="ru-UA" sz="2800" dirty="0"/>
-          </a:p>
-        </p:txBody>
-      </p:sp>
-    </p:spTree>
-    <p:extLst>
-      <p:ext uri="{BB962C8B-B14F-4D97-AF65-F5344CB8AC3E}">
-        <p14:creationId xmlns:p14="http://schemas.microsoft.com/office/powerpoint/2010/main" val="1602134575"/>
-      </p:ext>
-    </p:extLst>
-  </p:cSld>
-  <p:clrMapOvr>
-    <a:masterClrMapping/>
-  </p:clrMapOvr>
-</p:sld>
-</file>
-
-<file path=ppt/slides/slide11.xml><?xml version="1.0" encoding="utf-8"?>
-<p:sld xmlns:a="http://schemas.openxmlformats.org/drawingml/2006/main" xmlns:r="http://schemas.openxmlformats.org/officeDocument/2006/relationships" xmlns:p="http://schemas.openxmlformats.org/presentationml/2006/main">
-  <p:cSld>
-    <p:spTree>
-      <p:nvGrpSpPr>
-        <p:cNvPr id="1" name=""/>
-        <p:cNvGrpSpPr/>
-        <p:nvPr/>
-      </p:nvGrpSpPr>
-      <p:grpSpPr>
-        <a:xfrm>
-          <a:off x="0" y="0"/>
-          <a:ext cx="0" cy="0"/>
-          <a:chOff x="0" y="0"/>
-          <a:chExt cx="0" cy="0"/>
-        </a:xfrm>
-      </p:grpSpPr>
       <p:sp>
         <p:nvSpPr>
           <p:cNvPr id="3" name="Объект 2">
@@ -4258,135 +4035,109 @@
           <a:chExt cx="0" cy="0"/>
         </a:xfrm>
       </p:grpSpPr>
+      <p:sp>
+        <p:nvSpPr>
+          <p:cNvPr id="4" name="Объект 3">
+            <a:extLst>
+              <a:ext uri="{FF2B5EF4-FFF2-40B4-BE49-F238E27FC236}">
+                <a16:creationId xmlns:a16="http://schemas.microsoft.com/office/drawing/2014/main" id="{E78F606E-5FBD-46BE-B5D8-C387AC5BCD50}"/>
+              </a:ext>
+            </a:extLst>
+          </p:cNvPr>
+          <p:cNvSpPr>
+            <a:spLocks noGrp="1"/>
+          </p:cNvSpPr>
+          <p:nvPr>
+            <p:ph sz="half" idx="2"/>
+          </p:nvPr>
+        </p:nvSpPr>
+        <p:spPr>
+          <a:xfrm>
+            <a:off x="6096000" y="1284450"/>
+            <a:ext cx="4400939" cy="908244"/>
+          </a:xfrm>
+        </p:spPr>
+        <p:txBody>
+          <a:bodyPr>
+            <a:noAutofit/>
+          </a:bodyPr>
+          <a:lstStyle/>
+          <a:p>
+            <a:r>
+              <a:rPr lang="ru-RU" sz="3200" dirty="0"/>
+              <a:t>Рассмотрим умножение </a:t>
+            </a:r>
+            <a:r>
+              <a:rPr lang="ru-RU" sz="3200" b="1" dirty="0"/>
+              <a:t>52749</a:t>
+            </a:r>
+            <a:r>
+              <a:rPr lang="ru-RU" sz="3200" dirty="0"/>
+              <a:t> на </a:t>
+            </a:r>
+            <a:r>
+              <a:rPr lang="ru-RU" sz="3200" b="1" dirty="0"/>
+              <a:t>4</a:t>
+            </a:r>
+            <a:endParaRPr lang="ru-UA" sz="3200" dirty="0"/>
+          </a:p>
+        </p:txBody>
+      </p:sp>
       <p:pic>
         <p:nvPicPr>
-          <p:cNvPr id="5" name="Объект 4"/>
+          <p:cNvPr id="3076" name="Picture 4" descr="Genaille-Lucas rulers example 1.png">
+            <a:extLst>
+              <a:ext uri="{FF2B5EF4-FFF2-40B4-BE49-F238E27FC236}">
+                <a16:creationId xmlns:a16="http://schemas.microsoft.com/office/drawing/2014/main" id="{1C190C64-D2C2-4BFE-8E3B-2FF68EA40618}"/>
+              </a:ext>
+            </a:extLst>
+          </p:cNvPr>
           <p:cNvPicPr>
-            <a:picLocks noGrp="1" noChangeAspect="1"/>
+            <a:picLocks noGrp="1" noChangeAspect="1" noChangeArrowheads="1"/>
           </p:cNvPicPr>
           <p:nvPr>
             <p:ph sz="half" idx="1"/>
           </p:nvPr>
         </p:nvPicPr>
         <p:blipFill>
-          <a:blip r:embed="rId2"/>
+          <a:blip r:embed="rId2">
+            <a:extLst>
+              <a:ext uri="{28A0092B-C50C-407E-A947-70E740481C1C}">
+                <a14:useLocalDpi xmlns:a14="http://schemas.microsoft.com/office/drawing/2010/main" val="0"/>
+              </a:ext>
+            </a:extLst>
+          </a:blip>
+          <a:srcRect/>
           <a:stretch>
             <a:fillRect/>
           </a:stretch>
         </p:blipFill>
-        <p:spPr>
+        <p:spPr bwMode="auto">
           <a:xfrm>
-            <a:off x="615717" y="1489723"/>
-            <a:ext cx="4644757" cy="2628963"/>
-          </a:xfrm>
-          <a:prstGeom prst="rect">
-            <a:avLst/>
-          </a:prstGeom>
-        </p:spPr>
-      </p:pic>
-      <p:sp>
-        <p:nvSpPr>
-          <p:cNvPr id="4" name="Объект 3"/>
-          <p:cNvSpPr>
-            <a:spLocks noGrp="1"/>
-          </p:cNvSpPr>
-          <p:nvPr>
-            <p:ph sz="half" idx="2"/>
-          </p:nvPr>
-        </p:nvSpPr>
-        <p:spPr>
-          <a:xfrm>
-            <a:off x="5482957" y="1825625"/>
-            <a:ext cx="5870843" cy="4351338"/>
-          </a:xfrm>
-        </p:spPr>
-        <p:txBody>
-          <a:bodyPr/>
-          <a:lstStyle/>
-          <a:p>
-            <a:r>
-              <a:rPr lang="ru-RU" dirty="0">
-                <a:latin typeface="Times New Roman" panose="02020603050405020304" pitchFamily="18" charset="0"/>
-                <a:ea typeface="Calibri" panose="020F0502020204030204" pitchFamily="34" charset="0"/>
-              </a:rPr>
-              <a:t>Располагая эти бруски в правильном порядке можем быстро найти произведение чисел. Начнем с верхнего числа в последнем столбце выбранной строки. Мы следуем за вершинами треугольника справа налево, пока не дойдем до первого столбца и </a:t>
-            </a:r>
-            <a:r>
-              <a:rPr lang="ru-RU" dirty="0" err="1">
-                <a:latin typeface="Times New Roman" panose="02020603050405020304" pitchFamily="18" charset="0"/>
-                <a:ea typeface="Calibri" panose="020F0502020204030204" pitchFamily="34" charset="0"/>
-              </a:rPr>
-              <a:t>получем</a:t>
-            </a:r>
-            <a:r>
-              <a:rPr lang="ru-RU" dirty="0">
-                <a:latin typeface="Times New Roman" panose="02020603050405020304" pitchFamily="18" charset="0"/>
-                <a:ea typeface="Calibri" panose="020F0502020204030204" pitchFamily="34" charset="0"/>
-              </a:rPr>
-              <a:t> ответ в обратном порядке.</a:t>
-            </a:r>
-            <a:endParaRPr lang="ru-RU" dirty="0"/>
-          </a:p>
-        </p:txBody>
-      </p:sp>
-      <p:sp>
-        <p:nvSpPr>
-          <p:cNvPr id="7" name="TextBox 6"/>
-          <p:cNvSpPr txBox="1"/>
-          <p:nvPr/>
-        </p:nvSpPr>
-        <p:spPr>
-          <a:xfrm>
-            <a:off x="1814145" y="4244293"/>
-            <a:ext cx="2123373" cy="369332"/>
+            <a:off x="998376" y="1081021"/>
+            <a:ext cx="5097626" cy="4885227"/>
           </a:xfrm>
           <a:prstGeom prst="rect">
             <a:avLst/>
           </a:prstGeom>
           <a:noFill/>
+          <a:extLst>
+            <a:ext uri="{909E8E84-426E-40DD-AFC4-6F175D3DCCD1}">
+              <a14:hiddenFill xmlns:a14="http://schemas.microsoft.com/office/drawing/2010/main">
+                <a:solidFill>
+                  <a:srgbClr val="FFFFFF"/>
+                </a:solidFill>
+              </a14:hiddenFill>
+            </a:ext>
+          </a:extLst>
         </p:spPr>
-        <p:txBody>
-          <a:bodyPr wrap="square" rtlCol="0">
-            <a:spAutoFit/>
-          </a:bodyPr>
-          <a:lstStyle/>
-          <a:p>
-            <a:r>
-              <a:rPr lang="ru-RU" dirty="0">
-                <a:latin typeface="Times New Roman" panose="02020603050405020304" pitchFamily="18" charset="0"/>
-                <a:ea typeface="Calibri" panose="020F0502020204030204" pitchFamily="34" charset="0"/>
-              </a:rPr>
-              <a:t>47526 </a:t>
-            </a:r>
-            <a:r>
-              <a:rPr lang="en-US" dirty="0">
-                <a:sym typeface="Symbol" panose="05050102010706020507" pitchFamily="18" charset="2"/>
-              </a:rPr>
-              <a:t></a:t>
-            </a:r>
-            <a:r>
-              <a:rPr lang="ru-RU" dirty="0">
-                <a:sym typeface="Symbol" panose="05050102010706020507" pitchFamily="18" charset="2"/>
-              </a:rPr>
-              <a:t> 7</a:t>
-            </a:r>
-            <a:r>
-              <a:rPr lang="ru-RU" dirty="0">
-                <a:latin typeface="Times New Roman" panose="02020603050405020304" pitchFamily="18" charset="0"/>
-                <a:ea typeface="Calibri" panose="020F0502020204030204" pitchFamily="34" charset="0"/>
-              </a:rPr>
-              <a:t> = 332682</a:t>
-            </a:r>
-            <a:endParaRPr lang="ru-RU" dirty="0"/>
-          </a:p>
-        </p:txBody>
-      </p:sp>
-      <p:sp>
-        <p:nvSpPr>
-          <p:cNvPr id="6" name="TextBox 5">
-            <a:extLst>
-              <a:ext uri="{FF2B5EF4-FFF2-40B4-BE49-F238E27FC236}">
-                <a16:creationId xmlns:a16="http://schemas.microsoft.com/office/drawing/2014/main" id="{A05B574A-F6F2-4FAB-BBF5-F170C39648EA}"/>
+      </p:pic>
+      <p:sp>
+        <p:nvSpPr>
+          <p:cNvPr id="8" name="TextBox 7">
+            <a:extLst>
+              <a:ext uri="{FF2B5EF4-FFF2-40B4-BE49-F238E27FC236}">
+                <a16:creationId xmlns:a16="http://schemas.microsoft.com/office/drawing/2014/main" id="{4F087BA0-1867-405B-ACE2-53B7E9DD5379}"/>
               </a:ext>
             </a:extLst>
           </p:cNvPr>
@@ -4420,7 +4171,7 @@
     </p:spTree>
     <p:extLst>
       <p:ext uri="{BB962C8B-B14F-4D97-AF65-F5344CB8AC3E}">
-        <p14:creationId xmlns:p14="http://schemas.microsoft.com/office/powerpoint/2010/main" val="2169020392"/>
+        <p14:creationId xmlns:p14="http://schemas.microsoft.com/office/powerpoint/2010/main" val="3494275835"/>
       </p:ext>
     </p:extLst>
   </p:cSld>
@@ -4452,7 +4203,7 @@
           <p:cNvPr id="4" name="Объект 3">
             <a:extLst>
               <a:ext uri="{FF2B5EF4-FFF2-40B4-BE49-F238E27FC236}">
-                <a16:creationId xmlns:a16="http://schemas.microsoft.com/office/drawing/2014/main" id="{E78F606E-5FBD-46BE-B5D8-C387AC5BCD50}"/>
+                <a16:creationId xmlns:a16="http://schemas.microsoft.com/office/drawing/2014/main" id="{68107A61-B5F0-46FE-AD6E-02A5CDCDA8B0}"/>
               </a:ext>
             </a:extLst>
           </p:cNvPr>
@@ -4465,42 +4216,53 @@
         </p:nvSpPr>
         <p:spPr>
           <a:xfrm>
-            <a:off x="6096000" y="1284450"/>
-            <a:ext cx="4400939" cy="908244"/>
+            <a:off x="6096000" y="1732319"/>
+            <a:ext cx="5181600" cy="4351338"/>
           </a:xfrm>
         </p:spPr>
         <p:txBody>
-          <a:bodyPr>
-            <a:noAutofit/>
-          </a:bodyPr>
-          <a:lstStyle/>
-          <a:p>
-            <a:r>
-              <a:rPr lang="ru-RU" sz="3200" dirty="0"/>
-              <a:t>Рассмотрим умножение </a:t>
-            </a:r>
-            <a:r>
-              <a:rPr lang="ru-RU" sz="3200" b="1" dirty="0"/>
-              <a:t>52749</a:t>
-            </a:r>
-            <a:r>
-              <a:rPr lang="ru-RU" sz="3200" dirty="0"/>
-              <a:t> на </a:t>
-            </a:r>
-            <a:r>
-              <a:rPr lang="ru-RU" sz="3200" b="1" dirty="0"/>
+          <a:bodyPr/>
+          <a:lstStyle/>
+          <a:p>
+            <a:r>
+              <a:rPr lang="ru-RU" dirty="0"/>
+              <a:t>Расположим пять линеек, по одной на каждую цифру числа 52749, рядом друг с другом и рядом с главной линейкой «</a:t>
+            </a:r>
+            <a:r>
+              <a:rPr lang="ru-RU" dirty="0" err="1"/>
+              <a:t>Index</a:t>
+            </a:r>
+            <a:r>
+              <a:rPr lang="ru-RU" dirty="0"/>
+              <a:t>»</a:t>
+            </a:r>
+            <a:r>
+              <a:rPr lang="en-US" dirty="0"/>
+              <a:t>.</a:t>
+            </a:r>
+          </a:p>
+          <a:p>
+            <a:r>
+              <a:rPr lang="ru-RU" dirty="0"/>
+              <a:t>Второй множитель равен </a:t>
+            </a:r>
+            <a:r>
+              <a:rPr lang="ru-RU" b="1" dirty="0"/>
               <a:t>4</a:t>
             </a:r>
-            <a:endParaRPr lang="ru-UA" sz="3200" dirty="0"/>
+            <a:r>
+              <a:rPr lang="ru-RU" dirty="0"/>
+              <a:t>, поэтому мы смотрим на четвертую строку</a:t>
+            </a:r>
           </a:p>
         </p:txBody>
       </p:sp>
       <p:pic>
         <p:nvPicPr>
-          <p:cNvPr id="3076" name="Picture 4" descr="Genaille-Lucas rulers example 1.png">
-            <a:extLst>
-              <a:ext uri="{FF2B5EF4-FFF2-40B4-BE49-F238E27FC236}">
-                <a16:creationId xmlns:a16="http://schemas.microsoft.com/office/drawing/2014/main" id="{1C190C64-D2C2-4BFE-8E3B-2FF68EA40618}"/>
+          <p:cNvPr id="4098" name="Picture 2" descr="Genaille-Lucas rulers example 2.png">
+            <a:extLst>
+              <a:ext uri="{FF2B5EF4-FFF2-40B4-BE49-F238E27FC236}">
+                <a16:creationId xmlns:a16="http://schemas.microsoft.com/office/drawing/2014/main" id="{8EB25EC6-7130-490F-B7D2-03988455F941}"/>
               </a:ext>
             </a:extLst>
           </p:cNvPr>
@@ -4526,8 +4288,8 @@
         </p:blipFill>
         <p:spPr bwMode="auto">
           <a:xfrm>
-            <a:off x="998376" y="1081021"/>
-            <a:ext cx="5097626" cy="4885227"/>
+            <a:off x="1017037" y="1083865"/>
+            <a:ext cx="5078963" cy="4867340"/>
           </a:xfrm>
           <a:prstGeom prst="rect">
             <a:avLst/>
@@ -4546,10 +4308,10 @@
       </p:pic>
       <p:sp>
         <p:nvSpPr>
-          <p:cNvPr id="8" name="TextBox 7">
-            <a:extLst>
-              <a:ext uri="{FF2B5EF4-FFF2-40B4-BE49-F238E27FC236}">
-                <a16:creationId xmlns:a16="http://schemas.microsoft.com/office/drawing/2014/main" id="{4F087BA0-1867-405B-ACE2-53B7E9DD5379}"/>
+          <p:cNvPr id="7" name="TextBox 6">
+            <a:extLst>
+              <a:ext uri="{FF2B5EF4-FFF2-40B4-BE49-F238E27FC236}">
+                <a16:creationId xmlns:a16="http://schemas.microsoft.com/office/drawing/2014/main" id="{E647A7C2-23D7-4D7D-ACC1-77BFFCB8E133}"/>
               </a:ext>
             </a:extLst>
           </p:cNvPr>
@@ -4574,7 +4336,7 @@
           <a:p>
             <a:r>
               <a:rPr lang="ru-RU" sz="2800" dirty="0"/>
-              <a:t>Пример 2.</a:t>
+              <a:t>Пример 1.</a:t>
             </a:r>
             <a:endParaRPr lang="ru-UA" sz="2800" dirty="0"/>
           </a:p>
@@ -4583,7 +4345,7 @@
     </p:spTree>
     <p:extLst>
       <p:ext uri="{BB962C8B-B14F-4D97-AF65-F5344CB8AC3E}">
-        <p14:creationId xmlns:p14="http://schemas.microsoft.com/office/powerpoint/2010/main" val="3494275835"/>
+        <p14:creationId xmlns:p14="http://schemas.microsoft.com/office/powerpoint/2010/main" val="3266447335"/>
       </p:ext>
     </p:extLst>
   </p:cSld>
@@ -4615,7 +4377,7 @@
           <p:cNvPr id="4" name="Объект 3">
             <a:extLst>
               <a:ext uri="{FF2B5EF4-FFF2-40B4-BE49-F238E27FC236}">
-                <a16:creationId xmlns:a16="http://schemas.microsoft.com/office/drawing/2014/main" id="{68107A61-B5F0-46FE-AD6E-02A5CDCDA8B0}"/>
+                <a16:creationId xmlns:a16="http://schemas.microsoft.com/office/drawing/2014/main" id="{127F2C87-8440-4BE9-843D-96327D75C0C1}"/>
               </a:ext>
             </a:extLst>
           </p:cNvPr>
@@ -4628,7 +4390,7 @@
         </p:nvSpPr>
         <p:spPr>
           <a:xfrm>
-            <a:off x="6096000" y="1732319"/>
+            <a:off x="6172202" y="1844286"/>
             <a:ext cx="5181600" cy="4351338"/>
           </a:xfrm>
         </p:spPr>
@@ -4638,43 +4400,32 @@
           <a:p>
             <a:r>
               <a:rPr lang="ru-RU" dirty="0"/>
-              <a:t>Расположим пять линеек, по одной на каждую цифру числа 52749, рядом друг с другом и рядом с главной линейкой «</a:t>
-            </a:r>
-            <a:r>
-              <a:rPr lang="ru-RU" dirty="0" err="1"/>
-              <a:t>Index</a:t>
-            </a:r>
+              <a:t>Мы начинаем с верхнего номера в последнем столбце выбранной строки</a:t>
+            </a:r>
+          </a:p>
+          <a:p>
             <a:r>
               <a:rPr lang="ru-RU" dirty="0"/>
-              <a:t>»</a:t>
-            </a:r>
-            <a:r>
-              <a:rPr lang="en-US" dirty="0"/>
-              <a:t>.</a:t>
-            </a:r>
-          </a:p>
-          <a:p>
-            <a:r>
+              <a:t>Серый треугольник указывает путь к следующему номеру:</a:t>
+            </a:r>
+          </a:p>
+          <a:p>
+            <a:pPr marL="0" indent="0">
+              <a:buNone/>
+            </a:pPr>
+            <a:br>
               <a:rPr lang="ru-RU" dirty="0"/>
-              <a:t>Второй множитель равен </a:t>
-            </a:r>
-            <a:r>
-              <a:rPr lang="ru-RU" b="1" dirty="0"/>
-              <a:t>4</a:t>
-            </a:r>
-            <a:r>
-              <a:rPr lang="ru-RU" dirty="0"/>
-              <a:t>, поэтому мы смотрим на четвертую строку</a:t>
-            </a:r>
+            </a:br>
+            <a:endParaRPr lang="ru-UA" dirty="0"/>
           </a:p>
         </p:txBody>
       </p:sp>
       <p:pic>
         <p:nvPicPr>
-          <p:cNvPr id="4098" name="Picture 2" descr="Genaille-Lucas rulers example 2.png">
-            <a:extLst>
-              <a:ext uri="{FF2B5EF4-FFF2-40B4-BE49-F238E27FC236}">
-                <a16:creationId xmlns:a16="http://schemas.microsoft.com/office/drawing/2014/main" id="{8EB25EC6-7130-490F-B7D2-03988455F941}"/>
+          <p:cNvPr id="5122" name="Picture 2" descr="Genaille-Lucas rulers example 4.png">
+            <a:extLst>
+              <a:ext uri="{FF2B5EF4-FFF2-40B4-BE49-F238E27FC236}">
+                <a16:creationId xmlns:a16="http://schemas.microsoft.com/office/drawing/2014/main" id="{8486BD46-C136-41EF-B105-C95DB809FEAE}"/>
               </a:ext>
             </a:extLst>
           </p:cNvPr>
@@ -4700,8 +4451,8 @@
         </p:blipFill>
         <p:spPr bwMode="auto">
           <a:xfrm>
-            <a:off x="1017037" y="1083865"/>
-            <a:ext cx="5078963" cy="4867340"/>
+            <a:off x="910122" y="1095103"/>
+            <a:ext cx="5185878" cy="4148701"/>
           </a:xfrm>
           <a:prstGeom prst="rect">
             <a:avLst/>
@@ -4723,7 +4474,7 @@
           <p:cNvPr id="7" name="TextBox 6">
             <a:extLst>
               <a:ext uri="{FF2B5EF4-FFF2-40B4-BE49-F238E27FC236}">
-                <a16:creationId xmlns:a16="http://schemas.microsoft.com/office/drawing/2014/main" id="{E647A7C2-23D7-4D7D-ACC1-77BFFCB8E133}"/>
+                <a16:creationId xmlns:a16="http://schemas.microsoft.com/office/drawing/2014/main" id="{C519B38F-5713-4A79-BC43-6116759CFDE1}"/>
               </a:ext>
             </a:extLst>
           </p:cNvPr>
@@ -4748,7 +4499,7 @@
           <a:p>
             <a:r>
               <a:rPr lang="ru-RU" sz="2800" dirty="0"/>
-              <a:t>Пример 2.</a:t>
+              <a:t>Пример 1.</a:t>
             </a:r>
             <a:endParaRPr lang="ru-UA" sz="2800" dirty="0"/>
           </a:p>
@@ -4757,7 +4508,7 @@
     </p:spTree>
     <p:extLst>
       <p:ext uri="{BB962C8B-B14F-4D97-AF65-F5344CB8AC3E}">
-        <p14:creationId xmlns:p14="http://schemas.microsoft.com/office/powerpoint/2010/main" val="3266447335"/>
+        <p14:creationId xmlns:p14="http://schemas.microsoft.com/office/powerpoint/2010/main" val="108818126"/>
       </p:ext>
     </p:extLst>
   </p:cSld>
@@ -4789,7 +4540,7 @@
           <p:cNvPr id="4" name="Объект 3">
             <a:extLst>
               <a:ext uri="{FF2B5EF4-FFF2-40B4-BE49-F238E27FC236}">
-                <a16:creationId xmlns:a16="http://schemas.microsoft.com/office/drawing/2014/main" id="{127F2C87-8440-4BE9-843D-96327D75C0C1}"/>
+                <a16:creationId xmlns:a16="http://schemas.microsoft.com/office/drawing/2014/main" id="{F2929C73-3D87-41D6-BE5A-B341AB37FBC8}"/>
               </a:ext>
             </a:extLst>
           </p:cNvPr>
@@ -4802,7 +4553,7 @@
         </p:nvSpPr>
         <p:spPr>
           <a:xfrm>
-            <a:off x="6172202" y="1844286"/>
+            <a:off x="6069564" y="1368425"/>
             <a:ext cx="5181600" cy="4351338"/>
           </a:xfrm>
         </p:spPr>
@@ -4812,32 +4563,33 @@
           <a:p>
             <a:r>
               <a:rPr lang="ru-RU" dirty="0"/>
-              <a:t>Мы начинаем с верхнего номера в последнем столбце выбранной строки</a:t>
-            </a:r>
+              <a:t>Мы следуем треугольникам справа налево, пока не дойдем до первого столбца.</a:t>
+            </a:r>
+            <a:endParaRPr lang="en-US" dirty="0"/>
           </a:p>
           <a:p>
             <a:r>
               <a:rPr lang="ru-RU" dirty="0"/>
-              <a:t>Серый треугольник указывает путь к следующему номеру:</a:t>
-            </a:r>
-          </a:p>
-          <a:p>
-            <a:pPr marL="0" indent="0">
-              <a:buNone/>
-            </a:pPr>
-            <a:br>
+              <a:t>Затем мы просто читаем цифры, которые мы посетили. Произведение, показанное красным цветом, равно </a:t>
+            </a:r>
+            <a:r>
+              <a:rPr lang="ru-RU" b="1" dirty="0"/>
+              <a:t>210996</a:t>
+            </a:r>
+            <a:r>
               <a:rPr lang="ru-RU" dirty="0"/>
-            </a:br>
+              <a:t>.</a:t>
+            </a:r>
             <a:endParaRPr lang="ru-UA" dirty="0"/>
           </a:p>
         </p:txBody>
       </p:sp>
       <p:pic>
         <p:nvPicPr>
-          <p:cNvPr id="5122" name="Picture 2" descr="Genaille-Lucas rulers example 4.png">
-            <a:extLst>
-              <a:ext uri="{FF2B5EF4-FFF2-40B4-BE49-F238E27FC236}">
-                <a16:creationId xmlns:a16="http://schemas.microsoft.com/office/drawing/2014/main" id="{8486BD46-C136-41EF-B105-C95DB809FEAE}"/>
+          <p:cNvPr id="6146" name="Picture 2" descr="Genaille-Lucas rulers example 5.png">
+            <a:extLst>
+              <a:ext uri="{FF2B5EF4-FFF2-40B4-BE49-F238E27FC236}">
+                <a16:creationId xmlns:a16="http://schemas.microsoft.com/office/drawing/2014/main" id="{E3D253FA-FF78-48F4-AB67-C843E3F29FCC}"/>
               </a:ext>
             </a:extLst>
           </p:cNvPr>
@@ -4863,8 +4615,8 @@
         </p:blipFill>
         <p:spPr bwMode="auto">
           <a:xfrm>
-            <a:off x="910122" y="1095103"/>
-            <a:ext cx="5185878" cy="4148701"/>
+            <a:off x="883684" y="1123093"/>
+            <a:ext cx="5185880" cy="4148703"/>
           </a:xfrm>
           <a:prstGeom prst="rect">
             <a:avLst/>
@@ -4883,10 +4635,56 @@
       </p:pic>
       <p:sp>
         <p:nvSpPr>
-          <p:cNvPr id="7" name="TextBox 6">
-            <a:extLst>
-              <a:ext uri="{FF2B5EF4-FFF2-40B4-BE49-F238E27FC236}">
-                <a16:creationId xmlns:a16="http://schemas.microsoft.com/office/drawing/2014/main" id="{C519B38F-5713-4A79-BC43-6116759CFDE1}"/>
+          <p:cNvPr id="5" name="TextBox 4">
+            <a:extLst>
+              <a:ext uri="{FF2B5EF4-FFF2-40B4-BE49-F238E27FC236}">
+                <a16:creationId xmlns:a16="http://schemas.microsoft.com/office/drawing/2014/main" id="{07D89570-544B-4AF0-80CB-C5D76BE63309}"/>
+              </a:ext>
+            </a:extLst>
+          </p:cNvPr>
+          <p:cNvSpPr txBox="1"/>
+          <p:nvPr/>
+        </p:nvSpPr>
+        <p:spPr>
+          <a:xfrm>
+            <a:off x="2472612" y="5365575"/>
+            <a:ext cx="2024743" cy="369332"/>
+          </a:xfrm>
+          <a:prstGeom prst="rect">
+            <a:avLst/>
+          </a:prstGeom>
+          <a:noFill/>
+        </p:spPr>
+        <p:txBody>
+          <a:bodyPr wrap="square" rtlCol="0">
+            <a:spAutoFit/>
+          </a:bodyPr>
+          <a:lstStyle/>
+          <a:p>
+            <a:r>
+              <a:rPr lang="en-US" dirty="0"/>
+              <a:t>52749 </a:t>
+            </a:r>
+            <a:r>
+              <a:rPr lang="en-US" dirty="0">
+                <a:sym typeface="Symbol" panose="05050102010706020507" pitchFamily="18" charset="2"/>
+              </a:rPr>
+              <a:t> 4 = 210996</a:t>
+            </a:r>
+            <a:r>
+              <a:rPr lang="en-US" dirty="0"/>
+              <a:t> </a:t>
+            </a:r>
+            <a:endParaRPr lang="ru-UA" dirty="0"/>
+          </a:p>
+        </p:txBody>
+      </p:sp>
+      <p:sp>
+        <p:nvSpPr>
+          <p:cNvPr id="8" name="TextBox 7">
+            <a:extLst>
+              <a:ext uri="{FF2B5EF4-FFF2-40B4-BE49-F238E27FC236}">
+                <a16:creationId xmlns:a16="http://schemas.microsoft.com/office/drawing/2014/main" id="{5ADF1094-2BCE-4E57-8E9C-0B6C7CCB472B}"/>
               </a:ext>
             </a:extLst>
           </p:cNvPr>
@@ -4911,7 +4709,7 @@
           <a:p>
             <a:r>
               <a:rPr lang="ru-RU" sz="2800" dirty="0"/>
-              <a:t>Пример 2.</a:t>
+              <a:t>Пример 1.</a:t>
             </a:r>
             <a:endParaRPr lang="ru-UA" sz="2800" dirty="0"/>
           </a:p>
@@ -4920,7 +4718,7 @@
     </p:spTree>
     <p:extLst>
       <p:ext uri="{BB962C8B-B14F-4D97-AF65-F5344CB8AC3E}">
-        <p14:creationId xmlns:p14="http://schemas.microsoft.com/office/powerpoint/2010/main" val="108818126"/>
+        <p14:creationId xmlns:p14="http://schemas.microsoft.com/office/powerpoint/2010/main" val="2544857135"/>
       </p:ext>
     </p:extLst>
   </p:cSld>
@@ -4947,66 +4745,11 @@
           <a:chExt cx="0" cy="0"/>
         </a:xfrm>
       </p:grpSpPr>
-      <p:sp>
-        <p:nvSpPr>
-          <p:cNvPr id="4" name="Объект 3">
-            <a:extLst>
-              <a:ext uri="{FF2B5EF4-FFF2-40B4-BE49-F238E27FC236}">
-                <a16:creationId xmlns:a16="http://schemas.microsoft.com/office/drawing/2014/main" id="{F2929C73-3D87-41D6-BE5A-B341AB37FBC8}"/>
-              </a:ext>
-            </a:extLst>
-          </p:cNvPr>
-          <p:cNvSpPr>
-            <a:spLocks noGrp="1"/>
-          </p:cNvSpPr>
-          <p:nvPr>
-            <p:ph sz="half" idx="2"/>
-          </p:nvPr>
-        </p:nvSpPr>
-        <p:spPr>
-          <a:xfrm>
-            <a:off x="6069564" y="1368425"/>
-            <a:ext cx="5181600" cy="4351338"/>
-          </a:xfrm>
-        </p:spPr>
-        <p:txBody>
-          <a:bodyPr/>
-          <a:lstStyle/>
-          <a:p>
-            <a:r>
-              <a:rPr lang="ru-RU" dirty="0"/>
-              <a:t>Мы следуем треугольникам справа налево, пока не дойдем до первого столбца.</a:t>
-            </a:r>
-            <a:endParaRPr lang="en-US" dirty="0"/>
-          </a:p>
-          <a:p>
-            <a:r>
-              <a:rPr lang="ru-RU" dirty="0"/>
-              <a:t>Затем мы просто читаем цифры, которые мы посетили. Произведение, показанное красным цветом, равно </a:t>
-            </a:r>
-            <a:r>
-              <a:rPr lang="ru-RU" b="1" dirty="0"/>
-              <a:t>210996</a:t>
-            </a:r>
-            <a:r>
-              <a:rPr lang="ru-RU" dirty="0"/>
-              <a:t>.</a:t>
-            </a:r>
-            <a:endParaRPr lang="ru-UA" dirty="0"/>
-          </a:p>
-        </p:txBody>
-      </p:sp>
       <p:pic>
         <p:nvPicPr>
-          <p:cNvPr id="6146" name="Picture 2" descr="Genaille-Lucas rulers example 5.png">
-            <a:extLst>
-              <a:ext uri="{FF2B5EF4-FFF2-40B4-BE49-F238E27FC236}">
-                <a16:creationId xmlns:a16="http://schemas.microsoft.com/office/drawing/2014/main" id="{E3D253FA-FF78-48F4-AB67-C843E3F29FCC}"/>
-              </a:ext>
-            </a:extLst>
-          </p:cNvPr>
+          <p:cNvPr id="5" name="Объект 4"/>
           <p:cNvPicPr>
-            <a:picLocks noGrp="1" noChangeAspect="1" noChangeArrowheads="1"/>
+            <a:picLocks noGrp="1"/>
           </p:cNvPicPr>
           <p:nvPr>
             <p:ph sz="half" idx="1"/>
@@ -5027,46 +4770,112 @@
         </p:blipFill>
         <p:spPr bwMode="auto">
           <a:xfrm>
-            <a:off x="883684" y="1123093"/>
-            <a:ext cx="5185880" cy="4148703"/>
-          </a:xfrm>
-          <a:prstGeom prst="rect">
-            <a:avLst/>
-          </a:prstGeom>
-          <a:noFill/>
-          <a:extLst>
-            <a:ext uri="{909E8E84-426E-40DD-AFC4-6F175D3DCCD1}">
-              <a14:hiddenFill xmlns:a14="http://schemas.microsoft.com/office/drawing/2010/main">
-                <a:solidFill>
-                  <a:srgbClr val="FFFFFF"/>
-                </a:solidFill>
-              </a14:hiddenFill>
-            </a:ext>
-          </a:extLst>
-        </p:spPr>
-      </p:pic>
-      <p:sp>
-        <p:nvSpPr>
-          <p:cNvPr id="5" name="TextBox 4">
-            <a:extLst>
-              <a:ext uri="{FF2B5EF4-FFF2-40B4-BE49-F238E27FC236}">
-                <a16:creationId xmlns:a16="http://schemas.microsoft.com/office/drawing/2014/main" id="{07D89570-544B-4AF0-80CB-C5D76BE63309}"/>
-              </a:ext>
-            </a:extLst>
-          </p:cNvPr>
-          <p:cNvSpPr txBox="1"/>
-          <p:nvPr/>
-        </p:nvSpPr>
-        <p:spPr>
-          <a:xfrm>
-            <a:off x="2472612" y="5365575"/>
-            <a:ext cx="2024743" cy="369332"/>
+            <a:off x="713014" y="588534"/>
+            <a:ext cx="4060371" cy="5041705"/>
           </a:xfrm>
           <a:prstGeom prst="rect">
             <a:avLst/>
           </a:prstGeom>
           <a:noFill/>
         </p:spPr>
+      </p:pic>
+      <p:sp>
+        <p:nvSpPr>
+          <p:cNvPr id="4" name="Объект 3"/>
+          <p:cNvSpPr>
+            <a:spLocks noGrp="1"/>
+          </p:cNvSpPr>
+          <p:nvPr>
+            <p:ph sz="half" idx="2"/>
+          </p:nvPr>
+        </p:nvSpPr>
+        <p:spPr/>
+        <p:txBody>
+          <a:bodyPr/>
+          <a:lstStyle/>
+          <a:p>
+            <a:pPr marL="0" indent="0">
+              <a:buNone/>
+            </a:pPr>
+            <a:r>
+              <a:rPr lang="ru-RU" dirty="0"/>
+              <a:t>Чтобы умножить многозначное число на многозначное число, вычислите частичные произведения и сложите. </a:t>
+            </a:r>
+          </a:p>
+          <a:p>
+            <a:pPr marL="0" indent="0">
+              <a:buNone/>
+            </a:pPr>
+            <a:r>
+              <a:rPr lang="ru-RU" dirty="0"/>
+              <a:t>40 </a:t>
+            </a:r>
+            <a:r>
+              <a:rPr lang="en-US" dirty="0">
+                <a:sym typeface="Symbol" panose="05050102010706020507" pitchFamily="18" charset="2"/>
+              </a:rPr>
+              <a:t></a:t>
+            </a:r>
+            <a:r>
+              <a:rPr lang="ru-RU" dirty="0"/>
+              <a:t> 2207 = 88280</a:t>
+            </a:r>
+          </a:p>
+          <a:p>
+            <a:pPr marL="0" indent="0">
+              <a:buNone/>
+            </a:pPr>
+            <a:r>
+              <a:rPr lang="ru-RU" dirty="0"/>
+              <a:t>7 </a:t>
+            </a:r>
+            <a:r>
+              <a:rPr lang="en-US" dirty="0">
+                <a:sym typeface="Symbol" panose="05050102010706020507" pitchFamily="18" charset="2"/>
+              </a:rPr>
+              <a:t></a:t>
+            </a:r>
+            <a:r>
+              <a:rPr lang="ru-RU" dirty="0"/>
+              <a:t> 2207 = 15449</a:t>
+            </a:r>
+          </a:p>
+          <a:p>
+            <a:pPr marL="0" indent="0">
+              <a:buNone/>
+            </a:pPr>
+            <a:r>
+              <a:rPr lang="ru-RU" dirty="0"/>
+              <a:t>88280 + 15449 = 103729</a:t>
+            </a:r>
+          </a:p>
+          <a:p>
+            <a:endParaRPr lang="ru-RU" dirty="0"/>
+          </a:p>
+        </p:txBody>
+      </p:sp>
+      <p:sp>
+        <p:nvSpPr>
+          <p:cNvPr id="3" name="TextBox 2">
+            <a:extLst>
+              <a:ext uri="{FF2B5EF4-FFF2-40B4-BE49-F238E27FC236}">
+                <a16:creationId xmlns:a16="http://schemas.microsoft.com/office/drawing/2014/main" id="{9B9FADD1-DA15-4C9D-8F71-EBE8487FC32F}"/>
+              </a:ext>
+            </a:extLst>
+          </p:cNvPr>
+          <p:cNvSpPr txBox="1"/>
+          <p:nvPr/>
+        </p:nvSpPr>
+        <p:spPr>
+          <a:xfrm>
+            <a:off x="2029798" y="5630239"/>
+            <a:ext cx="2295330" cy="369332"/>
+          </a:xfrm>
+          <a:prstGeom prst="rect">
+            <a:avLst/>
+          </a:prstGeom>
+          <a:noFill/>
+        </p:spPr>
         <p:txBody>
           <a:bodyPr wrap="square" rtlCol="0">
             <a:spAutoFit/>
@@ -5074,29 +4883,30 @@
           <a:lstStyle/>
           <a:p>
             <a:r>
-              <a:rPr lang="en-US" dirty="0"/>
-              <a:t>52749 </a:t>
+              <a:rPr lang="ru-RU" dirty="0"/>
+              <a:t>2207 </a:t>
             </a:r>
             <a:r>
               <a:rPr lang="en-US" dirty="0">
                 <a:sym typeface="Symbol" panose="05050102010706020507" pitchFamily="18" charset="2"/>
               </a:rPr>
-              <a:t> 4 = 210996</a:t>
-            </a:r>
-            <a:r>
-              <a:rPr lang="en-US" dirty="0"/>
-              <a:t> </a:t>
-            </a:r>
-            <a:endParaRPr lang="ru-UA" dirty="0"/>
-          </a:p>
-        </p:txBody>
-      </p:sp>
-      <p:sp>
-        <p:nvSpPr>
-          <p:cNvPr id="8" name="TextBox 7">
-            <a:extLst>
-              <a:ext uri="{FF2B5EF4-FFF2-40B4-BE49-F238E27FC236}">
-                <a16:creationId xmlns:a16="http://schemas.microsoft.com/office/drawing/2014/main" id="{5ADF1094-2BCE-4E57-8E9C-0B6C7CCB472B}"/>
+              <a:t></a:t>
+            </a:r>
+            <a:r>
+              <a:rPr lang="ru-RU" dirty="0">
+                <a:sym typeface="Symbol" panose="05050102010706020507" pitchFamily="18" charset="2"/>
+              </a:rPr>
+              <a:t> 47 = 103729</a:t>
+            </a:r>
+          </a:p>
+        </p:txBody>
+      </p:sp>
+      <p:sp>
+        <p:nvSpPr>
+          <p:cNvPr id="6" name="TextBox 5">
+            <a:extLst>
+              <a:ext uri="{FF2B5EF4-FFF2-40B4-BE49-F238E27FC236}">
+                <a16:creationId xmlns:a16="http://schemas.microsoft.com/office/drawing/2014/main" id="{1DF0929E-E778-4083-A5C7-EB2A2BCA8500}"/>
               </a:ext>
             </a:extLst>
           </p:cNvPr>
@@ -5130,7 +4940,7 @@
     </p:spTree>
     <p:extLst>
       <p:ext uri="{BB962C8B-B14F-4D97-AF65-F5344CB8AC3E}">
-        <p14:creationId xmlns:p14="http://schemas.microsoft.com/office/powerpoint/2010/main" val="2544857135"/>
+        <p14:creationId xmlns:p14="http://schemas.microsoft.com/office/powerpoint/2010/main" val="1602134575"/>
       </p:ext>
     </p:extLst>
   </p:cSld>
